--- a/2nd-Factor.pptx
+++ b/2nd-Factor.pptx
@@ -110,6 +110,11 @@
       </a:defRPr>
     </a:lvl9pPr>
   </p:defaultTextStyle>
+  <p:extLst>
+    <p:ext uri="{EFAFB233-063F-42B5-8137-9DF3F51BA10A}">
+      <p15:sldGuideLst xmlns:p15="http://schemas.microsoft.com/office/powerpoint/2012/main"/>
+    </p:ext>
+  </p:extLst>
 </p:presentation>
 </file>
 
@@ -126,7 +131,7 @@
   <pc:docChgLst>
     <pc:chgData name="Yorick Laros" userId="360726774b6fdad8" providerId="LiveId" clId="{96835D51-DFDE-48CD-B775-3746953B79D2}"/>
     <pc:docChg chg="undo custSel mod addSld modSld">
-      <pc:chgData name="Yorick Laros" userId="360726774b6fdad8" providerId="LiveId" clId="{96835D51-DFDE-48CD-B775-3746953B79D2}" dt="2021-01-17T18:43:20.915" v="618" actId="20577"/>
+      <pc:chgData name="Yorick Laros" userId="360726774b6fdad8" providerId="LiveId" clId="{96835D51-DFDE-48CD-B775-3746953B79D2}" dt="2021-01-18T19:50:37.465" v="641"/>
       <pc:docMkLst>
         <pc:docMk/>
       </pc:docMkLst>
@@ -218,7 +223,7 @@
         </pc:spChg>
       </pc:sldChg>
       <pc:sldChg chg="addSp modSp mod setBg">
-        <pc:chgData name="Yorick Laros" userId="360726774b6fdad8" providerId="LiveId" clId="{96835D51-DFDE-48CD-B775-3746953B79D2}" dt="2021-01-17T18:37:42.222" v="462" actId="20577"/>
+        <pc:chgData name="Yorick Laros" userId="360726774b6fdad8" providerId="LiveId" clId="{96835D51-DFDE-48CD-B775-3746953B79D2}" dt="2021-01-18T19:48:28.834" v="619" actId="20577"/>
         <pc:sldMkLst>
           <pc:docMk/>
           <pc:sldMk cId="33087723" sldId="257"/>
@@ -232,7 +237,7 @@
           </ac:spMkLst>
         </pc:spChg>
         <pc:spChg chg="mod">
-          <ac:chgData name="Yorick Laros" userId="360726774b6fdad8" providerId="LiveId" clId="{96835D51-DFDE-48CD-B775-3746953B79D2}" dt="2021-01-17T18:37:42.222" v="462" actId="20577"/>
+          <ac:chgData name="Yorick Laros" userId="360726774b6fdad8" providerId="LiveId" clId="{96835D51-DFDE-48CD-B775-3746953B79D2}" dt="2021-01-18T19:48:28.834" v="619" actId="20577"/>
           <ac:spMkLst>
             <pc:docMk/>
             <pc:sldMk cId="33087723" sldId="257"/>
@@ -273,7 +278,7 @@
         </pc:grpChg>
       </pc:sldChg>
       <pc:sldChg chg="addSp delSp modSp new mod setBg">
-        <pc:chgData name="Yorick Laros" userId="360726774b6fdad8" providerId="LiveId" clId="{96835D51-DFDE-48CD-B775-3746953B79D2}" dt="2021-01-17T18:31:39.347" v="175" actId="5793"/>
+        <pc:chgData name="Yorick Laros" userId="360726774b6fdad8" providerId="LiveId" clId="{96835D51-DFDE-48CD-B775-3746953B79D2}" dt="2021-01-18T19:50:07.582" v="635" actId="20577"/>
         <pc:sldMkLst>
           <pc:docMk/>
           <pc:sldMk cId="3311600136" sldId="258"/>
@@ -287,7 +292,7 @@
           </ac:spMkLst>
         </pc:spChg>
         <pc:spChg chg="mod">
-          <ac:chgData name="Yorick Laros" userId="360726774b6fdad8" providerId="LiveId" clId="{96835D51-DFDE-48CD-B775-3746953B79D2}" dt="2021-01-17T18:31:39.347" v="175" actId="5793"/>
+          <ac:chgData name="Yorick Laros" userId="360726774b6fdad8" providerId="LiveId" clId="{96835D51-DFDE-48CD-B775-3746953B79D2}" dt="2021-01-18T19:50:07.582" v="635" actId="20577"/>
           <ac:spMkLst>
             <pc:docMk/>
             <pc:sldMk cId="3311600136" sldId="258"/>
@@ -431,7 +436,7 @@
         </pc:cxnChg>
       </pc:sldChg>
       <pc:sldChg chg="addSp modSp new mod setBg">
-        <pc:chgData name="Yorick Laros" userId="360726774b6fdad8" providerId="LiveId" clId="{96835D51-DFDE-48CD-B775-3746953B79D2}" dt="2021-01-17T18:38:21.053" v="477" actId="20577"/>
+        <pc:chgData name="Yorick Laros" userId="360726774b6fdad8" providerId="LiveId" clId="{96835D51-DFDE-48CD-B775-3746953B79D2}" dt="2021-01-18T19:50:25.785" v="638"/>
         <pc:sldMkLst>
           <pc:docMk/>
           <pc:sldMk cId="913599329" sldId="260"/>
@@ -445,7 +450,7 @@
           </ac:spMkLst>
         </pc:spChg>
         <pc:spChg chg="mod">
-          <ac:chgData name="Yorick Laros" userId="360726774b6fdad8" providerId="LiveId" clId="{96835D51-DFDE-48CD-B775-3746953B79D2}" dt="2021-01-17T18:37:09.834" v="440" actId="20577"/>
+          <ac:chgData name="Yorick Laros" userId="360726774b6fdad8" providerId="LiveId" clId="{96835D51-DFDE-48CD-B775-3746953B79D2}" dt="2021-01-18T19:50:25.785" v="638"/>
           <ac:spMkLst>
             <pc:docMk/>
             <pc:sldMk cId="913599329" sldId="260"/>
@@ -597,7 +602,7 @@
         </pc:cxnChg>
       </pc:sldChg>
       <pc:sldChg chg="addSp delSp modSp new mod setBg">
-        <pc:chgData name="Yorick Laros" userId="360726774b6fdad8" providerId="LiveId" clId="{96835D51-DFDE-48CD-B775-3746953B79D2}" dt="2021-01-17T18:43:20.915" v="618" actId="20577"/>
+        <pc:chgData name="Yorick Laros" userId="360726774b6fdad8" providerId="LiveId" clId="{96835D51-DFDE-48CD-B775-3746953B79D2}" dt="2021-01-18T19:50:37.465" v="641"/>
         <pc:sldMkLst>
           <pc:docMk/>
           <pc:sldMk cId="1249222413" sldId="262"/>
@@ -675,7 +680,7 @@
           </ac:spMkLst>
         </pc:spChg>
         <pc:spChg chg="add mod">
-          <ac:chgData name="Yorick Laros" userId="360726774b6fdad8" providerId="LiveId" clId="{96835D51-DFDE-48CD-B775-3746953B79D2}" dt="2021-01-17T18:43:20.915" v="618" actId="20577"/>
+          <ac:chgData name="Yorick Laros" userId="360726774b6fdad8" providerId="LiveId" clId="{96835D51-DFDE-48CD-B775-3746953B79D2}" dt="2021-01-18T19:50:37.465" v="641"/>
           <ac:spMkLst>
             <pc:docMk/>
             <pc:sldMk cId="1249222413" sldId="262"/>
@@ -927,7 +932,7 @@
           <a:p>
             <a:fld id="{00AA4164-34D5-4452-8196-C085709679C2}" type="datetimeFigureOut">
               <a:rPr lang="nl-NL" smtClean="0"/>
-              <a:t>17-1-2021</a:t>
+              <a:t>18-1-2021</a:t>
             </a:fld>
             <a:endParaRPr lang="nl-NL"/>
           </a:p>
@@ -1363,7 +1368,7 @@
           <a:p>
             <a:fld id="{00AA4164-34D5-4452-8196-C085709679C2}" type="datetimeFigureOut">
               <a:rPr lang="nl-NL" smtClean="0"/>
-              <a:t>17-1-2021</a:t>
+              <a:t>18-1-2021</a:t>
             </a:fld>
             <a:endParaRPr lang="nl-NL"/>
           </a:p>
@@ -1613,7 +1618,7 @@
           <a:p>
             <a:fld id="{00AA4164-34D5-4452-8196-C085709679C2}" type="datetimeFigureOut">
               <a:rPr lang="nl-NL" smtClean="0"/>
-              <a:t>17-1-2021</a:t>
+              <a:t>18-1-2021</a:t>
             </a:fld>
             <a:endParaRPr lang="nl-NL"/>
           </a:p>
@@ -1921,7 +1926,7 @@
           <a:p>
             <a:fld id="{00AA4164-34D5-4452-8196-C085709679C2}" type="datetimeFigureOut">
               <a:rPr lang="nl-NL" smtClean="0"/>
-              <a:t>17-1-2021</a:t>
+              <a:t>18-1-2021</a:t>
             </a:fld>
             <a:endParaRPr lang="nl-NL"/>
           </a:p>
@@ -2239,7 +2244,7 @@
           <a:p>
             <a:fld id="{00AA4164-34D5-4452-8196-C085709679C2}" type="datetimeFigureOut">
               <a:rPr lang="nl-NL" smtClean="0"/>
-              <a:t>17-1-2021</a:t>
+              <a:t>18-1-2021</a:t>
             </a:fld>
             <a:endParaRPr lang="nl-NL"/>
           </a:p>
@@ -2541,7 +2546,7 @@
           <a:p>
             <a:fld id="{00AA4164-34D5-4452-8196-C085709679C2}" type="datetimeFigureOut">
               <a:rPr lang="nl-NL" smtClean="0"/>
-              <a:t>17-1-2021</a:t>
+              <a:t>18-1-2021</a:t>
             </a:fld>
             <a:endParaRPr lang="nl-NL"/>
           </a:p>
@@ -2908,7 +2913,7 @@
           <a:p>
             <a:fld id="{00AA4164-34D5-4452-8196-C085709679C2}" type="datetimeFigureOut">
               <a:rPr lang="nl-NL" smtClean="0"/>
-              <a:t>17-1-2021</a:t>
+              <a:t>18-1-2021</a:t>
             </a:fld>
             <a:endParaRPr lang="nl-NL"/>
           </a:p>
@@ -3082,7 +3087,7 @@
           <a:p>
             <a:fld id="{00AA4164-34D5-4452-8196-C085709679C2}" type="datetimeFigureOut">
               <a:rPr lang="nl-NL" smtClean="0"/>
-              <a:t>17-1-2021</a:t>
+              <a:t>18-1-2021</a:t>
             </a:fld>
             <a:endParaRPr lang="nl-NL"/>
           </a:p>
@@ -3262,7 +3267,7 @@
           <a:p>
             <a:fld id="{00AA4164-34D5-4452-8196-C085709679C2}" type="datetimeFigureOut">
               <a:rPr lang="nl-NL" smtClean="0"/>
-              <a:t>17-1-2021</a:t>
+              <a:t>18-1-2021</a:t>
             </a:fld>
             <a:endParaRPr lang="nl-NL"/>
           </a:p>
@@ -3432,7 +3437,7 @@
           <a:p>
             <a:fld id="{00AA4164-34D5-4452-8196-C085709679C2}" type="datetimeFigureOut">
               <a:rPr lang="nl-NL" smtClean="0"/>
-              <a:t>17-1-2021</a:t>
+              <a:t>18-1-2021</a:t>
             </a:fld>
             <a:endParaRPr lang="nl-NL"/>
           </a:p>
@@ -3682,7 +3687,7 @@
           <a:p>
             <a:fld id="{00AA4164-34D5-4452-8196-C085709679C2}" type="datetimeFigureOut">
               <a:rPr lang="nl-NL" smtClean="0"/>
-              <a:t>17-1-2021</a:t>
+              <a:t>18-1-2021</a:t>
             </a:fld>
             <a:endParaRPr lang="nl-NL"/>
           </a:p>
@@ -3918,7 +3923,7 @@
           <a:p>
             <a:fld id="{00AA4164-34D5-4452-8196-C085709679C2}" type="datetimeFigureOut">
               <a:rPr lang="nl-NL" smtClean="0"/>
-              <a:t>17-1-2021</a:t>
+              <a:t>18-1-2021</a:t>
             </a:fld>
             <a:endParaRPr lang="nl-NL"/>
           </a:p>
@@ -4300,7 +4305,7 @@
           <a:p>
             <a:fld id="{00AA4164-34D5-4452-8196-C085709679C2}" type="datetimeFigureOut">
               <a:rPr lang="nl-NL" smtClean="0"/>
-              <a:t>17-1-2021</a:t>
+              <a:t>18-1-2021</a:t>
             </a:fld>
             <a:endParaRPr lang="nl-NL"/>
           </a:p>
@@ -4418,7 +4423,7 @@
           <a:p>
             <a:fld id="{00AA4164-34D5-4452-8196-C085709679C2}" type="datetimeFigureOut">
               <a:rPr lang="nl-NL" smtClean="0"/>
-              <a:t>17-1-2021</a:t>
+              <a:t>18-1-2021</a:t>
             </a:fld>
             <a:endParaRPr lang="nl-NL"/>
           </a:p>
@@ -4513,7 +4518,7 @@
           <a:p>
             <a:fld id="{00AA4164-34D5-4452-8196-C085709679C2}" type="datetimeFigureOut">
               <a:rPr lang="nl-NL" smtClean="0"/>
-              <a:t>17-1-2021</a:t>
+              <a:t>18-1-2021</a:t>
             </a:fld>
             <a:endParaRPr lang="nl-NL"/>
           </a:p>
@@ -4768,7 +4773,7 @@
           <a:p>
             <a:fld id="{00AA4164-34D5-4452-8196-C085709679C2}" type="datetimeFigureOut">
               <a:rPr lang="nl-NL" smtClean="0"/>
-              <a:t>17-1-2021</a:t>
+              <a:t>18-1-2021</a:t>
             </a:fld>
             <a:endParaRPr lang="nl-NL"/>
           </a:p>
@@ -5051,7 +5056,7 @@
           <a:p>
             <a:fld id="{00AA4164-34D5-4452-8196-C085709679C2}" type="datetimeFigureOut">
               <a:rPr lang="nl-NL" smtClean="0"/>
-              <a:t>17-1-2021</a:t>
+              <a:t>18-1-2021</a:t>
             </a:fld>
             <a:endParaRPr lang="nl-NL"/>
           </a:p>
@@ -5457,7 +5462,7 @@
           <a:p>
             <a:fld id="{00AA4164-34D5-4452-8196-C085709679C2}" type="datetimeFigureOut">
               <a:rPr lang="nl-NL" smtClean="0"/>
-              <a:t>17-1-2021</a:t>
+              <a:t>18-1-2021</a:t>
             </a:fld>
             <a:endParaRPr lang="nl-NL"/>
           </a:p>
@@ -6852,7 +6857,7 @@
                   <a:srgbClr val="FFFFFF"/>
                 </a:solidFill>
               </a:rPr>
-              <a:t>Conclusie </a:t>
+              <a:t>Conclusie</a:t>
             </a:r>
           </a:p>
           <a:p>
@@ -7139,7 +7144,7 @@
                   <a:schemeClr val="tx1"/>
                 </a:solidFill>
               </a:rPr>
-              <a:t>Een twéé laag van authenticatie met kleurcode</a:t>
+              <a:t>Een twee-laags authenticatie met kleurcode</a:t>
             </a:r>
           </a:p>
           <a:p>
@@ -7149,7 +7154,7 @@
                   <a:schemeClr val="tx1"/>
                 </a:solidFill>
               </a:rPr>
-              <a:t>Fysiek sleutel </a:t>
+              <a:t>fysieke sleutel</a:t>
             </a:r>
           </a:p>
           <a:p>
@@ -7159,7 +7164,7 @@
                   <a:schemeClr val="tx1"/>
                 </a:solidFill>
               </a:rPr>
-              <a:t>Voor ongeletterden gebruiker</a:t>
+              <a:t>Voor ongeletterde gebruiker</a:t>
             </a:r>
           </a:p>
           <a:p>
@@ -8076,20 +8081,12 @@
           </a:p>
           <a:p>
             <a:r>
-              <a:rPr lang="nl-NL" sz="1800" dirty="0" err="1">
+              <a:rPr lang="nl-NL" sz="1800" dirty="0">
                 <a:solidFill>
                   <a:srgbClr val="FFFFFF"/>
                 </a:solidFill>
               </a:rPr>
-              <a:t>Intergratietesten</a:t>
-            </a:r>
-            <a:r>
-              <a:rPr lang="nl-NL" sz="1800" dirty="0">
-                <a:solidFill>
-                  <a:srgbClr val="FFFFFF"/>
-                </a:solidFill>
-              </a:rPr>
-              <a:t> </a:t>
+              <a:t>Integratietesten </a:t>
             </a:r>
           </a:p>
           <a:p>
@@ -9569,21 +9566,8 @@
                   <a:srgbClr val="FFFFFF"/>
                 </a:solidFill>
               </a:rPr>
-              <a:t> behaald </a:t>
-            </a:r>
-            <a:r>
-              <a:rPr lang="nl-NL" sz="1800" dirty="0" err="1">
-                <a:solidFill>
-                  <a:srgbClr val="FFFFFF"/>
-                </a:solidFill>
-              </a:rPr>
-              <a:t>resutaat</a:t>
-            </a:r>
-            <a:endParaRPr lang="nl-NL" sz="1800" dirty="0">
-              <a:solidFill>
-                <a:srgbClr val="FFFFFF"/>
-              </a:solidFill>
-            </a:endParaRPr>
+              <a:t> behaald resultaat</a:t>
+            </a:r>
           </a:p>
           <a:p>
             <a:r>
@@ -9602,21 +9586,8 @@
                   <a:srgbClr val="FFFFFF"/>
                 </a:solidFill>
               </a:rPr>
-              <a:t>Tips </a:t>
-            </a:r>
-            <a:r>
-              <a:rPr lang="nl-NL" sz="1800">
-                <a:solidFill>
-                  <a:srgbClr val="FFFFFF"/>
-                </a:solidFill>
-              </a:rPr>
-              <a:t>en Tops</a:t>
-            </a:r>
-            <a:endParaRPr lang="nl-NL" sz="1800" dirty="0">
-              <a:solidFill>
-                <a:srgbClr val="FFFFFF"/>
-              </a:solidFill>
-            </a:endParaRPr>
+              <a:t>Tips en Tops</a:t>
+            </a:r>
           </a:p>
         </p:txBody>
       </p:sp>

--- a/2nd-Factor.pptx
+++ b/2nd-Factor.pptx
@@ -12,6 +12,7 @@
     <p:sldId id="260" r:id="rId6"/>
     <p:sldId id="261" r:id="rId7"/>
     <p:sldId id="262" r:id="rId8"/>
+    <p:sldId id="263" r:id="rId9"/>
   </p:sldIdLst>
   <p:sldSz cx="12192000" cy="6858000"/>
   <p:notesSz cx="6858000" cy="9144000"/>
@@ -932,7 +933,7 @@
           <a:p>
             <a:fld id="{00AA4164-34D5-4452-8196-C085709679C2}" type="datetimeFigureOut">
               <a:rPr lang="nl-NL" smtClean="0"/>
-              <a:t>18-1-2021</a:t>
+              <a:t>20-1-2021</a:t>
             </a:fld>
             <a:endParaRPr lang="nl-NL"/>
           </a:p>
@@ -974,7 +975,7 @@
           <a:p>
             <a:fld id="{ED99817C-485A-4F31-99A2-8B379398FC65}" type="slidenum">
               <a:rPr lang="nl-NL" smtClean="0"/>
-              <a:t>‹nr.›</a:t>
+              <a:t>‹#›</a:t>
             </a:fld>
             <a:endParaRPr lang="nl-NL"/>
           </a:p>
@@ -1368,7 +1369,7 @@
           <a:p>
             <a:fld id="{00AA4164-34D5-4452-8196-C085709679C2}" type="datetimeFigureOut">
               <a:rPr lang="nl-NL" smtClean="0"/>
-              <a:t>18-1-2021</a:t>
+              <a:t>20-1-2021</a:t>
             </a:fld>
             <a:endParaRPr lang="nl-NL"/>
           </a:p>
@@ -1410,7 +1411,7 @@
           <a:p>
             <a:fld id="{ED99817C-485A-4F31-99A2-8B379398FC65}" type="slidenum">
               <a:rPr lang="nl-NL" smtClean="0"/>
-              <a:t>‹nr.›</a:t>
+              <a:t>‹#›</a:t>
             </a:fld>
             <a:endParaRPr lang="nl-NL"/>
           </a:p>
@@ -1618,7 +1619,7 @@
           <a:p>
             <a:fld id="{00AA4164-34D5-4452-8196-C085709679C2}" type="datetimeFigureOut">
               <a:rPr lang="nl-NL" smtClean="0"/>
-              <a:t>18-1-2021</a:t>
+              <a:t>20-1-2021</a:t>
             </a:fld>
             <a:endParaRPr lang="nl-NL"/>
           </a:p>
@@ -1660,7 +1661,7 @@
           <a:p>
             <a:fld id="{ED99817C-485A-4F31-99A2-8B379398FC65}" type="slidenum">
               <a:rPr lang="nl-NL" smtClean="0"/>
-              <a:t>‹nr.›</a:t>
+              <a:t>‹#›</a:t>
             </a:fld>
             <a:endParaRPr lang="nl-NL"/>
           </a:p>
@@ -1926,7 +1927,7 @@
           <a:p>
             <a:fld id="{00AA4164-34D5-4452-8196-C085709679C2}" type="datetimeFigureOut">
               <a:rPr lang="nl-NL" smtClean="0"/>
-              <a:t>18-1-2021</a:t>
+              <a:t>20-1-2021</a:t>
             </a:fld>
             <a:endParaRPr lang="nl-NL"/>
           </a:p>
@@ -1968,7 +1969,7 @@
           <a:p>
             <a:fld id="{ED99817C-485A-4F31-99A2-8B379398FC65}" type="slidenum">
               <a:rPr lang="nl-NL" smtClean="0"/>
-              <a:t>‹nr.›</a:t>
+              <a:t>‹#›</a:t>
             </a:fld>
             <a:endParaRPr lang="nl-NL"/>
           </a:p>
@@ -2244,7 +2245,7 @@
           <a:p>
             <a:fld id="{00AA4164-34D5-4452-8196-C085709679C2}" type="datetimeFigureOut">
               <a:rPr lang="nl-NL" smtClean="0"/>
-              <a:t>18-1-2021</a:t>
+              <a:t>20-1-2021</a:t>
             </a:fld>
             <a:endParaRPr lang="nl-NL"/>
           </a:p>
@@ -2286,7 +2287,7 @@
           <a:p>
             <a:fld id="{ED99817C-485A-4F31-99A2-8B379398FC65}" type="slidenum">
               <a:rPr lang="nl-NL" smtClean="0"/>
-              <a:t>‹nr.›</a:t>
+              <a:t>‹#›</a:t>
             </a:fld>
             <a:endParaRPr lang="nl-NL"/>
           </a:p>
@@ -2546,7 +2547,7 @@
           <a:p>
             <a:fld id="{00AA4164-34D5-4452-8196-C085709679C2}" type="datetimeFigureOut">
               <a:rPr lang="nl-NL" smtClean="0"/>
-              <a:t>18-1-2021</a:t>
+              <a:t>20-1-2021</a:t>
             </a:fld>
             <a:endParaRPr lang="nl-NL"/>
           </a:p>
@@ -2588,7 +2589,7 @@
           <a:p>
             <a:fld id="{ED99817C-485A-4F31-99A2-8B379398FC65}" type="slidenum">
               <a:rPr lang="nl-NL" smtClean="0"/>
-              <a:t>‹nr.›</a:t>
+              <a:t>‹#›</a:t>
             </a:fld>
             <a:endParaRPr lang="nl-NL"/>
           </a:p>
@@ -2913,7 +2914,7 @@
           <a:p>
             <a:fld id="{00AA4164-34D5-4452-8196-C085709679C2}" type="datetimeFigureOut">
               <a:rPr lang="nl-NL" smtClean="0"/>
-              <a:t>18-1-2021</a:t>
+              <a:t>20-1-2021</a:t>
             </a:fld>
             <a:endParaRPr lang="nl-NL"/>
           </a:p>
@@ -2955,7 +2956,7 @@
           <a:p>
             <a:fld id="{ED99817C-485A-4F31-99A2-8B379398FC65}" type="slidenum">
               <a:rPr lang="nl-NL" smtClean="0"/>
-              <a:t>‹nr.›</a:t>
+              <a:t>‹#›</a:t>
             </a:fld>
             <a:endParaRPr lang="nl-NL"/>
           </a:p>
@@ -3087,7 +3088,7 @@
           <a:p>
             <a:fld id="{00AA4164-34D5-4452-8196-C085709679C2}" type="datetimeFigureOut">
               <a:rPr lang="nl-NL" smtClean="0"/>
-              <a:t>18-1-2021</a:t>
+              <a:t>20-1-2021</a:t>
             </a:fld>
             <a:endParaRPr lang="nl-NL"/>
           </a:p>
@@ -3129,7 +3130,7 @@
           <a:p>
             <a:fld id="{ED99817C-485A-4F31-99A2-8B379398FC65}" type="slidenum">
               <a:rPr lang="nl-NL" smtClean="0"/>
-              <a:t>‹nr.›</a:t>
+              <a:t>‹#›</a:t>
             </a:fld>
             <a:endParaRPr lang="nl-NL"/>
           </a:p>
@@ -3267,7 +3268,7 @@
           <a:p>
             <a:fld id="{00AA4164-34D5-4452-8196-C085709679C2}" type="datetimeFigureOut">
               <a:rPr lang="nl-NL" smtClean="0"/>
-              <a:t>18-1-2021</a:t>
+              <a:t>20-1-2021</a:t>
             </a:fld>
             <a:endParaRPr lang="nl-NL"/>
           </a:p>
@@ -3309,7 +3310,7 @@
           <a:p>
             <a:fld id="{ED99817C-485A-4F31-99A2-8B379398FC65}" type="slidenum">
               <a:rPr lang="nl-NL" smtClean="0"/>
-              <a:t>‹nr.›</a:t>
+              <a:t>‹#›</a:t>
             </a:fld>
             <a:endParaRPr lang="nl-NL"/>
           </a:p>
@@ -3437,7 +3438,7 @@
           <a:p>
             <a:fld id="{00AA4164-34D5-4452-8196-C085709679C2}" type="datetimeFigureOut">
               <a:rPr lang="nl-NL" smtClean="0"/>
-              <a:t>18-1-2021</a:t>
+              <a:t>20-1-2021</a:t>
             </a:fld>
             <a:endParaRPr lang="nl-NL"/>
           </a:p>
@@ -3479,7 +3480,7 @@
           <a:p>
             <a:fld id="{ED99817C-485A-4F31-99A2-8B379398FC65}" type="slidenum">
               <a:rPr lang="nl-NL" smtClean="0"/>
-              <a:t>‹nr.›</a:t>
+              <a:t>‹#›</a:t>
             </a:fld>
             <a:endParaRPr lang="nl-NL"/>
           </a:p>
@@ -3687,7 +3688,7 @@
           <a:p>
             <a:fld id="{00AA4164-34D5-4452-8196-C085709679C2}" type="datetimeFigureOut">
               <a:rPr lang="nl-NL" smtClean="0"/>
-              <a:t>18-1-2021</a:t>
+              <a:t>20-1-2021</a:t>
             </a:fld>
             <a:endParaRPr lang="nl-NL"/>
           </a:p>
@@ -3729,7 +3730,7 @@
           <a:p>
             <a:fld id="{ED99817C-485A-4F31-99A2-8B379398FC65}" type="slidenum">
               <a:rPr lang="nl-NL" smtClean="0"/>
-              <a:t>‹nr.›</a:t>
+              <a:t>‹#›</a:t>
             </a:fld>
             <a:endParaRPr lang="nl-NL"/>
           </a:p>
@@ -3923,7 +3924,7 @@
           <a:p>
             <a:fld id="{00AA4164-34D5-4452-8196-C085709679C2}" type="datetimeFigureOut">
               <a:rPr lang="nl-NL" smtClean="0"/>
-              <a:t>18-1-2021</a:t>
+              <a:t>20-1-2021</a:t>
             </a:fld>
             <a:endParaRPr lang="nl-NL"/>
           </a:p>
@@ -3965,7 +3966,7 @@
           <a:p>
             <a:fld id="{ED99817C-485A-4F31-99A2-8B379398FC65}" type="slidenum">
               <a:rPr lang="nl-NL" smtClean="0"/>
-              <a:t>‹nr.›</a:t>
+              <a:t>‹#›</a:t>
             </a:fld>
             <a:endParaRPr lang="nl-NL"/>
           </a:p>
@@ -4305,7 +4306,7 @@
           <a:p>
             <a:fld id="{00AA4164-34D5-4452-8196-C085709679C2}" type="datetimeFigureOut">
               <a:rPr lang="nl-NL" smtClean="0"/>
-              <a:t>18-1-2021</a:t>
+              <a:t>20-1-2021</a:t>
             </a:fld>
             <a:endParaRPr lang="nl-NL"/>
           </a:p>
@@ -4347,7 +4348,7 @@
           <a:p>
             <a:fld id="{ED99817C-485A-4F31-99A2-8B379398FC65}" type="slidenum">
               <a:rPr lang="nl-NL" smtClean="0"/>
-              <a:t>‹nr.›</a:t>
+              <a:t>‹#›</a:t>
             </a:fld>
             <a:endParaRPr lang="nl-NL"/>
           </a:p>
@@ -4423,7 +4424,7 @@
           <a:p>
             <a:fld id="{00AA4164-34D5-4452-8196-C085709679C2}" type="datetimeFigureOut">
               <a:rPr lang="nl-NL" smtClean="0"/>
-              <a:t>18-1-2021</a:t>
+              <a:t>20-1-2021</a:t>
             </a:fld>
             <a:endParaRPr lang="nl-NL"/>
           </a:p>
@@ -4465,7 +4466,7 @@
           <a:p>
             <a:fld id="{ED99817C-485A-4F31-99A2-8B379398FC65}" type="slidenum">
               <a:rPr lang="nl-NL" smtClean="0"/>
-              <a:t>‹nr.›</a:t>
+              <a:t>‹#›</a:t>
             </a:fld>
             <a:endParaRPr lang="nl-NL"/>
           </a:p>
@@ -4518,7 +4519,7 @@
           <a:p>
             <a:fld id="{00AA4164-34D5-4452-8196-C085709679C2}" type="datetimeFigureOut">
               <a:rPr lang="nl-NL" smtClean="0"/>
-              <a:t>18-1-2021</a:t>
+              <a:t>20-1-2021</a:t>
             </a:fld>
             <a:endParaRPr lang="nl-NL"/>
           </a:p>
@@ -4560,7 +4561,7 @@
           <a:p>
             <a:fld id="{ED99817C-485A-4F31-99A2-8B379398FC65}" type="slidenum">
               <a:rPr lang="nl-NL" smtClean="0"/>
-              <a:t>‹nr.›</a:t>
+              <a:t>‹#›</a:t>
             </a:fld>
             <a:endParaRPr lang="nl-NL"/>
           </a:p>
@@ -4773,7 +4774,7 @@
           <a:p>
             <a:fld id="{00AA4164-34D5-4452-8196-C085709679C2}" type="datetimeFigureOut">
               <a:rPr lang="nl-NL" smtClean="0"/>
-              <a:t>18-1-2021</a:t>
+              <a:t>20-1-2021</a:t>
             </a:fld>
             <a:endParaRPr lang="nl-NL"/>
           </a:p>
@@ -4815,7 +4816,7 @@
           <a:p>
             <a:fld id="{ED99817C-485A-4F31-99A2-8B379398FC65}" type="slidenum">
               <a:rPr lang="nl-NL" smtClean="0"/>
-              <a:t>‹nr.›</a:t>
+              <a:t>‹#›</a:t>
             </a:fld>
             <a:endParaRPr lang="nl-NL"/>
           </a:p>
@@ -5056,7 +5057,7 @@
           <a:p>
             <a:fld id="{00AA4164-34D5-4452-8196-C085709679C2}" type="datetimeFigureOut">
               <a:rPr lang="nl-NL" smtClean="0"/>
-              <a:t>18-1-2021</a:t>
+              <a:t>20-1-2021</a:t>
             </a:fld>
             <a:endParaRPr lang="nl-NL"/>
           </a:p>
@@ -5098,7 +5099,7 @@
           <a:p>
             <a:fld id="{ED99817C-485A-4F31-99A2-8B379398FC65}" type="slidenum">
               <a:rPr lang="nl-NL" smtClean="0"/>
-              <a:t>‹nr.›</a:t>
+              <a:t>‹#›</a:t>
             </a:fld>
             <a:endParaRPr lang="nl-NL"/>
           </a:p>
@@ -5462,7 +5463,7 @@
           <a:p>
             <a:fld id="{00AA4164-34D5-4452-8196-C085709679C2}" type="datetimeFigureOut">
               <a:rPr lang="nl-NL" smtClean="0"/>
-              <a:t>18-1-2021</a:t>
+              <a:t>20-1-2021</a:t>
             </a:fld>
             <a:endParaRPr lang="nl-NL"/>
           </a:p>
@@ -5544,7 +5545,7 @@
           <a:p>
             <a:fld id="{ED99817C-485A-4F31-99A2-8B379398FC65}" type="slidenum">
               <a:rPr lang="nl-NL" smtClean="0"/>
-              <a:t>‹nr.›</a:t>
+              <a:t>‹#›</a:t>
             </a:fld>
             <a:endParaRPr lang="nl-NL"/>
           </a:p>
@@ -6214,7 +6215,7 @@
           </a:bodyPr>
           <a:lstStyle/>
           <a:p>
-            <a:endParaRPr lang="nl-NL">
+            <a:endParaRPr lang="nl-NL" dirty="0">
               <a:solidFill>
                 <a:schemeClr val="tx1">
                   <a:alpha val="80000"/>
@@ -9595,6 +9596,831 @@
     <p:extLst>
       <p:ext uri="{BB962C8B-B14F-4D97-AF65-F5344CB8AC3E}">
         <p14:creationId xmlns:p14="http://schemas.microsoft.com/office/powerpoint/2010/main" val="1249222413"/>
+      </p:ext>
+    </p:extLst>
+  </p:cSld>
+  <p:clrMapOvr>
+    <a:masterClrMapping/>
+  </p:clrMapOvr>
+</p:sld>
+</file>
+
+<file path=ppt/slides/slide8.xml><?xml version="1.0" encoding="utf-8"?>
+<p:sld xmlns:a="http://schemas.openxmlformats.org/drawingml/2006/main" xmlns:r="http://schemas.openxmlformats.org/officeDocument/2006/relationships" xmlns:p="http://schemas.openxmlformats.org/presentationml/2006/main">
+  <p:cSld>
+    <p:bg>
+      <p:bgPr>
+        <a:solidFill>
+          <a:schemeClr val="bg2"/>
+        </a:solidFill>
+        <a:effectLst/>
+      </p:bgPr>
+    </p:bg>
+    <p:spTree>
+      <p:nvGrpSpPr>
+        <p:cNvPr id="1" name=""/>
+        <p:cNvGrpSpPr/>
+        <p:nvPr/>
+      </p:nvGrpSpPr>
+      <p:grpSpPr>
+        <a:xfrm>
+          <a:off x="0" y="0"/>
+          <a:ext cx="0" cy="0"/>
+          <a:chOff x="0" y="0"/>
+          <a:chExt cx="0" cy="0"/>
+        </a:xfrm>
+      </p:grpSpPr>
+      <p:cxnSp>
+        <p:nvCxnSpPr>
+          <p:cNvPr id="8" name="Straight Connector 7">
+            <a:extLst>
+              <a:ext uri="{FF2B5EF4-FFF2-40B4-BE49-F238E27FC236}">
+                <a16:creationId xmlns:a16="http://schemas.microsoft.com/office/drawing/2014/main" id="{FEB90296-CFE0-401D-9CA3-32966EC4F01D}"/>
+              </a:ext>
+              <a:ext uri="{C183D7F6-B498-43B3-948B-1728B52AA6E4}">
+                <adec:decorative xmlns:adec="http://schemas.microsoft.com/office/drawing/2017/decorative" val="1"/>
+              </a:ext>
+            </a:extLst>
+          </p:cNvPr>
+          <p:cNvCxnSpPr>
+            <a:cxnSpLocks noGrp="1" noRot="1" noChangeAspect="1" noMove="1" noResize="1" noEditPoints="1" noAdjustHandles="1" noChangeArrowheads="1" noChangeShapeType="1"/>
+          </p:cNvCxnSpPr>
+          <p:nvPr>
+            <p:extLst>
+              <p:ext uri="{386F3935-93C4-4BCD-93E2-E3B085C9AB24}">
+                <p16:designElem xmlns:p16="http://schemas.microsoft.com/office/powerpoint/2015/main" val="1"/>
+              </p:ext>
+            </p:extLst>
+          </p:nvPr>
+        </p:nvCxnSpPr>
+        <p:spPr>
+          <a:xfrm flipH="1">
+            <a:off x="8228012" y="8467"/>
+            <a:ext cx="3810000" cy="3810000"/>
+          </a:xfrm>
+          <a:prstGeom prst="line">
+            <a:avLst/>
+          </a:prstGeom>
+          <a:ln w="12700">
+            <a:solidFill>
+              <a:schemeClr val="tx1"/>
+            </a:solidFill>
+          </a:ln>
+        </p:spPr>
+        <p:style>
+          <a:lnRef idx="2">
+            <a:schemeClr val="accent1"/>
+          </a:lnRef>
+          <a:fillRef idx="0">
+            <a:schemeClr val="accent1"/>
+          </a:fillRef>
+          <a:effectRef idx="1">
+            <a:schemeClr val="accent1"/>
+          </a:effectRef>
+          <a:fontRef idx="minor">
+            <a:schemeClr val="tx1"/>
+          </a:fontRef>
+        </p:style>
+      </p:cxnSp>
+      <p:cxnSp>
+        <p:nvCxnSpPr>
+          <p:cNvPr id="10" name="Straight Connector 9">
+            <a:extLst>
+              <a:ext uri="{FF2B5EF4-FFF2-40B4-BE49-F238E27FC236}">
+                <a16:creationId xmlns:a16="http://schemas.microsoft.com/office/drawing/2014/main" id="{08C9B4EE-7611-4ED9-B356-7BDD377C39B0}"/>
+              </a:ext>
+              <a:ext uri="{C183D7F6-B498-43B3-948B-1728B52AA6E4}">
+                <adec:decorative xmlns:adec="http://schemas.microsoft.com/office/drawing/2017/decorative" val="1"/>
+              </a:ext>
+            </a:extLst>
+          </p:cNvPr>
+          <p:cNvCxnSpPr>
+            <a:cxnSpLocks noGrp="1" noRot="1" noChangeAspect="1" noMove="1" noResize="1" noEditPoints="1" noAdjustHandles="1" noChangeArrowheads="1" noChangeShapeType="1"/>
+          </p:cNvCxnSpPr>
+          <p:nvPr>
+            <p:extLst>
+              <p:ext uri="{386F3935-93C4-4BCD-93E2-E3B085C9AB24}">
+                <p16:designElem xmlns:p16="http://schemas.microsoft.com/office/powerpoint/2015/main" val="1"/>
+              </p:ext>
+            </p:extLst>
+          </p:nvPr>
+        </p:nvCxnSpPr>
+        <p:spPr>
+          <a:xfrm flipH="1">
+            <a:off x="6108170" y="91545"/>
+            <a:ext cx="6080655" cy="6080655"/>
+          </a:xfrm>
+          <a:prstGeom prst="line">
+            <a:avLst/>
+          </a:prstGeom>
+          <a:ln w="12700">
+            <a:solidFill>
+              <a:schemeClr val="tx1"/>
+            </a:solidFill>
+          </a:ln>
+        </p:spPr>
+        <p:style>
+          <a:lnRef idx="2">
+            <a:schemeClr val="accent1"/>
+          </a:lnRef>
+          <a:fillRef idx="0">
+            <a:schemeClr val="accent1"/>
+          </a:fillRef>
+          <a:effectRef idx="1">
+            <a:schemeClr val="accent1"/>
+          </a:effectRef>
+          <a:fontRef idx="minor">
+            <a:schemeClr val="tx1"/>
+          </a:fontRef>
+        </p:style>
+      </p:cxnSp>
+      <p:cxnSp>
+        <p:nvCxnSpPr>
+          <p:cNvPr id="12" name="Straight Connector 11">
+            <a:extLst>
+              <a:ext uri="{FF2B5EF4-FFF2-40B4-BE49-F238E27FC236}">
+                <a16:creationId xmlns:a16="http://schemas.microsoft.com/office/drawing/2014/main" id="{4A4F266A-F2F7-47CD-8BBC-E3777E982FD2}"/>
+              </a:ext>
+              <a:ext uri="{C183D7F6-B498-43B3-948B-1728B52AA6E4}">
+                <adec:decorative xmlns:adec="http://schemas.microsoft.com/office/drawing/2017/decorative" val="1"/>
+              </a:ext>
+            </a:extLst>
+          </p:cNvPr>
+          <p:cNvCxnSpPr>
+            <a:cxnSpLocks noGrp="1" noRot="1" noChangeAspect="1" noMove="1" noResize="1" noEditPoints="1" noAdjustHandles="1" noChangeArrowheads="1" noChangeShapeType="1"/>
+          </p:cNvCxnSpPr>
+          <p:nvPr>
+            <p:extLst>
+              <p:ext uri="{386F3935-93C4-4BCD-93E2-E3B085C9AB24}">
+                <p16:designElem xmlns:p16="http://schemas.microsoft.com/office/powerpoint/2015/main" val="1"/>
+              </p:ext>
+            </p:extLst>
+          </p:nvPr>
+        </p:nvCxnSpPr>
+        <p:spPr>
+          <a:xfrm flipH="1">
+            <a:off x="7235825" y="228600"/>
+            <a:ext cx="4953000" cy="4953000"/>
+          </a:xfrm>
+          <a:prstGeom prst="line">
+            <a:avLst/>
+          </a:prstGeom>
+          <a:ln w="12700">
+            <a:solidFill>
+              <a:schemeClr val="tx1"/>
+            </a:solidFill>
+          </a:ln>
+        </p:spPr>
+        <p:style>
+          <a:lnRef idx="2">
+            <a:schemeClr val="accent1"/>
+          </a:lnRef>
+          <a:fillRef idx="0">
+            <a:schemeClr val="accent1"/>
+          </a:fillRef>
+          <a:effectRef idx="1">
+            <a:schemeClr val="accent1"/>
+          </a:effectRef>
+          <a:fontRef idx="minor">
+            <a:schemeClr val="tx1"/>
+          </a:fontRef>
+        </p:style>
+      </p:cxnSp>
+      <p:cxnSp>
+        <p:nvCxnSpPr>
+          <p:cNvPr id="14" name="Straight Connector 13">
+            <a:extLst>
+              <a:ext uri="{FF2B5EF4-FFF2-40B4-BE49-F238E27FC236}">
+                <a16:creationId xmlns:a16="http://schemas.microsoft.com/office/drawing/2014/main" id="{20D69C80-8919-4A32-B897-F2A21F940574}"/>
+              </a:ext>
+              <a:ext uri="{C183D7F6-B498-43B3-948B-1728B52AA6E4}">
+                <adec:decorative xmlns:adec="http://schemas.microsoft.com/office/drawing/2017/decorative" val="1"/>
+              </a:ext>
+            </a:extLst>
+          </p:cNvPr>
+          <p:cNvCxnSpPr>
+            <a:cxnSpLocks noGrp="1" noRot="1" noChangeAspect="1" noMove="1" noResize="1" noEditPoints="1" noAdjustHandles="1" noChangeArrowheads="1" noChangeShapeType="1"/>
+          </p:cNvCxnSpPr>
+          <p:nvPr>
+            <p:extLst>
+              <p:ext uri="{386F3935-93C4-4BCD-93E2-E3B085C9AB24}">
+                <p16:designElem xmlns:p16="http://schemas.microsoft.com/office/powerpoint/2015/main" val="1"/>
+              </p:ext>
+            </p:extLst>
+          </p:nvPr>
+        </p:nvCxnSpPr>
+        <p:spPr>
+          <a:xfrm flipH="1">
+            <a:off x="7335837" y="32278"/>
+            <a:ext cx="4852989" cy="4852989"/>
+          </a:xfrm>
+          <a:prstGeom prst="line">
+            <a:avLst/>
+          </a:prstGeom>
+          <a:ln w="31750">
+            <a:solidFill>
+              <a:schemeClr val="tx1"/>
+            </a:solidFill>
+          </a:ln>
+        </p:spPr>
+        <p:style>
+          <a:lnRef idx="2">
+            <a:schemeClr val="accent1"/>
+          </a:lnRef>
+          <a:fillRef idx="0">
+            <a:schemeClr val="accent1"/>
+          </a:fillRef>
+          <a:effectRef idx="1">
+            <a:schemeClr val="accent1"/>
+          </a:effectRef>
+          <a:fontRef idx="minor">
+            <a:schemeClr val="tx1"/>
+          </a:fontRef>
+        </p:style>
+      </p:cxnSp>
+      <p:cxnSp>
+        <p:nvCxnSpPr>
+          <p:cNvPr id="16" name="Straight Connector 15">
+            <a:extLst>
+              <a:ext uri="{FF2B5EF4-FFF2-40B4-BE49-F238E27FC236}">
+                <a16:creationId xmlns:a16="http://schemas.microsoft.com/office/drawing/2014/main" id="{F427B072-CC5B-481B-9719-8CD4C54444BE}"/>
+              </a:ext>
+              <a:ext uri="{C183D7F6-B498-43B3-948B-1728B52AA6E4}">
+                <adec:decorative xmlns:adec="http://schemas.microsoft.com/office/drawing/2017/decorative" val="1"/>
+              </a:ext>
+            </a:extLst>
+          </p:cNvPr>
+          <p:cNvCxnSpPr>
+            <a:cxnSpLocks noGrp="1" noRot="1" noChangeAspect="1" noMove="1" noResize="1" noEditPoints="1" noAdjustHandles="1" noChangeArrowheads="1" noChangeShapeType="1"/>
+          </p:cNvCxnSpPr>
+          <p:nvPr>
+            <p:extLst>
+              <p:ext uri="{386F3935-93C4-4BCD-93E2-E3B085C9AB24}">
+                <p16:designElem xmlns:p16="http://schemas.microsoft.com/office/powerpoint/2015/main" val="1"/>
+              </p:ext>
+            </p:extLst>
+          </p:nvPr>
+        </p:nvCxnSpPr>
+        <p:spPr>
+          <a:xfrm flipH="1">
+            <a:off x="7845426" y="609601"/>
+            <a:ext cx="4343399" cy="4343399"/>
+          </a:xfrm>
+          <a:prstGeom prst="line">
+            <a:avLst/>
+          </a:prstGeom>
+          <a:ln w="31750">
+            <a:solidFill>
+              <a:schemeClr val="tx1"/>
+            </a:solidFill>
+          </a:ln>
+        </p:spPr>
+        <p:style>
+          <a:lnRef idx="2">
+            <a:schemeClr val="accent1"/>
+          </a:lnRef>
+          <a:fillRef idx="0">
+            <a:schemeClr val="accent1"/>
+          </a:fillRef>
+          <a:effectRef idx="1">
+            <a:schemeClr val="accent1"/>
+          </a:effectRef>
+          <a:fontRef idx="minor">
+            <a:schemeClr val="tx1"/>
+          </a:fontRef>
+        </p:style>
+      </p:cxnSp>
+      <p:sp useBgFill="1">
+        <p:nvSpPr>
+          <p:cNvPr id="18" name="Rectangle 17">
+            <a:extLst>
+              <a:ext uri="{FF2B5EF4-FFF2-40B4-BE49-F238E27FC236}">
+                <a16:creationId xmlns:a16="http://schemas.microsoft.com/office/drawing/2014/main" id="{313BE87B-D7FD-4BF3-A7BC-511F522528C2}"/>
+              </a:ext>
+              <a:ext uri="{C183D7F6-B498-43B3-948B-1728B52AA6E4}">
+                <adec:decorative xmlns:adec="http://schemas.microsoft.com/office/drawing/2017/decorative" val="1"/>
+              </a:ext>
+            </a:extLst>
+          </p:cNvPr>
+          <p:cNvSpPr>
+            <a:spLocks noGrp="1" noRot="1" noChangeAspect="1" noMove="1" noResize="1" noEditPoints="1" noAdjustHandles="1" noChangeArrowheads="1" noChangeShapeType="1" noTextEdit="1"/>
+          </p:cNvSpPr>
+          <p:nvPr>
+            <p:extLst>
+              <p:ext uri="{386F3935-93C4-4BCD-93E2-E3B085C9AB24}">
+                <p16:designElem xmlns:p16="http://schemas.microsoft.com/office/powerpoint/2015/main" val="1"/>
+              </p:ext>
+            </p:extLst>
+          </p:nvPr>
+        </p:nvSpPr>
+        <p:spPr>
+          <a:xfrm>
+            <a:off x="0" y="0"/>
+            <a:ext cx="12192000" cy="6858000"/>
+          </a:xfrm>
+          <a:prstGeom prst="rect">
+            <a:avLst/>
+          </a:prstGeom>
+          <a:solidFill>
+            <a:schemeClr val="accent1"/>
+          </a:solidFill>
+          <a:ln>
+            <a:noFill/>
+          </a:ln>
+        </p:spPr>
+        <p:style>
+          <a:lnRef idx="2">
+            <a:schemeClr val="accent1">
+              <a:shade val="50000"/>
+            </a:schemeClr>
+          </a:lnRef>
+          <a:fillRef idx="1">
+            <a:schemeClr val="accent1"/>
+          </a:fillRef>
+          <a:effectRef idx="0">
+            <a:schemeClr val="accent1"/>
+          </a:effectRef>
+          <a:fontRef idx="minor">
+            <a:schemeClr val="lt1"/>
+          </a:fontRef>
+        </p:style>
+        <p:txBody>
+          <a:bodyPr rtlCol="0" anchor="ctr"/>
+          <a:lstStyle/>
+          <a:p>
+            <a:pPr algn="ctr"/>
+            <a:endParaRPr lang="en-US"/>
+          </a:p>
+        </p:txBody>
+      </p:sp>
+      <p:sp>
+        <p:nvSpPr>
+          <p:cNvPr id="20" name="Rectangle 19">
+            <a:extLst>
+              <a:ext uri="{FF2B5EF4-FFF2-40B4-BE49-F238E27FC236}">
+                <a16:creationId xmlns:a16="http://schemas.microsoft.com/office/drawing/2014/main" id="{035A481B-C639-4892-B0EF-4D8373A9B06A}"/>
+              </a:ext>
+              <a:ext uri="{C183D7F6-B498-43B3-948B-1728B52AA6E4}">
+                <adec:decorative xmlns:adec="http://schemas.microsoft.com/office/drawing/2017/decorative" val="1"/>
+              </a:ext>
+            </a:extLst>
+          </p:cNvPr>
+          <p:cNvSpPr>
+            <a:spLocks noGrp="1" noRot="1" noChangeAspect="1" noMove="1" noResize="1" noEditPoints="1" noAdjustHandles="1" noChangeArrowheads="1" noChangeShapeType="1" noTextEdit="1"/>
+          </p:cNvSpPr>
+          <p:nvPr>
+            <p:extLst>
+              <p:ext uri="{386F3935-93C4-4BCD-93E2-E3B085C9AB24}">
+                <p16:designElem xmlns:p16="http://schemas.microsoft.com/office/powerpoint/2015/main" val="1"/>
+              </p:ext>
+            </p:extLst>
+          </p:nvPr>
+        </p:nvSpPr>
+        <p:spPr>
+          <a:xfrm>
+            <a:off x="0" y="-1"/>
+            <a:ext cx="4639734" cy="6858000"/>
+          </a:xfrm>
+          <a:prstGeom prst="rect">
+            <a:avLst/>
+          </a:prstGeom>
+          <a:solidFill>
+            <a:schemeClr val="accent1">
+              <a:lumMod val="75000"/>
+            </a:schemeClr>
+          </a:solidFill>
+          <a:ln>
+            <a:noFill/>
+          </a:ln>
+          <a:effectLst/>
+        </p:spPr>
+        <p:style>
+          <a:lnRef idx="2">
+            <a:schemeClr val="accent1">
+              <a:shade val="50000"/>
+            </a:schemeClr>
+          </a:lnRef>
+          <a:fillRef idx="1001">
+            <a:schemeClr val="dk2"/>
+          </a:fillRef>
+          <a:effectRef idx="0">
+            <a:schemeClr val="accent1"/>
+          </a:effectRef>
+          <a:fontRef idx="minor">
+            <a:schemeClr val="lt1"/>
+          </a:fontRef>
+        </p:style>
+        <p:txBody>
+          <a:bodyPr rtlCol="0" anchor="ctr"/>
+          <a:lstStyle/>
+          <a:p>
+            <a:pPr algn="ctr"/>
+            <a:endParaRPr lang="en-US"/>
+          </a:p>
+        </p:txBody>
+      </p:sp>
+      <p:sp>
+        <p:nvSpPr>
+          <p:cNvPr id="22" name="Rectangle 21">
+            <a:extLst>
+              <a:ext uri="{FF2B5EF4-FFF2-40B4-BE49-F238E27FC236}">
+                <a16:creationId xmlns:a16="http://schemas.microsoft.com/office/drawing/2014/main" id="{052BD58B-6284-459E-9FF4-A97F3A569074}"/>
+              </a:ext>
+              <a:ext uri="{C183D7F6-B498-43B3-948B-1728B52AA6E4}">
+                <adec:decorative xmlns:adec="http://schemas.microsoft.com/office/drawing/2017/decorative" val="1"/>
+              </a:ext>
+            </a:extLst>
+          </p:cNvPr>
+          <p:cNvSpPr>
+            <a:spLocks noGrp="1" noRot="1" noChangeAspect="1" noMove="1" noResize="1" noEditPoints="1" noAdjustHandles="1" noChangeArrowheads="1" noChangeShapeType="1" noTextEdit="1"/>
+          </p:cNvSpPr>
+          <p:nvPr>
+            <p:extLst>
+              <p:ext uri="{386F3935-93C4-4BCD-93E2-E3B085C9AB24}">
+                <p16:designElem xmlns:p16="http://schemas.microsoft.com/office/powerpoint/2015/main" val="1"/>
+              </p:ext>
+            </p:extLst>
+          </p:nvPr>
+        </p:nvSpPr>
+        <p:spPr>
+          <a:xfrm>
+            <a:off x="0" y="-2"/>
+            <a:ext cx="1438656" cy="6858000"/>
+          </a:xfrm>
+          <a:prstGeom prst="rect">
+            <a:avLst/>
+          </a:prstGeom>
+          <a:solidFill>
+            <a:schemeClr val="accent1">
+              <a:lumMod val="50000"/>
+            </a:schemeClr>
+          </a:solidFill>
+          <a:ln>
+            <a:noFill/>
+          </a:ln>
+        </p:spPr>
+        <p:style>
+          <a:lnRef idx="2">
+            <a:schemeClr val="accent1">
+              <a:shade val="50000"/>
+            </a:schemeClr>
+          </a:lnRef>
+          <a:fillRef idx="1003">
+            <a:schemeClr val="lt1"/>
+          </a:fillRef>
+          <a:effectRef idx="0">
+            <a:schemeClr val="accent1"/>
+          </a:effectRef>
+          <a:fontRef idx="minor">
+            <a:schemeClr val="lt1"/>
+          </a:fontRef>
+        </p:style>
+        <p:txBody>
+          <a:bodyPr rtlCol="0" anchor="ctr"/>
+          <a:lstStyle/>
+          <a:p>
+            <a:pPr algn="ctr"/>
+            <a:endParaRPr lang="en-US">
+              <a:solidFill>
+                <a:schemeClr val="accent2"/>
+              </a:solidFill>
+            </a:endParaRPr>
+          </a:p>
+        </p:txBody>
+      </p:sp>
+      <p:grpSp>
+        <p:nvGrpSpPr>
+          <p:cNvPr id="24" name="Group 23">
+            <a:extLst>
+              <a:ext uri="{FF2B5EF4-FFF2-40B4-BE49-F238E27FC236}">
+                <a16:creationId xmlns:a16="http://schemas.microsoft.com/office/drawing/2014/main" id="{AE589C21-CEDE-4D90-AC85-6E43B68D1316}"/>
+              </a:ext>
+              <a:ext uri="{C183D7F6-B498-43B3-948B-1728B52AA6E4}">
+                <adec:decorative xmlns:adec="http://schemas.microsoft.com/office/drawing/2017/decorative" val="1"/>
+              </a:ext>
+            </a:extLst>
+          </p:cNvPr>
+          <p:cNvGrpSpPr>
+            <a:grpSpLocks noGrp="1" noUngrp="1" noRot="1" noChangeAspect="1" noMove="1" noResize="1"/>
+          </p:cNvGrpSpPr>
+          <p:nvPr>
+            <p:extLst>
+              <p:ext uri="{386F3935-93C4-4BCD-93E2-E3B085C9AB24}">
+                <p16:designElem xmlns:p16="http://schemas.microsoft.com/office/powerpoint/2015/main" val="1"/>
+              </p:ext>
+            </p:extLst>
+          </p:nvPr>
+        </p:nvGrpSpPr>
+        <p:grpSpPr>
+          <a:xfrm>
+            <a:off x="9206969" y="3449715"/>
+            <a:ext cx="2981858" cy="3208867"/>
+            <a:chOff x="9206969" y="2963333"/>
+            <a:chExt cx="2981858" cy="3208867"/>
+          </a:xfrm>
+        </p:grpSpPr>
+        <p:cxnSp>
+          <p:nvCxnSpPr>
+            <p:cNvPr id="25" name="Straight Connector 24">
+              <a:extLst>
+                <a:ext uri="{FF2B5EF4-FFF2-40B4-BE49-F238E27FC236}">
+                  <a16:creationId xmlns:a16="http://schemas.microsoft.com/office/drawing/2014/main" id="{1F4121EC-0ADD-45C0-85F0-D49F67A3ED8B}"/>
+                </a:ext>
+                <a:ext uri="{C183D7F6-B498-43B3-948B-1728B52AA6E4}">
+                  <adec:decorative xmlns:adec="http://schemas.microsoft.com/office/drawing/2017/decorative" val="1"/>
+                </a:ext>
+              </a:extLst>
+            </p:cNvPr>
+            <p:cNvCxnSpPr/>
+            <p:nvPr>
+              <p:extLst>
+                <p:ext uri="{386F3935-93C4-4BCD-93E2-E3B085C9AB24}">
+                  <p16:designElem xmlns:p16="http://schemas.microsoft.com/office/powerpoint/2015/main" val="1"/>
+                </p:ext>
+              </p:extLst>
+            </p:nvPr>
+          </p:nvCxnSpPr>
+          <p:spPr>
+            <a:xfrm flipH="1">
+              <a:off x="11276012" y="2963333"/>
+              <a:ext cx="912814" cy="912812"/>
+            </a:xfrm>
+            <a:prstGeom prst="line">
+              <a:avLst/>
+            </a:prstGeom>
+            <a:ln w="9525">
+              <a:solidFill>
+                <a:srgbClr val="FFFFFF"/>
+              </a:solidFill>
+            </a:ln>
+          </p:spPr>
+          <p:style>
+            <a:lnRef idx="2">
+              <a:schemeClr val="accent1"/>
+            </a:lnRef>
+            <a:fillRef idx="0">
+              <a:schemeClr val="accent1"/>
+            </a:fillRef>
+            <a:effectRef idx="1">
+              <a:schemeClr val="accent1"/>
+            </a:effectRef>
+            <a:fontRef idx="minor">
+              <a:schemeClr val="tx1"/>
+            </a:fontRef>
+          </p:style>
+        </p:cxnSp>
+        <p:cxnSp>
+          <p:nvCxnSpPr>
+            <p:cNvPr id="26" name="Straight Connector 25">
+              <a:extLst>
+                <a:ext uri="{FF2B5EF4-FFF2-40B4-BE49-F238E27FC236}">
+                  <a16:creationId xmlns:a16="http://schemas.microsoft.com/office/drawing/2014/main" id="{422F012F-0680-4AEC-9884-BA712ED2B9E6}"/>
+                </a:ext>
+                <a:ext uri="{C183D7F6-B498-43B3-948B-1728B52AA6E4}">
+                  <adec:decorative xmlns:adec="http://schemas.microsoft.com/office/drawing/2017/decorative" val="1"/>
+                </a:ext>
+              </a:extLst>
+            </p:cNvPr>
+            <p:cNvCxnSpPr/>
+            <p:nvPr>
+              <p:extLst>
+                <p:ext uri="{386F3935-93C4-4BCD-93E2-E3B085C9AB24}">
+                  <p16:designElem xmlns:p16="http://schemas.microsoft.com/office/powerpoint/2015/main" val="1"/>
+                </p:ext>
+              </p:extLst>
+            </p:nvPr>
+          </p:nvCxnSpPr>
+          <p:spPr>
+            <a:xfrm flipH="1">
+              <a:off x="9206969" y="3190344"/>
+              <a:ext cx="2981857" cy="2981856"/>
+            </a:xfrm>
+            <a:prstGeom prst="line">
+              <a:avLst/>
+            </a:prstGeom>
+            <a:ln w="9525">
+              <a:solidFill>
+                <a:srgbClr val="FFFFFF"/>
+              </a:solidFill>
+            </a:ln>
+          </p:spPr>
+          <p:style>
+            <a:lnRef idx="2">
+              <a:schemeClr val="accent1"/>
+            </a:lnRef>
+            <a:fillRef idx="0">
+              <a:schemeClr val="accent1"/>
+            </a:fillRef>
+            <a:effectRef idx="1">
+              <a:schemeClr val="accent1"/>
+            </a:effectRef>
+            <a:fontRef idx="minor">
+              <a:schemeClr val="tx1"/>
+            </a:fontRef>
+          </p:style>
+        </p:cxnSp>
+        <p:cxnSp>
+          <p:nvCxnSpPr>
+            <p:cNvPr id="27" name="Straight Connector 26">
+              <a:extLst>
+                <a:ext uri="{FF2B5EF4-FFF2-40B4-BE49-F238E27FC236}">
+                  <a16:creationId xmlns:a16="http://schemas.microsoft.com/office/drawing/2014/main" id="{FA5CEDFE-9EC8-436B-AE10-F85A847783A2}"/>
+                </a:ext>
+                <a:ext uri="{C183D7F6-B498-43B3-948B-1728B52AA6E4}">
+                  <adec:decorative xmlns:adec="http://schemas.microsoft.com/office/drawing/2017/decorative" val="1"/>
+                </a:ext>
+              </a:extLst>
+            </p:cNvPr>
+            <p:cNvCxnSpPr/>
+            <p:nvPr>
+              <p:extLst>
+                <p:ext uri="{386F3935-93C4-4BCD-93E2-E3B085C9AB24}">
+                  <p16:designElem xmlns:p16="http://schemas.microsoft.com/office/powerpoint/2015/main" val="1"/>
+                </p:ext>
+              </p:extLst>
+            </p:nvPr>
+          </p:nvCxnSpPr>
+          <p:spPr>
+            <a:xfrm flipH="1">
+              <a:off x="10292292" y="3285067"/>
+              <a:ext cx="1896534" cy="1896533"/>
+            </a:xfrm>
+            <a:prstGeom prst="line">
+              <a:avLst/>
+            </a:prstGeom>
+            <a:ln w="9525">
+              <a:solidFill>
+                <a:srgbClr val="FFFFFF"/>
+              </a:solidFill>
+            </a:ln>
+          </p:spPr>
+          <p:style>
+            <a:lnRef idx="2">
+              <a:schemeClr val="accent1"/>
+            </a:lnRef>
+            <a:fillRef idx="0">
+              <a:schemeClr val="accent1"/>
+            </a:fillRef>
+            <a:effectRef idx="1">
+              <a:schemeClr val="accent1"/>
+            </a:effectRef>
+            <a:fontRef idx="minor">
+              <a:schemeClr val="tx1"/>
+            </a:fontRef>
+          </p:style>
+        </p:cxnSp>
+        <p:cxnSp>
+          <p:nvCxnSpPr>
+            <p:cNvPr id="28" name="Straight Connector 27">
+              <a:extLst>
+                <a:ext uri="{FF2B5EF4-FFF2-40B4-BE49-F238E27FC236}">
+                  <a16:creationId xmlns:a16="http://schemas.microsoft.com/office/drawing/2014/main" id="{29C70031-55D8-483B-8452-A6B809D0AC84}"/>
+                </a:ext>
+                <a:ext uri="{C183D7F6-B498-43B3-948B-1728B52AA6E4}">
+                  <adec:decorative xmlns:adec="http://schemas.microsoft.com/office/drawing/2017/decorative" val="1"/>
+                </a:ext>
+              </a:extLst>
+            </p:cNvPr>
+            <p:cNvCxnSpPr/>
+            <p:nvPr>
+              <p:extLst>
+                <p:ext uri="{386F3935-93C4-4BCD-93E2-E3B085C9AB24}">
+                  <p16:designElem xmlns:p16="http://schemas.microsoft.com/office/powerpoint/2015/main" val="1"/>
+                </p:ext>
+              </p:extLst>
+            </p:nvPr>
+          </p:nvCxnSpPr>
+          <p:spPr>
+            <a:xfrm flipH="1">
+              <a:off x="10443103" y="3131080"/>
+              <a:ext cx="1745722" cy="1745720"/>
+            </a:xfrm>
+            <a:prstGeom prst="line">
+              <a:avLst/>
+            </a:prstGeom>
+            <a:ln w="28575">
+              <a:solidFill>
+                <a:srgbClr val="FFFFFF"/>
+              </a:solidFill>
+            </a:ln>
+          </p:spPr>
+          <p:style>
+            <a:lnRef idx="2">
+              <a:schemeClr val="accent1"/>
+            </a:lnRef>
+            <a:fillRef idx="0">
+              <a:schemeClr val="accent1"/>
+            </a:fillRef>
+            <a:effectRef idx="1">
+              <a:schemeClr val="accent1"/>
+            </a:effectRef>
+            <a:fontRef idx="minor">
+              <a:schemeClr val="tx1"/>
+            </a:fontRef>
+          </p:style>
+        </p:cxnSp>
+        <p:cxnSp>
+          <p:nvCxnSpPr>
+            <p:cNvPr id="29" name="Straight Connector 28">
+              <a:extLst>
+                <a:ext uri="{FF2B5EF4-FFF2-40B4-BE49-F238E27FC236}">
+                  <a16:creationId xmlns:a16="http://schemas.microsoft.com/office/drawing/2014/main" id="{E24F1E16-B0BE-4400-9A10-95BB1D52CCD2}"/>
+                </a:ext>
+                <a:ext uri="{C183D7F6-B498-43B3-948B-1728B52AA6E4}">
+                  <adec:decorative xmlns:adec="http://schemas.microsoft.com/office/drawing/2017/decorative" val="1"/>
+                </a:ext>
+              </a:extLst>
+            </p:cNvPr>
+            <p:cNvCxnSpPr/>
+            <p:nvPr>
+              <p:extLst>
+                <p:ext uri="{386F3935-93C4-4BCD-93E2-E3B085C9AB24}">
+                  <p16:designElem xmlns:p16="http://schemas.microsoft.com/office/powerpoint/2015/main" val="1"/>
+                </p:ext>
+              </p:extLst>
+            </p:nvPr>
+          </p:nvCxnSpPr>
+          <p:spPr>
+            <a:xfrm flipH="1">
+              <a:off x="10918826" y="3683001"/>
+              <a:ext cx="1270001" cy="1269999"/>
+            </a:xfrm>
+            <a:prstGeom prst="line">
+              <a:avLst/>
+            </a:prstGeom>
+            <a:ln w="28575">
+              <a:solidFill>
+                <a:srgbClr val="FFFFFF"/>
+              </a:solidFill>
+            </a:ln>
+          </p:spPr>
+          <p:style>
+            <a:lnRef idx="2">
+              <a:schemeClr val="accent1"/>
+            </a:lnRef>
+            <a:fillRef idx="0">
+              <a:schemeClr val="accent1"/>
+            </a:fillRef>
+            <a:effectRef idx="1">
+              <a:schemeClr val="accent1"/>
+            </a:effectRef>
+            <a:fontRef idx="minor">
+              <a:schemeClr val="tx1"/>
+            </a:fontRef>
+          </p:style>
+        </p:cxnSp>
+      </p:grpSp>
+      <p:sp>
+        <p:nvSpPr>
+          <p:cNvPr id="2" name="Title 1">
+            <a:extLst>
+              <a:ext uri="{FF2B5EF4-FFF2-40B4-BE49-F238E27FC236}">
+                <a16:creationId xmlns:a16="http://schemas.microsoft.com/office/drawing/2014/main" id="{0E014BC6-E8B9-4831-9870-0A8705DC795A}"/>
+              </a:ext>
+            </a:extLst>
+          </p:cNvPr>
+          <p:cNvSpPr>
+            <a:spLocks noGrp="1"/>
+          </p:cNvSpPr>
+          <p:nvPr>
+            <p:ph type="title"/>
+          </p:nvPr>
+        </p:nvSpPr>
+        <p:spPr>
+          <a:xfrm>
+            <a:off x="5116738" y="685798"/>
+            <a:ext cx="6159273" cy="4495801"/>
+          </a:xfrm>
+        </p:spPr>
+        <p:txBody>
+          <a:bodyPr vert="horz" lIns="91440" tIns="45720" rIns="91440" bIns="45720" rtlCol="0" anchor="ctr">
+            <a:normAutofit/>
+          </a:bodyPr>
+          <a:lstStyle/>
+          <a:p>
+            <a:r>
+              <a:rPr lang="en-US" sz="5400" dirty="0" err="1">
+                <a:solidFill>
+                  <a:srgbClr val="FFFFFF"/>
+                </a:solidFill>
+              </a:rPr>
+              <a:t>Vragen</a:t>
+            </a:r>
+            <a:r>
+              <a:rPr lang="en-US" sz="5400" dirty="0">
+                <a:solidFill>
+                  <a:srgbClr val="FFFFFF"/>
+                </a:solidFill>
+              </a:rPr>
+              <a:t>?</a:t>
+            </a:r>
+          </a:p>
+        </p:txBody>
+      </p:sp>
+    </p:spTree>
+    <p:extLst>
+      <p:ext uri="{BB962C8B-B14F-4D97-AF65-F5344CB8AC3E}">
+        <p14:creationId xmlns:p14="http://schemas.microsoft.com/office/powerpoint/2010/main" val="2841415295"/>
       </p:ext>
     </p:extLst>
   </p:cSld>

--- a/2nd-Factor.pptx
+++ b/2nd-Factor.pptx
@@ -12,7 +12,6 @@
     <p:sldId id="260" r:id="rId6"/>
     <p:sldId id="261" r:id="rId7"/>
     <p:sldId id="262" r:id="rId8"/>
-    <p:sldId id="263" r:id="rId9"/>
   </p:sldIdLst>
   <p:sldSz cx="12192000" cy="6858000"/>
   <p:notesSz cx="6858000" cy="9144000"/>
@@ -933,7 +932,7 @@
           <a:p>
             <a:fld id="{00AA4164-34D5-4452-8196-C085709679C2}" type="datetimeFigureOut">
               <a:rPr lang="nl-NL" smtClean="0"/>
-              <a:t>20-1-2021</a:t>
+              <a:t>18-1-2021</a:t>
             </a:fld>
             <a:endParaRPr lang="nl-NL"/>
           </a:p>
@@ -975,7 +974,7 @@
           <a:p>
             <a:fld id="{ED99817C-485A-4F31-99A2-8B379398FC65}" type="slidenum">
               <a:rPr lang="nl-NL" smtClean="0"/>
-              <a:t>‹#›</a:t>
+              <a:t>‹nr.›</a:t>
             </a:fld>
             <a:endParaRPr lang="nl-NL"/>
           </a:p>
@@ -1369,7 +1368,7 @@
           <a:p>
             <a:fld id="{00AA4164-34D5-4452-8196-C085709679C2}" type="datetimeFigureOut">
               <a:rPr lang="nl-NL" smtClean="0"/>
-              <a:t>20-1-2021</a:t>
+              <a:t>18-1-2021</a:t>
             </a:fld>
             <a:endParaRPr lang="nl-NL"/>
           </a:p>
@@ -1411,7 +1410,7 @@
           <a:p>
             <a:fld id="{ED99817C-485A-4F31-99A2-8B379398FC65}" type="slidenum">
               <a:rPr lang="nl-NL" smtClean="0"/>
-              <a:t>‹#›</a:t>
+              <a:t>‹nr.›</a:t>
             </a:fld>
             <a:endParaRPr lang="nl-NL"/>
           </a:p>
@@ -1619,7 +1618,7 @@
           <a:p>
             <a:fld id="{00AA4164-34D5-4452-8196-C085709679C2}" type="datetimeFigureOut">
               <a:rPr lang="nl-NL" smtClean="0"/>
-              <a:t>20-1-2021</a:t>
+              <a:t>18-1-2021</a:t>
             </a:fld>
             <a:endParaRPr lang="nl-NL"/>
           </a:p>
@@ -1661,7 +1660,7 @@
           <a:p>
             <a:fld id="{ED99817C-485A-4F31-99A2-8B379398FC65}" type="slidenum">
               <a:rPr lang="nl-NL" smtClean="0"/>
-              <a:t>‹#›</a:t>
+              <a:t>‹nr.›</a:t>
             </a:fld>
             <a:endParaRPr lang="nl-NL"/>
           </a:p>
@@ -1927,7 +1926,7 @@
           <a:p>
             <a:fld id="{00AA4164-34D5-4452-8196-C085709679C2}" type="datetimeFigureOut">
               <a:rPr lang="nl-NL" smtClean="0"/>
-              <a:t>20-1-2021</a:t>
+              <a:t>18-1-2021</a:t>
             </a:fld>
             <a:endParaRPr lang="nl-NL"/>
           </a:p>
@@ -1969,7 +1968,7 @@
           <a:p>
             <a:fld id="{ED99817C-485A-4F31-99A2-8B379398FC65}" type="slidenum">
               <a:rPr lang="nl-NL" smtClean="0"/>
-              <a:t>‹#›</a:t>
+              <a:t>‹nr.›</a:t>
             </a:fld>
             <a:endParaRPr lang="nl-NL"/>
           </a:p>
@@ -2245,7 +2244,7 @@
           <a:p>
             <a:fld id="{00AA4164-34D5-4452-8196-C085709679C2}" type="datetimeFigureOut">
               <a:rPr lang="nl-NL" smtClean="0"/>
-              <a:t>20-1-2021</a:t>
+              <a:t>18-1-2021</a:t>
             </a:fld>
             <a:endParaRPr lang="nl-NL"/>
           </a:p>
@@ -2287,7 +2286,7 @@
           <a:p>
             <a:fld id="{ED99817C-485A-4F31-99A2-8B379398FC65}" type="slidenum">
               <a:rPr lang="nl-NL" smtClean="0"/>
-              <a:t>‹#›</a:t>
+              <a:t>‹nr.›</a:t>
             </a:fld>
             <a:endParaRPr lang="nl-NL"/>
           </a:p>
@@ -2547,7 +2546,7 @@
           <a:p>
             <a:fld id="{00AA4164-34D5-4452-8196-C085709679C2}" type="datetimeFigureOut">
               <a:rPr lang="nl-NL" smtClean="0"/>
-              <a:t>20-1-2021</a:t>
+              <a:t>18-1-2021</a:t>
             </a:fld>
             <a:endParaRPr lang="nl-NL"/>
           </a:p>
@@ -2589,7 +2588,7 @@
           <a:p>
             <a:fld id="{ED99817C-485A-4F31-99A2-8B379398FC65}" type="slidenum">
               <a:rPr lang="nl-NL" smtClean="0"/>
-              <a:t>‹#›</a:t>
+              <a:t>‹nr.›</a:t>
             </a:fld>
             <a:endParaRPr lang="nl-NL"/>
           </a:p>
@@ -2914,7 +2913,7 @@
           <a:p>
             <a:fld id="{00AA4164-34D5-4452-8196-C085709679C2}" type="datetimeFigureOut">
               <a:rPr lang="nl-NL" smtClean="0"/>
-              <a:t>20-1-2021</a:t>
+              <a:t>18-1-2021</a:t>
             </a:fld>
             <a:endParaRPr lang="nl-NL"/>
           </a:p>
@@ -2956,7 +2955,7 @@
           <a:p>
             <a:fld id="{ED99817C-485A-4F31-99A2-8B379398FC65}" type="slidenum">
               <a:rPr lang="nl-NL" smtClean="0"/>
-              <a:t>‹#›</a:t>
+              <a:t>‹nr.›</a:t>
             </a:fld>
             <a:endParaRPr lang="nl-NL"/>
           </a:p>
@@ -3088,7 +3087,7 @@
           <a:p>
             <a:fld id="{00AA4164-34D5-4452-8196-C085709679C2}" type="datetimeFigureOut">
               <a:rPr lang="nl-NL" smtClean="0"/>
-              <a:t>20-1-2021</a:t>
+              <a:t>18-1-2021</a:t>
             </a:fld>
             <a:endParaRPr lang="nl-NL"/>
           </a:p>
@@ -3130,7 +3129,7 @@
           <a:p>
             <a:fld id="{ED99817C-485A-4F31-99A2-8B379398FC65}" type="slidenum">
               <a:rPr lang="nl-NL" smtClean="0"/>
-              <a:t>‹#›</a:t>
+              <a:t>‹nr.›</a:t>
             </a:fld>
             <a:endParaRPr lang="nl-NL"/>
           </a:p>
@@ -3268,7 +3267,7 @@
           <a:p>
             <a:fld id="{00AA4164-34D5-4452-8196-C085709679C2}" type="datetimeFigureOut">
               <a:rPr lang="nl-NL" smtClean="0"/>
-              <a:t>20-1-2021</a:t>
+              <a:t>18-1-2021</a:t>
             </a:fld>
             <a:endParaRPr lang="nl-NL"/>
           </a:p>
@@ -3310,7 +3309,7 @@
           <a:p>
             <a:fld id="{ED99817C-485A-4F31-99A2-8B379398FC65}" type="slidenum">
               <a:rPr lang="nl-NL" smtClean="0"/>
-              <a:t>‹#›</a:t>
+              <a:t>‹nr.›</a:t>
             </a:fld>
             <a:endParaRPr lang="nl-NL"/>
           </a:p>
@@ -3438,7 +3437,7 @@
           <a:p>
             <a:fld id="{00AA4164-34D5-4452-8196-C085709679C2}" type="datetimeFigureOut">
               <a:rPr lang="nl-NL" smtClean="0"/>
-              <a:t>20-1-2021</a:t>
+              <a:t>18-1-2021</a:t>
             </a:fld>
             <a:endParaRPr lang="nl-NL"/>
           </a:p>
@@ -3480,7 +3479,7 @@
           <a:p>
             <a:fld id="{ED99817C-485A-4F31-99A2-8B379398FC65}" type="slidenum">
               <a:rPr lang="nl-NL" smtClean="0"/>
-              <a:t>‹#›</a:t>
+              <a:t>‹nr.›</a:t>
             </a:fld>
             <a:endParaRPr lang="nl-NL"/>
           </a:p>
@@ -3688,7 +3687,7 @@
           <a:p>
             <a:fld id="{00AA4164-34D5-4452-8196-C085709679C2}" type="datetimeFigureOut">
               <a:rPr lang="nl-NL" smtClean="0"/>
-              <a:t>20-1-2021</a:t>
+              <a:t>18-1-2021</a:t>
             </a:fld>
             <a:endParaRPr lang="nl-NL"/>
           </a:p>
@@ -3730,7 +3729,7 @@
           <a:p>
             <a:fld id="{ED99817C-485A-4F31-99A2-8B379398FC65}" type="slidenum">
               <a:rPr lang="nl-NL" smtClean="0"/>
-              <a:t>‹#›</a:t>
+              <a:t>‹nr.›</a:t>
             </a:fld>
             <a:endParaRPr lang="nl-NL"/>
           </a:p>
@@ -3924,7 +3923,7 @@
           <a:p>
             <a:fld id="{00AA4164-34D5-4452-8196-C085709679C2}" type="datetimeFigureOut">
               <a:rPr lang="nl-NL" smtClean="0"/>
-              <a:t>20-1-2021</a:t>
+              <a:t>18-1-2021</a:t>
             </a:fld>
             <a:endParaRPr lang="nl-NL"/>
           </a:p>
@@ -3966,7 +3965,7 @@
           <a:p>
             <a:fld id="{ED99817C-485A-4F31-99A2-8B379398FC65}" type="slidenum">
               <a:rPr lang="nl-NL" smtClean="0"/>
-              <a:t>‹#›</a:t>
+              <a:t>‹nr.›</a:t>
             </a:fld>
             <a:endParaRPr lang="nl-NL"/>
           </a:p>
@@ -4306,7 +4305,7 @@
           <a:p>
             <a:fld id="{00AA4164-34D5-4452-8196-C085709679C2}" type="datetimeFigureOut">
               <a:rPr lang="nl-NL" smtClean="0"/>
-              <a:t>20-1-2021</a:t>
+              <a:t>18-1-2021</a:t>
             </a:fld>
             <a:endParaRPr lang="nl-NL"/>
           </a:p>
@@ -4348,7 +4347,7 @@
           <a:p>
             <a:fld id="{ED99817C-485A-4F31-99A2-8B379398FC65}" type="slidenum">
               <a:rPr lang="nl-NL" smtClean="0"/>
-              <a:t>‹#›</a:t>
+              <a:t>‹nr.›</a:t>
             </a:fld>
             <a:endParaRPr lang="nl-NL"/>
           </a:p>
@@ -4424,7 +4423,7 @@
           <a:p>
             <a:fld id="{00AA4164-34D5-4452-8196-C085709679C2}" type="datetimeFigureOut">
               <a:rPr lang="nl-NL" smtClean="0"/>
-              <a:t>20-1-2021</a:t>
+              <a:t>18-1-2021</a:t>
             </a:fld>
             <a:endParaRPr lang="nl-NL"/>
           </a:p>
@@ -4466,7 +4465,7 @@
           <a:p>
             <a:fld id="{ED99817C-485A-4F31-99A2-8B379398FC65}" type="slidenum">
               <a:rPr lang="nl-NL" smtClean="0"/>
-              <a:t>‹#›</a:t>
+              <a:t>‹nr.›</a:t>
             </a:fld>
             <a:endParaRPr lang="nl-NL"/>
           </a:p>
@@ -4519,7 +4518,7 @@
           <a:p>
             <a:fld id="{00AA4164-34D5-4452-8196-C085709679C2}" type="datetimeFigureOut">
               <a:rPr lang="nl-NL" smtClean="0"/>
-              <a:t>20-1-2021</a:t>
+              <a:t>18-1-2021</a:t>
             </a:fld>
             <a:endParaRPr lang="nl-NL"/>
           </a:p>
@@ -4561,7 +4560,7 @@
           <a:p>
             <a:fld id="{ED99817C-485A-4F31-99A2-8B379398FC65}" type="slidenum">
               <a:rPr lang="nl-NL" smtClean="0"/>
-              <a:t>‹#›</a:t>
+              <a:t>‹nr.›</a:t>
             </a:fld>
             <a:endParaRPr lang="nl-NL"/>
           </a:p>
@@ -4774,7 +4773,7 @@
           <a:p>
             <a:fld id="{00AA4164-34D5-4452-8196-C085709679C2}" type="datetimeFigureOut">
               <a:rPr lang="nl-NL" smtClean="0"/>
-              <a:t>20-1-2021</a:t>
+              <a:t>18-1-2021</a:t>
             </a:fld>
             <a:endParaRPr lang="nl-NL"/>
           </a:p>
@@ -4816,7 +4815,7 @@
           <a:p>
             <a:fld id="{ED99817C-485A-4F31-99A2-8B379398FC65}" type="slidenum">
               <a:rPr lang="nl-NL" smtClean="0"/>
-              <a:t>‹#›</a:t>
+              <a:t>‹nr.›</a:t>
             </a:fld>
             <a:endParaRPr lang="nl-NL"/>
           </a:p>
@@ -5057,7 +5056,7 @@
           <a:p>
             <a:fld id="{00AA4164-34D5-4452-8196-C085709679C2}" type="datetimeFigureOut">
               <a:rPr lang="nl-NL" smtClean="0"/>
-              <a:t>20-1-2021</a:t>
+              <a:t>18-1-2021</a:t>
             </a:fld>
             <a:endParaRPr lang="nl-NL"/>
           </a:p>
@@ -5099,7 +5098,7 @@
           <a:p>
             <a:fld id="{ED99817C-485A-4F31-99A2-8B379398FC65}" type="slidenum">
               <a:rPr lang="nl-NL" smtClean="0"/>
-              <a:t>‹#›</a:t>
+              <a:t>‹nr.›</a:t>
             </a:fld>
             <a:endParaRPr lang="nl-NL"/>
           </a:p>
@@ -5463,7 +5462,7 @@
           <a:p>
             <a:fld id="{00AA4164-34D5-4452-8196-C085709679C2}" type="datetimeFigureOut">
               <a:rPr lang="nl-NL" smtClean="0"/>
-              <a:t>20-1-2021</a:t>
+              <a:t>18-1-2021</a:t>
             </a:fld>
             <a:endParaRPr lang="nl-NL"/>
           </a:p>
@@ -5545,7 +5544,7 @@
           <a:p>
             <a:fld id="{ED99817C-485A-4F31-99A2-8B379398FC65}" type="slidenum">
               <a:rPr lang="nl-NL" smtClean="0"/>
-              <a:t>‹#›</a:t>
+              <a:t>‹nr.›</a:t>
             </a:fld>
             <a:endParaRPr lang="nl-NL"/>
           </a:p>
@@ -6215,7 +6214,7 @@
           </a:bodyPr>
           <a:lstStyle/>
           <a:p>
-            <a:endParaRPr lang="nl-NL" dirty="0">
+            <a:endParaRPr lang="nl-NL">
               <a:solidFill>
                 <a:schemeClr val="tx1">
                   <a:alpha val="80000"/>
@@ -9596,831 +9595,6 @@
     <p:extLst>
       <p:ext uri="{BB962C8B-B14F-4D97-AF65-F5344CB8AC3E}">
         <p14:creationId xmlns:p14="http://schemas.microsoft.com/office/powerpoint/2010/main" val="1249222413"/>
-      </p:ext>
-    </p:extLst>
-  </p:cSld>
-  <p:clrMapOvr>
-    <a:masterClrMapping/>
-  </p:clrMapOvr>
-</p:sld>
-</file>
-
-<file path=ppt/slides/slide8.xml><?xml version="1.0" encoding="utf-8"?>
-<p:sld xmlns:a="http://schemas.openxmlformats.org/drawingml/2006/main" xmlns:r="http://schemas.openxmlformats.org/officeDocument/2006/relationships" xmlns:p="http://schemas.openxmlformats.org/presentationml/2006/main">
-  <p:cSld>
-    <p:bg>
-      <p:bgPr>
-        <a:solidFill>
-          <a:schemeClr val="bg2"/>
-        </a:solidFill>
-        <a:effectLst/>
-      </p:bgPr>
-    </p:bg>
-    <p:spTree>
-      <p:nvGrpSpPr>
-        <p:cNvPr id="1" name=""/>
-        <p:cNvGrpSpPr/>
-        <p:nvPr/>
-      </p:nvGrpSpPr>
-      <p:grpSpPr>
-        <a:xfrm>
-          <a:off x="0" y="0"/>
-          <a:ext cx="0" cy="0"/>
-          <a:chOff x="0" y="0"/>
-          <a:chExt cx="0" cy="0"/>
-        </a:xfrm>
-      </p:grpSpPr>
-      <p:cxnSp>
-        <p:nvCxnSpPr>
-          <p:cNvPr id="8" name="Straight Connector 7">
-            <a:extLst>
-              <a:ext uri="{FF2B5EF4-FFF2-40B4-BE49-F238E27FC236}">
-                <a16:creationId xmlns:a16="http://schemas.microsoft.com/office/drawing/2014/main" id="{FEB90296-CFE0-401D-9CA3-32966EC4F01D}"/>
-              </a:ext>
-              <a:ext uri="{C183D7F6-B498-43B3-948B-1728B52AA6E4}">
-                <adec:decorative xmlns:adec="http://schemas.microsoft.com/office/drawing/2017/decorative" val="1"/>
-              </a:ext>
-            </a:extLst>
-          </p:cNvPr>
-          <p:cNvCxnSpPr>
-            <a:cxnSpLocks noGrp="1" noRot="1" noChangeAspect="1" noMove="1" noResize="1" noEditPoints="1" noAdjustHandles="1" noChangeArrowheads="1" noChangeShapeType="1"/>
-          </p:cNvCxnSpPr>
-          <p:nvPr>
-            <p:extLst>
-              <p:ext uri="{386F3935-93C4-4BCD-93E2-E3B085C9AB24}">
-                <p16:designElem xmlns:p16="http://schemas.microsoft.com/office/powerpoint/2015/main" val="1"/>
-              </p:ext>
-            </p:extLst>
-          </p:nvPr>
-        </p:nvCxnSpPr>
-        <p:spPr>
-          <a:xfrm flipH="1">
-            <a:off x="8228012" y="8467"/>
-            <a:ext cx="3810000" cy="3810000"/>
-          </a:xfrm>
-          <a:prstGeom prst="line">
-            <a:avLst/>
-          </a:prstGeom>
-          <a:ln w="12700">
-            <a:solidFill>
-              <a:schemeClr val="tx1"/>
-            </a:solidFill>
-          </a:ln>
-        </p:spPr>
-        <p:style>
-          <a:lnRef idx="2">
-            <a:schemeClr val="accent1"/>
-          </a:lnRef>
-          <a:fillRef idx="0">
-            <a:schemeClr val="accent1"/>
-          </a:fillRef>
-          <a:effectRef idx="1">
-            <a:schemeClr val="accent1"/>
-          </a:effectRef>
-          <a:fontRef idx="minor">
-            <a:schemeClr val="tx1"/>
-          </a:fontRef>
-        </p:style>
-      </p:cxnSp>
-      <p:cxnSp>
-        <p:nvCxnSpPr>
-          <p:cNvPr id="10" name="Straight Connector 9">
-            <a:extLst>
-              <a:ext uri="{FF2B5EF4-FFF2-40B4-BE49-F238E27FC236}">
-                <a16:creationId xmlns:a16="http://schemas.microsoft.com/office/drawing/2014/main" id="{08C9B4EE-7611-4ED9-B356-7BDD377C39B0}"/>
-              </a:ext>
-              <a:ext uri="{C183D7F6-B498-43B3-948B-1728B52AA6E4}">
-                <adec:decorative xmlns:adec="http://schemas.microsoft.com/office/drawing/2017/decorative" val="1"/>
-              </a:ext>
-            </a:extLst>
-          </p:cNvPr>
-          <p:cNvCxnSpPr>
-            <a:cxnSpLocks noGrp="1" noRot="1" noChangeAspect="1" noMove="1" noResize="1" noEditPoints="1" noAdjustHandles="1" noChangeArrowheads="1" noChangeShapeType="1"/>
-          </p:cNvCxnSpPr>
-          <p:nvPr>
-            <p:extLst>
-              <p:ext uri="{386F3935-93C4-4BCD-93E2-E3B085C9AB24}">
-                <p16:designElem xmlns:p16="http://schemas.microsoft.com/office/powerpoint/2015/main" val="1"/>
-              </p:ext>
-            </p:extLst>
-          </p:nvPr>
-        </p:nvCxnSpPr>
-        <p:spPr>
-          <a:xfrm flipH="1">
-            <a:off x="6108170" y="91545"/>
-            <a:ext cx="6080655" cy="6080655"/>
-          </a:xfrm>
-          <a:prstGeom prst="line">
-            <a:avLst/>
-          </a:prstGeom>
-          <a:ln w="12700">
-            <a:solidFill>
-              <a:schemeClr val="tx1"/>
-            </a:solidFill>
-          </a:ln>
-        </p:spPr>
-        <p:style>
-          <a:lnRef idx="2">
-            <a:schemeClr val="accent1"/>
-          </a:lnRef>
-          <a:fillRef idx="0">
-            <a:schemeClr val="accent1"/>
-          </a:fillRef>
-          <a:effectRef idx="1">
-            <a:schemeClr val="accent1"/>
-          </a:effectRef>
-          <a:fontRef idx="minor">
-            <a:schemeClr val="tx1"/>
-          </a:fontRef>
-        </p:style>
-      </p:cxnSp>
-      <p:cxnSp>
-        <p:nvCxnSpPr>
-          <p:cNvPr id="12" name="Straight Connector 11">
-            <a:extLst>
-              <a:ext uri="{FF2B5EF4-FFF2-40B4-BE49-F238E27FC236}">
-                <a16:creationId xmlns:a16="http://schemas.microsoft.com/office/drawing/2014/main" id="{4A4F266A-F2F7-47CD-8BBC-E3777E982FD2}"/>
-              </a:ext>
-              <a:ext uri="{C183D7F6-B498-43B3-948B-1728B52AA6E4}">
-                <adec:decorative xmlns:adec="http://schemas.microsoft.com/office/drawing/2017/decorative" val="1"/>
-              </a:ext>
-            </a:extLst>
-          </p:cNvPr>
-          <p:cNvCxnSpPr>
-            <a:cxnSpLocks noGrp="1" noRot="1" noChangeAspect="1" noMove="1" noResize="1" noEditPoints="1" noAdjustHandles="1" noChangeArrowheads="1" noChangeShapeType="1"/>
-          </p:cNvCxnSpPr>
-          <p:nvPr>
-            <p:extLst>
-              <p:ext uri="{386F3935-93C4-4BCD-93E2-E3B085C9AB24}">
-                <p16:designElem xmlns:p16="http://schemas.microsoft.com/office/powerpoint/2015/main" val="1"/>
-              </p:ext>
-            </p:extLst>
-          </p:nvPr>
-        </p:nvCxnSpPr>
-        <p:spPr>
-          <a:xfrm flipH="1">
-            <a:off x="7235825" y="228600"/>
-            <a:ext cx="4953000" cy="4953000"/>
-          </a:xfrm>
-          <a:prstGeom prst="line">
-            <a:avLst/>
-          </a:prstGeom>
-          <a:ln w="12700">
-            <a:solidFill>
-              <a:schemeClr val="tx1"/>
-            </a:solidFill>
-          </a:ln>
-        </p:spPr>
-        <p:style>
-          <a:lnRef idx="2">
-            <a:schemeClr val="accent1"/>
-          </a:lnRef>
-          <a:fillRef idx="0">
-            <a:schemeClr val="accent1"/>
-          </a:fillRef>
-          <a:effectRef idx="1">
-            <a:schemeClr val="accent1"/>
-          </a:effectRef>
-          <a:fontRef idx="minor">
-            <a:schemeClr val="tx1"/>
-          </a:fontRef>
-        </p:style>
-      </p:cxnSp>
-      <p:cxnSp>
-        <p:nvCxnSpPr>
-          <p:cNvPr id="14" name="Straight Connector 13">
-            <a:extLst>
-              <a:ext uri="{FF2B5EF4-FFF2-40B4-BE49-F238E27FC236}">
-                <a16:creationId xmlns:a16="http://schemas.microsoft.com/office/drawing/2014/main" id="{20D69C80-8919-4A32-B897-F2A21F940574}"/>
-              </a:ext>
-              <a:ext uri="{C183D7F6-B498-43B3-948B-1728B52AA6E4}">
-                <adec:decorative xmlns:adec="http://schemas.microsoft.com/office/drawing/2017/decorative" val="1"/>
-              </a:ext>
-            </a:extLst>
-          </p:cNvPr>
-          <p:cNvCxnSpPr>
-            <a:cxnSpLocks noGrp="1" noRot="1" noChangeAspect="1" noMove="1" noResize="1" noEditPoints="1" noAdjustHandles="1" noChangeArrowheads="1" noChangeShapeType="1"/>
-          </p:cNvCxnSpPr>
-          <p:nvPr>
-            <p:extLst>
-              <p:ext uri="{386F3935-93C4-4BCD-93E2-E3B085C9AB24}">
-                <p16:designElem xmlns:p16="http://schemas.microsoft.com/office/powerpoint/2015/main" val="1"/>
-              </p:ext>
-            </p:extLst>
-          </p:nvPr>
-        </p:nvCxnSpPr>
-        <p:spPr>
-          <a:xfrm flipH="1">
-            <a:off x="7335837" y="32278"/>
-            <a:ext cx="4852989" cy="4852989"/>
-          </a:xfrm>
-          <a:prstGeom prst="line">
-            <a:avLst/>
-          </a:prstGeom>
-          <a:ln w="31750">
-            <a:solidFill>
-              <a:schemeClr val="tx1"/>
-            </a:solidFill>
-          </a:ln>
-        </p:spPr>
-        <p:style>
-          <a:lnRef idx="2">
-            <a:schemeClr val="accent1"/>
-          </a:lnRef>
-          <a:fillRef idx="0">
-            <a:schemeClr val="accent1"/>
-          </a:fillRef>
-          <a:effectRef idx="1">
-            <a:schemeClr val="accent1"/>
-          </a:effectRef>
-          <a:fontRef idx="minor">
-            <a:schemeClr val="tx1"/>
-          </a:fontRef>
-        </p:style>
-      </p:cxnSp>
-      <p:cxnSp>
-        <p:nvCxnSpPr>
-          <p:cNvPr id="16" name="Straight Connector 15">
-            <a:extLst>
-              <a:ext uri="{FF2B5EF4-FFF2-40B4-BE49-F238E27FC236}">
-                <a16:creationId xmlns:a16="http://schemas.microsoft.com/office/drawing/2014/main" id="{F427B072-CC5B-481B-9719-8CD4C54444BE}"/>
-              </a:ext>
-              <a:ext uri="{C183D7F6-B498-43B3-948B-1728B52AA6E4}">
-                <adec:decorative xmlns:adec="http://schemas.microsoft.com/office/drawing/2017/decorative" val="1"/>
-              </a:ext>
-            </a:extLst>
-          </p:cNvPr>
-          <p:cNvCxnSpPr>
-            <a:cxnSpLocks noGrp="1" noRot="1" noChangeAspect="1" noMove="1" noResize="1" noEditPoints="1" noAdjustHandles="1" noChangeArrowheads="1" noChangeShapeType="1"/>
-          </p:cNvCxnSpPr>
-          <p:nvPr>
-            <p:extLst>
-              <p:ext uri="{386F3935-93C4-4BCD-93E2-E3B085C9AB24}">
-                <p16:designElem xmlns:p16="http://schemas.microsoft.com/office/powerpoint/2015/main" val="1"/>
-              </p:ext>
-            </p:extLst>
-          </p:nvPr>
-        </p:nvCxnSpPr>
-        <p:spPr>
-          <a:xfrm flipH="1">
-            <a:off x="7845426" y="609601"/>
-            <a:ext cx="4343399" cy="4343399"/>
-          </a:xfrm>
-          <a:prstGeom prst="line">
-            <a:avLst/>
-          </a:prstGeom>
-          <a:ln w="31750">
-            <a:solidFill>
-              <a:schemeClr val="tx1"/>
-            </a:solidFill>
-          </a:ln>
-        </p:spPr>
-        <p:style>
-          <a:lnRef idx="2">
-            <a:schemeClr val="accent1"/>
-          </a:lnRef>
-          <a:fillRef idx="0">
-            <a:schemeClr val="accent1"/>
-          </a:fillRef>
-          <a:effectRef idx="1">
-            <a:schemeClr val="accent1"/>
-          </a:effectRef>
-          <a:fontRef idx="minor">
-            <a:schemeClr val="tx1"/>
-          </a:fontRef>
-        </p:style>
-      </p:cxnSp>
-      <p:sp useBgFill="1">
-        <p:nvSpPr>
-          <p:cNvPr id="18" name="Rectangle 17">
-            <a:extLst>
-              <a:ext uri="{FF2B5EF4-FFF2-40B4-BE49-F238E27FC236}">
-                <a16:creationId xmlns:a16="http://schemas.microsoft.com/office/drawing/2014/main" id="{313BE87B-D7FD-4BF3-A7BC-511F522528C2}"/>
-              </a:ext>
-              <a:ext uri="{C183D7F6-B498-43B3-948B-1728B52AA6E4}">
-                <adec:decorative xmlns:adec="http://schemas.microsoft.com/office/drawing/2017/decorative" val="1"/>
-              </a:ext>
-            </a:extLst>
-          </p:cNvPr>
-          <p:cNvSpPr>
-            <a:spLocks noGrp="1" noRot="1" noChangeAspect="1" noMove="1" noResize="1" noEditPoints="1" noAdjustHandles="1" noChangeArrowheads="1" noChangeShapeType="1" noTextEdit="1"/>
-          </p:cNvSpPr>
-          <p:nvPr>
-            <p:extLst>
-              <p:ext uri="{386F3935-93C4-4BCD-93E2-E3B085C9AB24}">
-                <p16:designElem xmlns:p16="http://schemas.microsoft.com/office/powerpoint/2015/main" val="1"/>
-              </p:ext>
-            </p:extLst>
-          </p:nvPr>
-        </p:nvSpPr>
-        <p:spPr>
-          <a:xfrm>
-            <a:off x="0" y="0"/>
-            <a:ext cx="12192000" cy="6858000"/>
-          </a:xfrm>
-          <a:prstGeom prst="rect">
-            <a:avLst/>
-          </a:prstGeom>
-          <a:solidFill>
-            <a:schemeClr val="accent1"/>
-          </a:solidFill>
-          <a:ln>
-            <a:noFill/>
-          </a:ln>
-        </p:spPr>
-        <p:style>
-          <a:lnRef idx="2">
-            <a:schemeClr val="accent1">
-              <a:shade val="50000"/>
-            </a:schemeClr>
-          </a:lnRef>
-          <a:fillRef idx="1">
-            <a:schemeClr val="accent1"/>
-          </a:fillRef>
-          <a:effectRef idx="0">
-            <a:schemeClr val="accent1"/>
-          </a:effectRef>
-          <a:fontRef idx="minor">
-            <a:schemeClr val="lt1"/>
-          </a:fontRef>
-        </p:style>
-        <p:txBody>
-          <a:bodyPr rtlCol="0" anchor="ctr"/>
-          <a:lstStyle/>
-          <a:p>
-            <a:pPr algn="ctr"/>
-            <a:endParaRPr lang="en-US"/>
-          </a:p>
-        </p:txBody>
-      </p:sp>
-      <p:sp>
-        <p:nvSpPr>
-          <p:cNvPr id="20" name="Rectangle 19">
-            <a:extLst>
-              <a:ext uri="{FF2B5EF4-FFF2-40B4-BE49-F238E27FC236}">
-                <a16:creationId xmlns:a16="http://schemas.microsoft.com/office/drawing/2014/main" id="{035A481B-C639-4892-B0EF-4D8373A9B06A}"/>
-              </a:ext>
-              <a:ext uri="{C183D7F6-B498-43B3-948B-1728B52AA6E4}">
-                <adec:decorative xmlns:adec="http://schemas.microsoft.com/office/drawing/2017/decorative" val="1"/>
-              </a:ext>
-            </a:extLst>
-          </p:cNvPr>
-          <p:cNvSpPr>
-            <a:spLocks noGrp="1" noRot="1" noChangeAspect="1" noMove="1" noResize="1" noEditPoints="1" noAdjustHandles="1" noChangeArrowheads="1" noChangeShapeType="1" noTextEdit="1"/>
-          </p:cNvSpPr>
-          <p:nvPr>
-            <p:extLst>
-              <p:ext uri="{386F3935-93C4-4BCD-93E2-E3B085C9AB24}">
-                <p16:designElem xmlns:p16="http://schemas.microsoft.com/office/powerpoint/2015/main" val="1"/>
-              </p:ext>
-            </p:extLst>
-          </p:nvPr>
-        </p:nvSpPr>
-        <p:spPr>
-          <a:xfrm>
-            <a:off x="0" y="-1"/>
-            <a:ext cx="4639734" cy="6858000"/>
-          </a:xfrm>
-          <a:prstGeom prst="rect">
-            <a:avLst/>
-          </a:prstGeom>
-          <a:solidFill>
-            <a:schemeClr val="accent1">
-              <a:lumMod val="75000"/>
-            </a:schemeClr>
-          </a:solidFill>
-          <a:ln>
-            <a:noFill/>
-          </a:ln>
-          <a:effectLst/>
-        </p:spPr>
-        <p:style>
-          <a:lnRef idx="2">
-            <a:schemeClr val="accent1">
-              <a:shade val="50000"/>
-            </a:schemeClr>
-          </a:lnRef>
-          <a:fillRef idx="1001">
-            <a:schemeClr val="dk2"/>
-          </a:fillRef>
-          <a:effectRef idx="0">
-            <a:schemeClr val="accent1"/>
-          </a:effectRef>
-          <a:fontRef idx="minor">
-            <a:schemeClr val="lt1"/>
-          </a:fontRef>
-        </p:style>
-        <p:txBody>
-          <a:bodyPr rtlCol="0" anchor="ctr"/>
-          <a:lstStyle/>
-          <a:p>
-            <a:pPr algn="ctr"/>
-            <a:endParaRPr lang="en-US"/>
-          </a:p>
-        </p:txBody>
-      </p:sp>
-      <p:sp>
-        <p:nvSpPr>
-          <p:cNvPr id="22" name="Rectangle 21">
-            <a:extLst>
-              <a:ext uri="{FF2B5EF4-FFF2-40B4-BE49-F238E27FC236}">
-                <a16:creationId xmlns:a16="http://schemas.microsoft.com/office/drawing/2014/main" id="{052BD58B-6284-459E-9FF4-A97F3A569074}"/>
-              </a:ext>
-              <a:ext uri="{C183D7F6-B498-43B3-948B-1728B52AA6E4}">
-                <adec:decorative xmlns:adec="http://schemas.microsoft.com/office/drawing/2017/decorative" val="1"/>
-              </a:ext>
-            </a:extLst>
-          </p:cNvPr>
-          <p:cNvSpPr>
-            <a:spLocks noGrp="1" noRot="1" noChangeAspect="1" noMove="1" noResize="1" noEditPoints="1" noAdjustHandles="1" noChangeArrowheads="1" noChangeShapeType="1" noTextEdit="1"/>
-          </p:cNvSpPr>
-          <p:nvPr>
-            <p:extLst>
-              <p:ext uri="{386F3935-93C4-4BCD-93E2-E3B085C9AB24}">
-                <p16:designElem xmlns:p16="http://schemas.microsoft.com/office/powerpoint/2015/main" val="1"/>
-              </p:ext>
-            </p:extLst>
-          </p:nvPr>
-        </p:nvSpPr>
-        <p:spPr>
-          <a:xfrm>
-            <a:off x="0" y="-2"/>
-            <a:ext cx="1438656" cy="6858000"/>
-          </a:xfrm>
-          <a:prstGeom prst="rect">
-            <a:avLst/>
-          </a:prstGeom>
-          <a:solidFill>
-            <a:schemeClr val="accent1">
-              <a:lumMod val="50000"/>
-            </a:schemeClr>
-          </a:solidFill>
-          <a:ln>
-            <a:noFill/>
-          </a:ln>
-        </p:spPr>
-        <p:style>
-          <a:lnRef idx="2">
-            <a:schemeClr val="accent1">
-              <a:shade val="50000"/>
-            </a:schemeClr>
-          </a:lnRef>
-          <a:fillRef idx="1003">
-            <a:schemeClr val="lt1"/>
-          </a:fillRef>
-          <a:effectRef idx="0">
-            <a:schemeClr val="accent1"/>
-          </a:effectRef>
-          <a:fontRef idx="minor">
-            <a:schemeClr val="lt1"/>
-          </a:fontRef>
-        </p:style>
-        <p:txBody>
-          <a:bodyPr rtlCol="0" anchor="ctr"/>
-          <a:lstStyle/>
-          <a:p>
-            <a:pPr algn="ctr"/>
-            <a:endParaRPr lang="en-US">
-              <a:solidFill>
-                <a:schemeClr val="accent2"/>
-              </a:solidFill>
-            </a:endParaRPr>
-          </a:p>
-        </p:txBody>
-      </p:sp>
-      <p:grpSp>
-        <p:nvGrpSpPr>
-          <p:cNvPr id="24" name="Group 23">
-            <a:extLst>
-              <a:ext uri="{FF2B5EF4-FFF2-40B4-BE49-F238E27FC236}">
-                <a16:creationId xmlns:a16="http://schemas.microsoft.com/office/drawing/2014/main" id="{AE589C21-CEDE-4D90-AC85-6E43B68D1316}"/>
-              </a:ext>
-              <a:ext uri="{C183D7F6-B498-43B3-948B-1728B52AA6E4}">
-                <adec:decorative xmlns:adec="http://schemas.microsoft.com/office/drawing/2017/decorative" val="1"/>
-              </a:ext>
-            </a:extLst>
-          </p:cNvPr>
-          <p:cNvGrpSpPr>
-            <a:grpSpLocks noGrp="1" noUngrp="1" noRot="1" noChangeAspect="1" noMove="1" noResize="1"/>
-          </p:cNvGrpSpPr>
-          <p:nvPr>
-            <p:extLst>
-              <p:ext uri="{386F3935-93C4-4BCD-93E2-E3B085C9AB24}">
-                <p16:designElem xmlns:p16="http://schemas.microsoft.com/office/powerpoint/2015/main" val="1"/>
-              </p:ext>
-            </p:extLst>
-          </p:nvPr>
-        </p:nvGrpSpPr>
-        <p:grpSpPr>
-          <a:xfrm>
-            <a:off x="9206969" y="3449715"/>
-            <a:ext cx="2981858" cy="3208867"/>
-            <a:chOff x="9206969" y="2963333"/>
-            <a:chExt cx="2981858" cy="3208867"/>
-          </a:xfrm>
-        </p:grpSpPr>
-        <p:cxnSp>
-          <p:nvCxnSpPr>
-            <p:cNvPr id="25" name="Straight Connector 24">
-              <a:extLst>
-                <a:ext uri="{FF2B5EF4-FFF2-40B4-BE49-F238E27FC236}">
-                  <a16:creationId xmlns:a16="http://schemas.microsoft.com/office/drawing/2014/main" id="{1F4121EC-0ADD-45C0-85F0-D49F67A3ED8B}"/>
-                </a:ext>
-                <a:ext uri="{C183D7F6-B498-43B3-948B-1728B52AA6E4}">
-                  <adec:decorative xmlns:adec="http://schemas.microsoft.com/office/drawing/2017/decorative" val="1"/>
-                </a:ext>
-              </a:extLst>
-            </p:cNvPr>
-            <p:cNvCxnSpPr/>
-            <p:nvPr>
-              <p:extLst>
-                <p:ext uri="{386F3935-93C4-4BCD-93E2-E3B085C9AB24}">
-                  <p16:designElem xmlns:p16="http://schemas.microsoft.com/office/powerpoint/2015/main" val="1"/>
-                </p:ext>
-              </p:extLst>
-            </p:nvPr>
-          </p:nvCxnSpPr>
-          <p:spPr>
-            <a:xfrm flipH="1">
-              <a:off x="11276012" y="2963333"/>
-              <a:ext cx="912814" cy="912812"/>
-            </a:xfrm>
-            <a:prstGeom prst="line">
-              <a:avLst/>
-            </a:prstGeom>
-            <a:ln w="9525">
-              <a:solidFill>
-                <a:srgbClr val="FFFFFF"/>
-              </a:solidFill>
-            </a:ln>
-          </p:spPr>
-          <p:style>
-            <a:lnRef idx="2">
-              <a:schemeClr val="accent1"/>
-            </a:lnRef>
-            <a:fillRef idx="0">
-              <a:schemeClr val="accent1"/>
-            </a:fillRef>
-            <a:effectRef idx="1">
-              <a:schemeClr val="accent1"/>
-            </a:effectRef>
-            <a:fontRef idx="minor">
-              <a:schemeClr val="tx1"/>
-            </a:fontRef>
-          </p:style>
-        </p:cxnSp>
-        <p:cxnSp>
-          <p:nvCxnSpPr>
-            <p:cNvPr id="26" name="Straight Connector 25">
-              <a:extLst>
-                <a:ext uri="{FF2B5EF4-FFF2-40B4-BE49-F238E27FC236}">
-                  <a16:creationId xmlns:a16="http://schemas.microsoft.com/office/drawing/2014/main" id="{422F012F-0680-4AEC-9884-BA712ED2B9E6}"/>
-                </a:ext>
-                <a:ext uri="{C183D7F6-B498-43B3-948B-1728B52AA6E4}">
-                  <adec:decorative xmlns:adec="http://schemas.microsoft.com/office/drawing/2017/decorative" val="1"/>
-                </a:ext>
-              </a:extLst>
-            </p:cNvPr>
-            <p:cNvCxnSpPr/>
-            <p:nvPr>
-              <p:extLst>
-                <p:ext uri="{386F3935-93C4-4BCD-93E2-E3B085C9AB24}">
-                  <p16:designElem xmlns:p16="http://schemas.microsoft.com/office/powerpoint/2015/main" val="1"/>
-                </p:ext>
-              </p:extLst>
-            </p:nvPr>
-          </p:nvCxnSpPr>
-          <p:spPr>
-            <a:xfrm flipH="1">
-              <a:off x="9206969" y="3190344"/>
-              <a:ext cx="2981857" cy="2981856"/>
-            </a:xfrm>
-            <a:prstGeom prst="line">
-              <a:avLst/>
-            </a:prstGeom>
-            <a:ln w="9525">
-              <a:solidFill>
-                <a:srgbClr val="FFFFFF"/>
-              </a:solidFill>
-            </a:ln>
-          </p:spPr>
-          <p:style>
-            <a:lnRef idx="2">
-              <a:schemeClr val="accent1"/>
-            </a:lnRef>
-            <a:fillRef idx="0">
-              <a:schemeClr val="accent1"/>
-            </a:fillRef>
-            <a:effectRef idx="1">
-              <a:schemeClr val="accent1"/>
-            </a:effectRef>
-            <a:fontRef idx="minor">
-              <a:schemeClr val="tx1"/>
-            </a:fontRef>
-          </p:style>
-        </p:cxnSp>
-        <p:cxnSp>
-          <p:nvCxnSpPr>
-            <p:cNvPr id="27" name="Straight Connector 26">
-              <a:extLst>
-                <a:ext uri="{FF2B5EF4-FFF2-40B4-BE49-F238E27FC236}">
-                  <a16:creationId xmlns:a16="http://schemas.microsoft.com/office/drawing/2014/main" id="{FA5CEDFE-9EC8-436B-AE10-F85A847783A2}"/>
-                </a:ext>
-                <a:ext uri="{C183D7F6-B498-43B3-948B-1728B52AA6E4}">
-                  <adec:decorative xmlns:adec="http://schemas.microsoft.com/office/drawing/2017/decorative" val="1"/>
-                </a:ext>
-              </a:extLst>
-            </p:cNvPr>
-            <p:cNvCxnSpPr/>
-            <p:nvPr>
-              <p:extLst>
-                <p:ext uri="{386F3935-93C4-4BCD-93E2-E3B085C9AB24}">
-                  <p16:designElem xmlns:p16="http://schemas.microsoft.com/office/powerpoint/2015/main" val="1"/>
-                </p:ext>
-              </p:extLst>
-            </p:nvPr>
-          </p:nvCxnSpPr>
-          <p:spPr>
-            <a:xfrm flipH="1">
-              <a:off x="10292292" y="3285067"/>
-              <a:ext cx="1896534" cy="1896533"/>
-            </a:xfrm>
-            <a:prstGeom prst="line">
-              <a:avLst/>
-            </a:prstGeom>
-            <a:ln w="9525">
-              <a:solidFill>
-                <a:srgbClr val="FFFFFF"/>
-              </a:solidFill>
-            </a:ln>
-          </p:spPr>
-          <p:style>
-            <a:lnRef idx="2">
-              <a:schemeClr val="accent1"/>
-            </a:lnRef>
-            <a:fillRef idx="0">
-              <a:schemeClr val="accent1"/>
-            </a:fillRef>
-            <a:effectRef idx="1">
-              <a:schemeClr val="accent1"/>
-            </a:effectRef>
-            <a:fontRef idx="minor">
-              <a:schemeClr val="tx1"/>
-            </a:fontRef>
-          </p:style>
-        </p:cxnSp>
-        <p:cxnSp>
-          <p:nvCxnSpPr>
-            <p:cNvPr id="28" name="Straight Connector 27">
-              <a:extLst>
-                <a:ext uri="{FF2B5EF4-FFF2-40B4-BE49-F238E27FC236}">
-                  <a16:creationId xmlns:a16="http://schemas.microsoft.com/office/drawing/2014/main" id="{29C70031-55D8-483B-8452-A6B809D0AC84}"/>
-                </a:ext>
-                <a:ext uri="{C183D7F6-B498-43B3-948B-1728B52AA6E4}">
-                  <adec:decorative xmlns:adec="http://schemas.microsoft.com/office/drawing/2017/decorative" val="1"/>
-                </a:ext>
-              </a:extLst>
-            </p:cNvPr>
-            <p:cNvCxnSpPr/>
-            <p:nvPr>
-              <p:extLst>
-                <p:ext uri="{386F3935-93C4-4BCD-93E2-E3B085C9AB24}">
-                  <p16:designElem xmlns:p16="http://schemas.microsoft.com/office/powerpoint/2015/main" val="1"/>
-                </p:ext>
-              </p:extLst>
-            </p:nvPr>
-          </p:nvCxnSpPr>
-          <p:spPr>
-            <a:xfrm flipH="1">
-              <a:off x="10443103" y="3131080"/>
-              <a:ext cx="1745722" cy="1745720"/>
-            </a:xfrm>
-            <a:prstGeom prst="line">
-              <a:avLst/>
-            </a:prstGeom>
-            <a:ln w="28575">
-              <a:solidFill>
-                <a:srgbClr val="FFFFFF"/>
-              </a:solidFill>
-            </a:ln>
-          </p:spPr>
-          <p:style>
-            <a:lnRef idx="2">
-              <a:schemeClr val="accent1"/>
-            </a:lnRef>
-            <a:fillRef idx="0">
-              <a:schemeClr val="accent1"/>
-            </a:fillRef>
-            <a:effectRef idx="1">
-              <a:schemeClr val="accent1"/>
-            </a:effectRef>
-            <a:fontRef idx="minor">
-              <a:schemeClr val="tx1"/>
-            </a:fontRef>
-          </p:style>
-        </p:cxnSp>
-        <p:cxnSp>
-          <p:nvCxnSpPr>
-            <p:cNvPr id="29" name="Straight Connector 28">
-              <a:extLst>
-                <a:ext uri="{FF2B5EF4-FFF2-40B4-BE49-F238E27FC236}">
-                  <a16:creationId xmlns:a16="http://schemas.microsoft.com/office/drawing/2014/main" id="{E24F1E16-B0BE-4400-9A10-95BB1D52CCD2}"/>
-                </a:ext>
-                <a:ext uri="{C183D7F6-B498-43B3-948B-1728B52AA6E4}">
-                  <adec:decorative xmlns:adec="http://schemas.microsoft.com/office/drawing/2017/decorative" val="1"/>
-                </a:ext>
-              </a:extLst>
-            </p:cNvPr>
-            <p:cNvCxnSpPr/>
-            <p:nvPr>
-              <p:extLst>
-                <p:ext uri="{386F3935-93C4-4BCD-93E2-E3B085C9AB24}">
-                  <p16:designElem xmlns:p16="http://schemas.microsoft.com/office/powerpoint/2015/main" val="1"/>
-                </p:ext>
-              </p:extLst>
-            </p:nvPr>
-          </p:nvCxnSpPr>
-          <p:spPr>
-            <a:xfrm flipH="1">
-              <a:off x="10918826" y="3683001"/>
-              <a:ext cx="1270001" cy="1269999"/>
-            </a:xfrm>
-            <a:prstGeom prst="line">
-              <a:avLst/>
-            </a:prstGeom>
-            <a:ln w="28575">
-              <a:solidFill>
-                <a:srgbClr val="FFFFFF"/>
-              </a:solidFill>
-            </a:ln>
-          </p:spPr>
-          <p:style>
-            <a:lnRef idx="2">
-              <a:schemeClr val="accent1"/>
-            </a:lnRef>
-            <a:fillRef idx="0">
-              <a:schemeClr val="accent1"/>
-            </a:fillRef>
-            <a:effectRef idx="1">
-              <a:schemeClr val="accent1"/>
-            </a:effectRef>
-            <a:fontRef idx="minor">
-              <a:schemeClr val="tx1"/>
-            </a:fontRef>
-          </p:style>
-        </p:cxnSp>
-      </p:grpSp>
-      <p:sp>
-        <p:nvSpPr>
-          <p:cNvPr id="2" name="Title 1">
-            <a:extLst>
-              <a:ext uri="{FF2B5EF4-FFF2-40B4-BE49-F238E27FC236}">
-                <a16:creationId xmlns:a16="http://schemas.microsoft.com/office/drawing/2014/main" id="{0E014BC6-E8B9-4831-9870-0A8705DC795A}"/>
-              </a:ext>
-            </a:extLst>
-          </p:cNvPr>
-          <p:cNvSpPr>
-            <a:spLocks noGrp="1"/>
-          </p:cNvSpPr>
-          <p:nvPr>
-            <p:ph type="title"/>
-          </p:nvPr>
-        </p:nvSpPr>
-        <p:spPr>
-          <a:xfrm>
-            <a:off x="5116738" y="685798"/>
-            <a:ext cx="6159273" cy="4495801"/>
-          </a:xfrm>
-        </p:spPr>
-        <p:txBody>
-          <a:bodyPr vert="horz" lIns="91440" tIns="45720" rIns="91440" bIns="45720" rtlCol="0" anchor="ctr">
-            <a:normAutofit/>
-          </a:bodyPr>
-          <a:lstStyle/>
-          <a:p>
-            <a:r>
-              <a:rPr lang="en-US" sz="5400" dirty="0" err="1">
-                <a:solidFill>
-                  <a:srgbClr val="FFFFFF"/>
-                </a:solidFill>
-              </a:rPr>
-              <a:t>Vragen</a:t>
-            </a:r>
-            <a:r>
-              <a:rPr lang="en-US" sz="5400" dirty="0">
-                <a:solidFill>
-                  <a:srgbClr val="FFFFFF"/>
-                </a:solidFill>
-              </a:rPr>
-              <a:t>?</a:t>
-            </a:r>
-          </a:p>
-        </p:txBody>
-      </p:sp>
-    </p:spTree>
-    <p:extLst>
-      <p:ext uri="{BB962C8B-B14F-4D97-AF65-F5344CB8AC3E}">
-        <p14:creationId xmlns:p14="http://schemas.microsoft.com/office/powerpoint/2010/main" val="2841415295"/>
       </p:ext>
     </p:extLst>
   </p:cSld>

--- a/2nd-Factor.pptx
+++ b/2nd-Factor.pptx
@@ -4,6 +4,9 @@
   <p:sldMasterIdLst>
     <p:sldMasterId id="2147483660" r:id="rId1"/>
   </p:sldMasterIdLst>
+  <p:notesMasterIdLst>
+    <p:notesMasterId r:id="rId10"/>
+  </p:notesMasterIdLst>
   <p:sldIdLst>
     <p:sldId id="256" r:id="rId2"/>
     <p:sldId id="257" r:id="rId3"/>
@@ -12,6 +15,7 @@
     <p:sldId id="260" r:id="rId6"/>
     <p:sldId id="261" r:id="rId7"/>
     <p:sldId id="262" r:id="rId8"/>
+    <p:sldId id="263" r:id="rId9"/>
   </p:sldIdLst>
   <p:sldSz cx="12192000" cy="6858000"/>
   <p:notesSz cx="6858000" cy="9144000"/>
@@ -118,627 +122,437 @@
 </p:presentation>
 </file>
 
-<file path=ppt/revisionInfo.xml><?xml version="1.0" encoding="utf-8"?>
-<p1510:revInfo xmlns:a="http://schemas.openxmlformats.org/drawingml/2006/main" xmlns:r="http://schemas.openxmlformats.org/officeDocument/2006/relationships" xmlns:p1510="http://schemas.microsoft.com/office/powerpoint/2015/10/main">
-  <p1510:revLst>
-    <p1510:client id="{96835D51-DFDE-48CD-B775-3746953B79D2}" v="1" dt="2021-01-17T18:27:17.797"/>
-  </p1510:revLst>
-</p1510:revInfo>
+<file path=ppt/notesMasters/notesMaster1.xml><?xml version="1.0" encoding="utf-8"?>
+<p:notesMaster xmlns:a="http://schemas.openxmlformats.org/drawingml/2006/main" xmlns:r="http://schemas.openxmlformats.org/officeDocument/2006/relationships" xmlns:p="http://schemas.openxmlformats.org/presentationml/2006/main">
+  <p:cSld>
+    <p:bg>
+      <p:bgRef idx="1001">
+        <a:schemeClr val="bg1"/>
+      </p:bgRef>
+    </p:bg>
+    <p:spTree>
+      <p:nvGrpSpPr>
+        <p:cNvPr id="1" name=""/>
+        <p:cNvGrpSpPr/>
+        <p:nvPr/>
+      </p:nvGrpSpPr>
+      <p:grpSpPr>
+        <a:xfrm>
+          <a:off x="0" y="0"/>
+          <a:ext cx="0" cy="0"/>
+          <a:chOff x="0" y="0"/>
+          <a:chExt cx="0" cy="0"/>
+        </a:xfrm>
+      </p:grpSpPr>
+      <p:sp>
+        <p:nvSpPr>
+          <p:cNvPr id="2" name="Tijdelijke aanduiding voor koptekst 1"/>
+          <p:cNvSpPr>
+            <a:spLocks noGrp="1"/>
+          </p:cNvSpPr>
+          <p:nvPr>
+            <p:ph type="hdr" sz="quarter"/>
+          </p:nvPr>
+        </p:nvSpPr>
+        <p:spPr>
+          <a:xfrm>
+            <a:off x="0" y="0"/>
+            <a:ext cx="2971800" cy="458788"/>
+          </a:xfrm>
+          <a:prstGeom prst="rect">
+            <a:avLst/>
+          </a:prstGeom>
+        </p:spPr>
+        <p:txBody>
+          <a:bodyPr vert="horz" lIns="91440" tIns="45720" rIns="91440" bIns="45720" rtlCol="0"/>
+          <a:lstStyle>
+            <a:lvl1pPr algn="l">
+              <a:defRPr sz="1200"/>
+            </a:lvl1pPr>
+          </a:lstStyle>
+          <a:p>
+            <a:endParaRPr lang="nl-NL"/>
+          </a:p>
+        </p:txBody>
+      </p:sp>
+      <p:sp>
+        <p:nvSpPr>
+          <p:cNvPr id="3" name="Tijdelijke aanduiding voor datum 2"/>
+          <p:cNvSpPr>
+            <a:spLocks noGrp="1"/>
+          </p:cNvSpPr>
+          <p:nvPr>
+            <p:ph type="dt" idx="1"/>
+          </p:nvPr>
+        </p:nvSpPr>
+        <p:spPr>
+          <a:xfrm>
+            <a:off x="3884613" y="0"/>
+            <a:ext cx="2971800" cy="458788"/>
+          </a:xfrm>
+          <a:prstGeom prst="rect">
+            <a:avLst/>
+          </a:prstGeom>
+        </p:spPr>
+        <p:txBody>
+          <a:bodyPr vert="horz" lIns="91440" tIns="45720" rIns="91440" bIns="45720" rtlCol="0"/>
+          <a:lstStyle>
+            <a:lvl1pPr algn="r">
+              <a:defRPr sz="1200"/>
+            </a:lvl1pPr>
+          </a:lstStyle>
+          <a:p>
+            <a:fld id="{D46C3146-58B7-4A24-88DE-A3AB7A9CC85A}" type="datetimeFigureOut">
+              <a:rPr lang="nl-NL" smtClean="0"/>
+              <a:t>21-1-2021</a:t>
+            </a:fld>
+            <a:endParaRPr lang="nl-NL"/>
+          </a:p>
+        </p:txBody>
+      </p:sp>
+      <p:sp>
+        <p:nvSpPr>
+          <p:cNvPr id="4" name="Tijdelijke aanduiding voor dia-afbeelding 3"/>
+          <p:cNvSpPr>
+            <a:spLocks noGrp="1" noRot="1" noChangeAspect="1"/>
+          </p:cNvSpPr>
+          <p:nvPr>
+            <p:ph type="sldImg" idx="2"/>
+          </p:nvPr>
+        </p:nvSpPr>
+        <p:spPr>
+          <a:xfrm>
+            <a:off x="685800" y="1143000"/>
+            <a:ext cx="5486400" cy="3086100"/>
+          </a:xfrm>
+          <a:prstGeom prst="rect">
+            <a:avLst/>
+          </a:prstGeom>
+          <a:noFill/>
+          <a:ln w="12700">
+            <a:solidFill>
+              <a:prstClr val="black"/>
+            </a:solidFill>
+          </a:ln>
+        </p:spPr>
+        <p:txBody>
+          <a:bodyPr vert="horz" lIns="91440" tIns="45720" rIns="91440" bIns="45720" rtlCol="0" anchor="ctr"/>
+          <a:lstStyle/>
+          <a:p>
+            <a:endParaRPr lang="nl-NL"/>
+          </a:p>
+        </p:txBody>
+      </p:sp>
+      <p:sp>
+        <p:nvSpPr>
+          <p:cNvPr id="5" name="Tijdelijke aanduiding voor notities 4"/>
+          <p:cNvSpPr>
+            <a:spLocks noGrp="1"/>
+          </p:cNvSpPr>
+          <p:nvPr>
+            <p:ph type="body" sz="quarter" idx="3"/>
+          </p:nvPr>
+        </p:nvSpPr>
+        <p:spPr>
+          <a:xfrm>
+            <a:off x="685800" y="4400550"/>
+            <a:ext cx="5486400" cy="3600450"/>
+          </a:xfrm>
+          <a:prstGeom prst="rect">
+            <a:avLst/>
+          </a:prstGeom>
+        </p:spPr>
+        <p:txBody>
+          <a:bodyPr vert="horz" lIns="91440" tIns="45720" rIns="91440" bIns="45720" rtlCol="0"/>
+          <a:lstStyle/>
+          <a:p>
+            <a:pPr lvl="0"/>
+            <a:r>
+              <a:rPr lang="nl-NL"/>
+              <a:t>Klikken om de tekststijl van het model te bewerken</a:t>
+            </a:r>
+          </a:p>
+          <a:p>
+            <a:pPr lvl="1"/>
+            <a:r>
+              <a:rPr lang="nl-NL"/>
+              <a:t>Tweede niveau</a:t>
+            </a:r>
+          </a:p>
+          <a:p>
+            <a:pPr lvl="2"/>
+            <a:r>
+              <a:rPr lang="nl-NL"/>
+              <a:t>Derde niveau</a:t>
+            </a:r>
+          </a:p>
+          <a:p>
+            <a:pPr lvl="3"/>
+            <a:r>
+              <a:rPr lang="nl-NL"/>
+              <a:t>Vierde niveau</a:t>
+            </a:r>
+          </a:p>
+          <a:p>
+            <a:pPr lvl="4"/>
+            <a:r>
+              <a:rPr lang="nl-NL"/>
+              <a:t>Vijfde niveau</a:t>
+            </a:r>
+          </a:p>
+        </p:txBody>
+      </p:sp>
+      <p:sp>
+        <p:nvSpPr>
+          <p:cNvPr id="6" name="Tijdelijke aanduiding voor voettekst 5"/>
+          <p:cNvSpPr>
+            <a:spLocks noGrp="1"/>
+          </p:cNvSpPr>
+          <p:nvPr>
+            <p:ph type="ftr" sz="quarter" idx="4"/>
+          </p:nvPr>
+        </p:nvSpPr>
+        <p:spPr>
+          <a:xfrm>
+            <a:off x="0" y="8685213"/>
+            <a:ext cx="2971800" cy="458787"/>
+          </a:xfrm>
+          <a:prstGeom prst="rect">
+            <a:avLst/>
+          </a:prstGeom>
+        </p:spPr>
+        <p:txBody>
+          <a:bodyPr vert="horz" lIns="91440" tIns="45720" rIns="91440" bIns="45720" rtlCol="0" anchor="b"/>
+          <a:lstStyle>
+            <a:lvl1pPr algn="l">
+              <a:defRPr sz="1200"/>
+            </a:lvl1pPr>
+          </a:lstStyle>
+          <a:p>
+            <a:endParaRPr lang="nl-NL"/>
+          </a:p>
+        </p:txBody>
+      </p:sp>
+      <p:sp>
+        <p:nvSpPr>
+          <p:cNvPr id="7" name="Tijdelijke aanduiding voor dianummer 6"/>
+          <p:cNvSpPr>
+            <a:spLocks noGrp="1"/>
+          </p:cNvSpPr>
+          <p:nvPr>
+            <p:ph type="sldNum" sz="quarter" idx="5"/>
+          </p:nvPr>
+        </p:nvSpPr>
+        <p:spPr>
+          <a:xfrm>
+            <a:off x="3884613" y="8685213"/>
+            <a:ext cx="2971800" cy="458787"/>
+          </a:xfrm>
+          <a:prstGeom prst="rect">
+            <a:avLst/>
+          </a:prstGeom>
+        </p:spPr>
+        <p:txBody>
+          <a:bodyPr vert="horz" lIns="91440" tIns="45720" rIns="91440" bIns="45720" rtlCol="0" anchor="b"/>
+          <a:lstStyle>
+            <a:lvl1pPr algn="r">
+              <a:defRPr sz="1200"/>
+            </a:lvl1pPr>
+          </a:lstStyle>
+          <a:p>
+            <a:fld id="{E4E64A27-1B3B-4CF8-8F9C-AF67607CCD52}" type="slidenum">
+              <a:rPr lang="nl-NL" smtClean="0"/>
+              <a:t>‹nr.›</a:t>
+            </a:fld>
+            <a:endParaRPr lang="nl-NL"/>
+          </a:p>
+        </p:txBody>
+      </p:sp>
+    </p:spTree>
+    <p:extLst>
+      <p:ext uri="{BB962C8B-B14F-4D97-AF65-F5344CB8AC3E}">
+        <p14:creationId xmlns:p14="http://schemas.microsoft.com/office/powerpoint/2010/main" val="2763538886"/>
+      </p:ext>
+    </p:extLst>
+  </p:cSld>
+  <p:clrMap bg1="lt1" tx1="dk1" bg2="lt2" tx2="dk2" accent1="accent1" accent2="accent2" accent3="accent3" accent4="accent4" accent5="accent5" accent6="accent6" hlink="hlink" folHlink="folHlink"/>
+  <p:notesStyle>
+    <a:lvl1pPr marL="0" algn="l" defTabSz="914400" rtl="0" eaLnBrk="1" latinLnBrk="0" hangingPunct="1">
+      <a:defRPr sz="1200" kern="1200">
+        <a:solidFill>
+          <a:schemeClr val="tx1"/>
+        </a:solidFill>
+        <a:latin typeface="+mn-lt"/>
+        <a:ea typeface="+mn-ea"/>
+        <a:cs typeface="+mn-cs"/>
+      </a:defRPr>
+    </a:lvl1pPr>
+    <a:lvl2pPr marL="457200" algn="l" defTabSz="914400" rtl="0" eaLnBrk="1" latinLnBrk="0" hangingPunct="1">
+      <a:defRPr sz="1200" kern="1200">
+        <a:solidFill>
+          <a:schemeClr val="tx1"/>
+        </a:solidFill>
+        <a:latin typeface="+mn-lt"/>
+        <a:ea typeface="+mn-ea"/>
+        <a:cs typeface="+mn-cs"/>
+      </a:defRPr>
+    </a:lvl2pPr>
+    <a:lvl3pPr marL="914400" algn="l" defTabSz="914400" rtl="0" eaLnBrk="1" latinLnBrk="0" hangingPunct="1">
+      <a:defRPr sz="1200" kern="1200">
+        <a:solidFill>
+          <a:schemeClr val="tx1"/>
+        </a:solidFill>
+        <a:latin typeface="+mn-lt"/>
+        <a:ea typeface="+mn-ea"/>
+        <a:cs typeface="+mn-cs"/>
+      </a:defRPr>
+    </a:lvl3pPr>
+    <a:lvl4pPr marL="1371600" algn="l" defTabSz="914400" rtl="0" eaLnBrk="1" latinLnBrk="0" hangingPunct="1">
+      <a:defRPr sz="1200" kern="1200">
+        <a:solidFill>
+          <a:schemeClr val="tx1"/>
+        </a:solidFill>
+        <a:latin typeface="+mn-lt"/>
+        <a:ea typeface="+mn-ea"/>
+        <a:cs typeface="+mn-cs"/>
+      </a:defRPr>
+    </a:lvl4pPr>
+    <a:lvl5pPr marL="1828800" algn="l" defTabSz="914400" rtl="0" eaLnBrk="1" latinLnBrk="0" hangingPunct="1">
+      <a:defRPr sz="1200" kern="1200">
+        <a:solidFill>
+          <a:schemeClr val="tx1"/>
+        </a:solidFill>
+        <a:latin typeface="+mn-lt"/>
+        <a:ea typeface="+mn-ea"/>
+        <a:cs typeface="+mn-cs"/>
+      </a:defRPr>
+    </a:lvl5pPr>
+    <a:lvl6pPr marL="2286000" algn="l" defTabSz="914400" rtl="0" eaLnBrk="1" latinLnBrk="0" hangingPunct="1">
+      <a:defRPr sz="1200" kern="1200">
+        <a:solidFill>
+          <a:schemeClr val="tx1"/>
+        </a:solidFill>
+        <a:latin typeface="+mn-lt"/>
+        <a:ea typeface="+mn-ea"/>
+        <a:cs typeface="+mn-cs"/>
+      </a:defRPr>
+    </a:lvl6pPr>
+    <a:lvl7pPr marL="2743200" algn="l" defTabSz="914400" rtl="0" eaLnBrk="1" latinLnBrk="0" hangingPunct="1">
+      <a:defRPr sz="1200" kern="1200">
+        <a:solidFill>
+          <a:schemeClr val="tx1"/>
+        </a:solidFill>
+        <a:latin typeface="+mn-lt"/>
+        <a:ea typeface="+mn-ea"/>
+        <a:cs typeface="+mn-cs"/>
+      </a:defRPr>
+    </a:lvl7pPr>
+    <a:lvl8pPr marL="3200400" algn="l" defTabSz="914400" rtl="0" eaLnBrk="1" latinLnBrk="0" hangingPunct="1">
+      <a:defRPr sz="1200" kern="1200">
+        <a:solidFill>
+          <a:schemeClr val="tx1"/>
+        </a:solidFill>
+        <a:latin typeface="+mn-lt"/>
+        <a:ea typeface="+mn-ea"/>
+        <a:cs typeface="+mn-cs"/>
+      </a:defRPr>
+    </a:lvl8pPr>
+    <a:lvl9pPr marL="3657600" algn="l" defTabSz="914400" rtl="0" eaLnBrk="1" latinLnBrk="0" hangingPunct="1">
+      <a:defRPr sz="1200" kern="1200">
+        <a:solidFill>
+          <a:schemeClr val="tx1"/>
+        </a:solidFill>
+        <a:latin typeface="+mn-lt"/>
+        <a:ea typeface="+mn-ea"/>
+        <a:cs typeface="+mn-cs"/>
+      </a:defRPr>
+    </a:lvl9pPr>
+  </p:notesStyle>
+</p:notesMaster>
 </file>
 
-<file path=ppt/changesInfos/changesInfo1.xml><?xml version="1.0" encoding="utf-8"?>
-<pc:chgInfo xmlns:a="http://schemas.openxmlformats.org/drawingml/2006/main" xmlns:r="http://schemas.openxmlformats.org/officeDocument/2006/relationships" xmlns:ac="http://schemas.microsoft.com/office/drawing/2013/main/command" xmlns:pc="http://schemas.microsoft.com/office/powerpoint/2013/main/command">
-  <pc:docChgLst>
-    <pc:chgData name="Yorick Laros" userId="360726774b6fdad8" providerId="LiveId" clId="{96835D51-DFDE-48CD-B775-3746953B79D2}"/>
-    <pc:docChg chg="undo custSel mod addSld modSld">
-      <pc:chgData name="Yorick Laros" userId="360726774b6fdad8" providerId="LiveId" clId="{96835D51-DFDE-48CD-B775-3746953B79D2}" dt="2021-01-18T19:50:37.465" v="641"/>
-      <pc:docMkLst>
-        <pc:docMk/>
-      </pc:docMkLst>
-      <pc:sldChg chg="addSp delSp modSp mod setBg setClrOvrMap delDesignElem">
-        <pc:chgData name="Yorick Laros" userId="360726774b6fdad8" providerId="LiveId" clId="{96835D51-DFDE-48CD-B775-3746953B79D2}" dt="2021-01-17T18:27:30.983" v="6" actId="26606"/>
-        <pc:sldMkLst>
-          <pc:docMk/>
-          <pc:sldMk cId="860952901" sldId="256"/>
-        </pc:sldMkLst>
-        <pc:spChg chg="mod">
-          <ac:chgData name="Yorick Laros" userId="360726774b6fdad8" providerId="LiveId" clId="{96835D51-DFDE-48CD-B775-3746953B79D2}" dt="2021-01-17T18:27:30.983" v="6" actId="26606"/>
-          <ac:spMkLst>
-            <pc:docMk/>
-            <pc:sldMk cId="860952901" sldId="256"/>
-            <ac:spMk id="2" creationId="{BFFD636B-5877-43DA-B423-43240EAE6AEE}"/>
-          </ac:spMkLst>
-        </pc:spChg>
-        <pc:spChg chg="mod">
-          <ac:chgData name="Yorick Laros" userId="360726774b6fdad8" providerId="LiveId" clId="{96835D51-DFDE-48CD-B775-3746953B79D2}" dt="2021-01-17T18:27:30.983" v="6" actId="26606"/>
-          <ac:spMkLst>
-            <pc:docMk/>
-            <pc:sldMk cId="860952901" sldId="256"/>
-            <ac:spMk id="3" creationId="{617D1102-23FA-49DE-BD7E-A9A6553610DD}"/>
-          </ac:spMkLst>
-        </pc:spChg>
-        <pc:spChg chg="add">
-          <ac:chgData name="Yorick Laros" userId="360726774b6fdad8" providerId="LiveId" clId="{96835D51-DFDE-48CD-B775-3746953B79D2}" dt="2021-01-17T18:27:30.983" v="6" actId="26606"/>
-          <ac:spMkLst>
-            <pc:docMk/>
-            <pc:sldMk cId="860952901" sldId="256"/>
-            <ac:spMk id="5" creationId="{7E134C76-7FB4-4BB7-9322-DD8A4B179ACD}"/>
-          </ac:spMkLst>
-        </pc:spChg>
-        <pc:spChg chg="add">
-          <ac:chgData name="Yorick Laros" userId="360726774b6fdad8" providerId="LiveId" clId="{96835D51-DFDE-48CD-B775-3746953B79D2}" dt="2021-01-17T18:27:30.983" v="6" actId="26606"/>
-          <ac:spMkLst>
-            <pc:docMk/>
-            <pc:sldMk cId="860952901" sldId="256"/>
-            <ac:spMk id="6" creationId="{C0C57804-4F33-4D85-AA3E-DA0F214BBD91}"/>
-          </ac:spMkLst>
-        </pc:spChg>
-        <pc:spChg chg="del">
-          <ac:chgData name="Yorick Laros" userId="360726774b6fdad8" providerId="LiveId" clId="{96835D51-DFDE-48CD-B775-3746953B79D2}" dt="2021-01-17T18:27:17.797" v="4"/>
-          <ac:spMkLst>
-            <pc:docMk/>
-            <pc:sldMk cId="860952901" sldId="256"/>
-            <ac:spMk id="8" creationId="{0B3B9DBC-97CC-4A18-B4A6-66E240292269}"/>
-          </ac:spMkLst>
-        </pc:spChg>
-        <pc:spChg chg="del">
-          <ac:chgData name="Yorick Laros" userId="360726774b6fdad8" providerId="LiveId" clId="{96835D51-DFDE-48CD-B775-3746953B79D2}" dt="2021-01-17T18:27:17.797" v="4"/>
-          <ac:spMkLst>
-            <pc:docMk/>
-            <pc:sldMk cId="860952901" sldId="256"/>
-            <ac:spMk id="10" creationId="{F4492644-1D84-449E-94E4-5FC5C873D32E}"/>
-          </ac:spMkLst>
-        </pc:spChg>
-        <pc:spChg chg="del">
-          <ac:chgData name="Yorick Laros" userId="360726774b6fdad8" providerId="LiveId" clId="{96835D51-DFDE-48CD-B775-3746953B79D2}" dt="2021-01-17T18:27:17.797" v="4"/>
-          <ac:spMkLst>
-            <pc:docMk/>
-            <pc:sldMk cId="860952901" sldId="256"/>
-            <ac:spMk id="12" creationId="{94EE1A74-DEBF-434E-8B5E-7AB296ECBE08}"/>
-          </ac:spMkLst>
-        </pc:spChg>
-        <pc:spChg chg="del">
-          <ac:chgData name="Yorick Laros" userId="360726774b6fdad8" providerId="LiveId" clId="{96835D51-DFDE-48CD-B775-3746953B79D2}" dt="2021-01-17T18:27:17.797" v="4"/>
-          <ac:spMkLst>
-            <pc:docMk/>
-            <pc:sldMk cId="860952901" sldId="256"/>
-            <ac:spMk id="14" creationId="{8C7C4D4B-92D9-4FA4-A294-749E8574FF51}"/>
-          </ac:spMkLst>
-        </pc:spChg>
-        <pc:spChg chg="del">
-          <ac:chgData name="Yorick Laros" userId="360726774b6fdad8" providerId="LiveId" clId="{96835D51-DFDE-48CD-B775-3746953B79D2}" dt="2021-01-17T18:27:17.797" v="4"/>
-          <ac:spMkLst>
-            <pc:docMk/>
-            <pc:sldMk cId="860952901" sldId="256"/>
-            <ac:spMk id="16" creationId="{BADA3358-2A3F-41B0-A458-6FD1DB3AF9BB}"/>
-          </ac:spMkLst>
-        </pc:spChg>
-        <pc:spChg chg="del">
-          <ac:chgData name="Yorick Laros" userId="360726774b6fdad8" providerId="LiveId" clId="{96835D51-DFDE-48CD-B775-3746953B79D2}" dt="2021-01-17T18:27:17.797" v="4"/>
-          <ac:spMkLst>
-            <pc:docMk/>
-            <pc:sldMk cId="860952901" sldId="256"/>
-            <ac:spMk id="18" creationId="{E4737216-37B2-43AD-AB08-05BFCCEFC99E}"/>
-          </ac:spMkLst>
-        </pc:spChg>
-      </pc:sldChg>
-      <pc:sldChg chg="addSp modSp mod setBg">
-        <pc:chgData name="Yorick Laros" userId="360726774b6fdad8" providerId="LiveId" clId="{96835D51-DFDE-48CD-B775-3746953B79D2}" dt="2021-01-18T19:48:28.834" v="619" actId="20577"/>
-        <pc:sldMkLst>
-          <pc:docMk/>
-          <pc:sldMk cId="33087723" sldId="257"/>
-        </pc:sldMkLst>
-        <pc:spChg chg="mod">
-          <ac:chgData name="Yorick Laros" userId="360726774b6fdad8" providerId="LiveId" clId="{96835D51-DFDE-48CD-B775-3746953B79D2}" dt="2021-01-17T18:27:27.163" v="5" actId="26606"/>
-          <ac:spMkLst>
-            <pc:docMk/>
-            <pc:sldMk cId="33087723" sldId="257"/>
-            <ac:spMk id="2" creationId="{4739E560-926B-48FF-BB2A-22317EA46D02}"/>
-          </ac:spMkLst>
-        </pc:spChg>
-        <pc:spChg chg="mod">
-          <ac:chgData name="Yorick Laros" userId="360726774b6fdad8" providerId="LiveId" clId="{96835D51-DFDE-48CD-B775-3746953B79D2}" dt="2021-01-18T19:48:28.834" v="619" actId="20577"/>
-          <ac:spMkLst>
-            <pc:docMk/>
-            <pc:sldMk cId="33087723" sldId="257"/>
-            <ac:spMk id="3" creationId="{08D90046-A93C-4894-AFE1-5B13794BA6AF}"/>
-          </ac:spMkLst>
-        </pc:spChg>
-        <pc:spChg chg="add">
-          <ac:chgData name="Yorick Laros" userId="360726774b6fdad8" providerId="LiveId" clId="{96835D51-DFDE-48CD-B775-3746953B79D2}" dt="2021-01-17T18:27:27.163" v="5" actId="26606"/>
-          <ac:spMkLst>
-            <pc:docMk/>
-            <pc:sldMk cId="33087723" sldId="257"/>
-            <ac:spMk id="8" creationId="{781BBDC9-2DC6-4959-AC3D-49A5DCB05DA7}"/>
-          </ac:spMkLst>
-        </pc:spChg>
-        <pc:spChg chg="add">
-          <ac:chgData name="Yorick Laros" userId="360726774b6fdad8" providerId="LiveId" clId="{96835D51-DFDE-48CD-B775-3746953B79D2}" dt="2021-01-17T18:27:27.163" v="5" actId="26606"/>
-          <ac:spMkLst>
-            <pc:docMk/>
-            <pc:sldMk cId="33087723" sldId="257"/>
-            <ac:spMk id="10" creationId="{4B74BB55-8517-4CFE-9389-81D0E6F81F00}"/>
-          </ac:spMkLst>
-        </pc:spChg>
-        <pc:spChg chg="add">
-          <ac:chgData name="Yorick Laros" userId="360726774b6fdad8" providerId="LiveId" clId="{96835D51-DFDE-48CD-B775-3746953B79D2}" dt="2021-01-17T18:27:27.163" v="5" actId="26606"/>
-          <ac:spMkLst>
-            <pc:docMk/>
-            <pc:sldMk cId="33087723" sldId="257"/>
-            <ac:spMk id="19" creationId="{08452CCF-4A27-488A-AAF4-424933CFC925}"/>
-          </ac:spMkLst>
-        </pc:spChg>
-        <pc:grpChg chg="add">
-          <ac:chgData name="Yorick Laros" userId="360726774b6fdad8" providerId="LiveId" clId="{96835D51-DFDE-48CD-B775-3746953B79D2}" dt="2021-01-17T18:27:27.163" v="5" actId="26606"/>
-          <ac:grpSpMkLst>
-            <pc:docMk/>
-            <pc:sldMk cId="33087723" sldId="257"/>
-            <ac:grpSpMk id="12" creationId="{A3F7C935-E41E-4E8D-91DF-D3BAB9521DF0}"/>
-          </ac:grpSpMkLst>
-        </pc:grpChg>
-      </pc:sldChg>
-      <pc:sldChg chg="addSp delSp modSp new mod setBg">
-        <pc:chgData name="Yorick Laros" userId="360726774b6fdad8" providerId="LiveId" clId="{96835D51-DFDE-48CD-B775-3746953B79D2}" dt="2021-01-18T19:50:07.582" v="635" actId="20577"/>
-        <pc:sldMkLst>
-          <pc:docMk/>
-          <pc:sldMk cId="3311600136" sldId="258"/>
-        </pc:sldMkLst>
-        <pc:spChg chg="mod">
-          <ac:chgData name="Yorick Laros" userId="360726774b6fdad8" providerId="LiveId" clId="{96835D51-DFDE-48CD-B775-3746953B79D2}" dt="2021-01-17T18:27:46.323" v="9" actId="26606"/>
-          <ac:spMkLst>
-            <pc:docMk/>
-            <pc:sldMk cId="3311600136" sldId="258"/>
-            <ac:spMk id="2" creationId="{1C518383-2DC2-4E44-9806-AC68A426C25E}"/>
-          </ac:spMkLst>
-        </pc:spChg>
-        <pc:spChg chg="mod">
-          <ac:chgData name="Yorick Laros" userId="360726774b6fdad8" providerId="LiveId" clId="{96835D51-DFDE-48CD-B775-3746953B79D2}" dt="2021-01-18T19:50:07.582" v="635" actId="20577"/>
-          <ac:spMkLst>
-            <pc:docMk/>
-            <pc:sldMk cId="3311600136" sldId="258"/>
-            <ac:spMk id="3" creationId="{A09464FC-7D20-40DA-B04D-9B640FC505FA}"/>
-          </ac:spMkLst>
-        </pc:spChg>
-        <pc:spChg chg="add del">
-          <ac:chgData name="Yorick Laros" userId="360726774b6fdad8" providerId="LiveId" clId="{96835D51-DFDE-48CD-B775-3746953B79D2}" dt="2021-01-17T18:27:46.318" v="8" actId="26606"/>
-          <ac:spMkLst>
-            <pc:docMk/>
-            <pc:sldMk cId="3311600136" sldId="258"/>
-            <ac:spMk id="8" creationId="{CADF2543-1B6F-4FBC-A7AF-53A0430E05AB}"/>
-          </ac:spMkLst>
-        </pc:spChg>
-        <pc:spChg chg="add">
-          <ac:chgData name="Yorick Laros" userId="360726774b6fdad8" providerId="LiveId" clId="{96835D51-DFDE-48CD-B775-3746953B79D2}" dt="2021-01-17T18:27:46.323" v="9" actId="26606"/>
-          <ac:spMkLst>
-            <pc:docMk/>
-            <pc:sldMk cId="3311600136" sldId="258"/>
-            <ac:spMk id="17" creationId="{290FE681-1E05-478A-89DC-5F7AB37CFD77}"/>
-          </ac:spMkLst>
-        </pc:spChg>
-        <pc:grpChg chg="add del">
-          <ac:chgData name="Yorick Laros" userId="360726774b6fdad8" providerId="LiveId" clId="{96835D51-DFDE-48CD-B775-3746953B79D2}" dt="2021-01-17T18:27:46.318" v="8" actId="26606"/>
-          <ac:grpSpMkLst>
-            <pc:docMk/>
-            <pc:sldMk cId="3311600136" sldId="258"/>
-            <ac:grpSpMk id="10" creationId="{A80A6E81-6B71-43DF-877B-E964A9A4CB68}"/>
-          </ac:grpSpMkLst>
-        </pc:grpChg>
-        <pc:cxnChg chg="add">
-          <ac:chgData name="Yorick Laros" userId="360726774b6fdad8" providerId="LiveId" clId="{96835D51-DFDE-48CD-B775-3746953B79D2}" dt="2021-01-17T18:27:46.323" v="9" actId="26606"/>
-          <ac:cxnSpMkLst>
-            <pc:docMk/>
-            <pc:sldMk cId="3311600136" sldId="258"/>
-            <ac:cxnSpMk id="18" creationId="{2E2F21DC-5F0E-42CF-B89C-C1E25E175CB8}"/>
-          </ac:cxnSpMkLst>
-        </pc:cxnChg>
-      </pc:sldChg>
-      <pc:sldChg chg="addSp delSp modSp new mod setBg">
-        <pc:chgData name="Yorick Laros" userId="360726774b6fdad8" providerId="LiveId" clId="{96835D51-DFDE-48CD-B775-3746953B79D2}" dt="2021-01-17T18:33:55.306" v="281" actId="20577"/>
-        <pc:sldMkLst>
-          <pc:docMk/>
-          <pc:sldMk cId="568005957" sldId="259"/>
-        </pc:sldMkLst>
-        <pc:spChg chg="mod">
-          <ac:chgData name="Yorick Laros" userId="360726774b6fdad8" providerId="LiveId" clId="{96835D51-DFDE-48CD-B775-3746953B79D2}" dt="2021-01-17T18:32:25.862" v="185" actId="26606"/>
-          <ac:spMkLst>
-            <pc:docMk/>
-            <pc:sldMk cId="568005957" sldId="259"/>
-            <ac:spMk id="2" creationId="{B7FC94BE-3181-4613-A2D8-AB154073BA84}"/>
-          </ac:spMkLst>
-        </pc:spChg>
-        <pc:spChg chg="mod">
-          <ac:chgData name="Yorick Laros" userId="360726774b6fdad8" providerId="LiveId" clId="{96835D51-DFDE-48CD-B775-3746953B79D2}" dt="2021-01-17T18:33:55.306" v="281" actId="20577"/>
-          <ac:spMkLst>
-            <pc:docMk/>
-            <pc:sldMk cId="568005957" sldId="259"/>
-            <ac:spMk id="3" creationId="{A6352189-45F7-49A5-8C5F-3916D1E930C6}"/>
-          </ac:spMkLst>
-        </pc:spChg>
-        <pc:spChg chg="add del">
-          <ac:chgData name="Yorick Laros" userId="360726774b6fdad8" providerId="LiveId" clId="{96835D51-DFDE-48CD-B775-3746953B79D2}" dt="2021-01-17T18:32:23.413" v="180" actId="26606"/>
-          <ac:spMkLst>
-            <pc:docMk/>
-            <pc:sldMk cId="568005957" sldId="259"/>
-            <ac:spMk id="8" creationId="{781BBDC9-2DC6-4959-AC3D-49A5DCB05DA7}"/>
-          </ac:spMkLst>
-        </pc:spChg>
-        <pc:spChg chg="add del">
-          <ac:chgData name="Yorick Laros" userId="360726774b6fdad8" providerId="LiveId" clId="{96835D51-DFDE-48CD-B775-3746953B79D2}" dt="2021-01-17T18:32:23.413" v="180" actId="26606"/>
-          <ac:spMkLst>
-            <pc:docMk/>
-            <pc:sldMk cId="568005957" sldId="259"/>
-            <ac:spMk id="10" creationId="{4B74BB55-8517-4CFE-9389-81D0E6F81F00}"/>
-          </ac:spMkLst>
-        </pc:spChg>
-        <pc:spChg chg="add del">
-          <ac:chgData name="Yorick Laros" userId="360726774b6fdad8" providerId="LiveId" clId="{96835D51-DFDE-48CD-B775-3746953B79D2}" dt="2021-01-17T18:32:23.413" v="180" actId="26606"/>
-          <ac:spMkLst>
-            <pc:docMk/>
-            <pc:sldMk cId="568005957" sldId="259"/>
-            <ac:spMk id="19" creationId="{08452CCF-4A27-488A-AAF4-424933CFC925}"/>
-          </ac:spMkLst>
-        </pc:spChg>
-        <pc:spChg chg="add del">
-          <ac:chgData name="Yorick Laros" userId="360726774b6fdad8" providerId="LiveId" clId="{96835D51-DFDE-48CD-B775-3746953B79D2}" dt="2021-01-17T18:32:24.104" v="182" actId="26606"/>
-          <ac:spMkLst>
-            <pc:docMk/>
-            <pc:sldMk cId="568005957" sldId="259"/>
-            <ac:spMk id="21" creationId="{7509B08A-C1EC-478C-86AF-60ADE06D9BBB}"/>
-          </ac:spMkLst>
-        </pc:spChg>
-        <pc:spChg chg="add del">
-          <ac:chgData name="Yorick Laros" userId="360726774b6fdad8" providerId="LiveId" clId="{96835D51-DFDE-48CD-B775-3746953B79D2}" dt="2021-01-17T18:32:24.104" v="182" actId="26606"/>
-          <ac:spMkLst>
-            <pc:docMk/>
-            <pc:sldMk cId="568005957" sldId="259"/>
-            <ac:spMk id="22" creationId="{221CC330-4259-4C32-BF8B-5FE13FFABB3A}"/>
-          </ac:spMkLst>
-        </pc:spChg>
-        <pc:spChg chg="add del">
-          <ac:chgData name="Yorick Laros" userId="360726774b6fdad8" providerId="LiveId" clId="{96835D51-DFDE-48CD-B775-3746953B79D2}" dt="2021-01-17T18:32:25.858" v="184" actId="26606"/>
-          <ac:spMkLst>
-            <pc:docMk/>
-            <pc:sldMk cId="568005957" sldId="259"/>
-            <ac:spMk id="24" creationId="{290FE681-1E05-478A-89DC-5F7AB37CFD77}"/>
-          </ac:spMkLst>
-        </pc:spChg>
-        <pc:spChg chg="add">
-          <ac:chgData name="Yorick Laros" userId="360726774b6fdad8" providerId="LiveId" clId="{96835D51-DFDE-48CD-B775-3746953B79D2}" dt="2021-01-17T18:32:25.862" v="185" actId="26606"/>
-          <ac:spMkLst>
-            <pc:docMk/>
-            <pc:sldMk cId="568005957" sldId="259"/>
-            <ac:spMk id="27" creationId="{7509B08A-C1EC-478C-86AF-60ADE06D9BBB}"/>
-          </ac:spMkLst>
-        </pc:spChg>
-        <pc:spChg chg="add">
-          <ac:chgData name="Yorick Laros" userId="360726774b6fdad8" providerId="LiveId" clId="{96835D51-DFDE-48CD-B775-3746953B79D2}" dt="2021-01-17T18:32:25.862" v="185" actId="26606"/>
-          <ac:spMkLst>
-            <pc:docMk/>
-            <pc:sldMk cId="568005957" sldId="259"/>
-            <ac:spMk id="28" creationId="{221CC330-4259-4C32-BF8B-5FE13FFABB3A}"/>
-          </ac:spMkLst>
-        </pc:spChg>
-        <pc:grpChg chg="add del">
-          <ac:chgData name="Yorick Laros" userId="360726774b6fdad8" providerId="LiveId" clId="{96835D51-DFDE-48CD-B775-3746953B79D2}" dt="2021-01-17T18:32:23.413" v="180" actId="26606"/>
-          <ac:grpSpMkLst>
-            <pc:docMk/>
-            <pc:sldMk cId="568005957" sldId="259"/>
-            <ac:grpSpMk id="12" creationId="{A3F7C935-E41E-4E8D-91DF-D3BAB9521DF0}"/>
-          </ac:grpSpMkLst>
-        </pc:grpChg>
-        <pc:cxnChg chg="add del">
-          <ac:chgData name="Yorick Laros" userId="360726774b6fdad8" providerId="LiveId" clId="{96835D51-DFDE-48CD-B775-3746953B79D2}" dt="2021-01-17T18:32:25.858" v="184" actId="26606"/>
-          <ac:cxnSpMkLst>
-            <pc:docMk/>
-            <pc:sldMk cId="568005957" sldId="259"/>
-            <ac:cxnSpMk id="25" creationId="{2E2F21DC-5F0E-42CF-B89C-C1E25E175CB8}"/>
-          </ac:cxnSpMkLst>
-        </pc:cxnChg>
-      </pc:sldChg>
-      <pc:sldChg chg="addSp modSp new mod setBg">
-        <pc:chgData name="Yorick Laros" userId="360726774b6fdad8" providerId="LiveId" clId="{96835D51-DFDE-48CD-B775-3746953B79D2}" dt="2021-01-18T19:50:25.785" v="638"/>
-        <pc:sldMkLst>
-          <pc:docMk/>
-          <pc:sldMk cId="913599329" sldId="260"/>
-        </pc:sldMkLst>
-        <pc:spChg chg="mod">
-          <ac:chgData name="Yorick Laros" userId="360726774b6fdad8" providerId="LiveId" clId="{96835D51-DFDE-48CD-B775-3746953B79D2}" dt="2021-01-17T18:38:21.053" v="477" actId="20577"/>
-          <ac:spMkLst>
-            <pc:docMk/>
-            <pc:sldMk cId="913599329" sldId="260"/>
-            <ac:spMk id="2" creationId="{37FE6C55-72C9-4428-93C7-445242FB025B}"/>
-          </ac:spMkLst>
-        </pc:spChg>
-        <pc:spChg chg="mod">
-          <ac:chgData name="Yorick Laros" userId="360726774b6fdad8" providerId="LiveId" clId="{96835D51-DFDE-48CD-B775-3746953B79D2}" dt="2021-01-18T19:50:25.785" v="638"/>
-          <ac:spMkLst>
-            <pc:docMk/>
-            <pc:sldMk cId="913599329" sldId="260"/>
-            <ac:spMk id="3" creationId="{1903155F-7113-4A99-9218-666049D5F0BF}"/>
-          </ac:spMkLst>
-        </pc:spChg>
-        <pc:spChg chg="add">
-          <ac:chgData name="Yorick Laros" userId="360726774b6fdad8" providerId="LiveId" clId="{96835D51-DFDE-48CD-B775-3746953B79D2}" dt="2021-01-17T18:34:20.566" v="283" actId="26606"/>
-          <ac:spMkLst>
-            <pc:docMk/>
-            <pc:sldMk cId="913599329" sldId="260"/>
-            <ac:spMk id="8" creationId="{781BBDC9-2DC6-4959-AC3D-49A5DCB05DA7}"/>
-          </ac:spMkLst>
-        </pc:spChg>
-        <pc:spChg chg="add">
-          <ac:chgData name="Yorick Laros" userId="360726774b6fdad8" providerId="LiveId" clId="{96835D51-DFDE-48CD-B775-3746953B79D2}" dt="2021-01-17T18:34:20.566" v="283" actId="26606"/>
-          <ac:spMkLst>
-            <pc:docMk/>
-            <pc:sldMk cId="913599329" sldId="260"/>
-            <ac:spMk id="10" creationId="{4B74BB55-8517-4CFE-9389-81D0E6F81F00}"/>
-          </ac:spMkLst>
-        </pc:spChg>
-        <pc:spChg chg="add">
-          <ac:chgData name="Yorick Laros" userId="360726774b6fdad8" providerId="LiveId" clId="{96835D51-DFDE-48CD-B775-3746953B79D2}" dt="2021-01-17T18:34:20.566" v="283" actId="26606"/>
-          <ac:spMkLst>
-            <pc:docMk/>
-            <pc:sldMk cId="913599329" sldId="260"/>
-            <ac:spMk id="19" creationId="{08452CCF-4A27-488A-AAF4-424933CFC925}"/>
-          </ac:spMkLst>
-        </pc:spChg>
-        <pc:grpChg chg="add">
-          <ac:chgData name="Yorick Laros" userId="360726774b6fdad8" providerId="LiveId" clId="{96835D51-DFDE-48CD-B775-3746953B79D2}" dt="2021-01-17T18:34:20.566" v="283" actId="26606"/>
-          <ac:grpSpMkLst>
-            <pc:docMk/>
-            <pc:sldMk cId="913599329" sldId="260"/>
-            <ac:grpSpMk id="12" creationId="{A3F7C935-E41E-4E8D-91DF-D3BAB9521DF0}"/>
-          </ac:grpSpMkLst>
-        </pc:grpChg>
-      </pc:sldChg>
-      <pc:sldChg chg="addSp delSp modSp new mod setBg">
-        <pc:chgData name="Yorick Laros" userId="360726774b6fdad8" providerId="LiveId" clId="{96835D51-DFDE-48CD-B775-3746953B79D2}" dt="2021-01-17T18:39:15.337" v="489" actId="20577"/>
-        <pc:sldMkLst>
-          <pc:docMk/>
-          <pc:sldMk cId="594596511" sldId="261"/>
-        </pc:sldMkLst>
-        <pc:spChg chg="mod">
-          <ac:chgData name="Yorick Laros" userId="360726774b6fdad8" providerId="LiveId" clId="{96835D51-DFDE-48CD-B775-3746953B79D2}" dt="2021-01-17T18:39:15.337" v="489" actId="20577"/>
-          <ac:spMkLst>
-            <pc:docMk/>
-            <pc:sldMk cId="594596511" sldId="261"/>
-            <ac:spMk id="2" creationId="{9F5C6A87-00C8-4FAD-BCBD-78FC92B9A459}"/>
-          </ac:spMkLst>
-        </pc:spChg>
-        <pc:spChg chg="del mod">
-          <ac:chgData name="Yorick Laros" userId="360726774b6fdad8" providerId="LiveId" clId="{96835D51-DFDE-48CD-B775-3746953B79D2}" dt="2021-01-17T18:39:05.793" v="481" actId="26606"/>
-          <ac:spMkLst>
-            <pc:docMk/>
-            <pc:sldMk cId="594596511" sldId="261"/>
-            <ac:spMk id="3" creationId="{EB23AFD2-15E7-4D51-96C9-EF327612423A}"/>
-          </ac:spMkLst>
-        </pc:spChg>
-        <pc:spChg chg="add del">
-          <ac:chgData name="Yorick Laros" userId="360726774b6fdad8" providerId="LiveId" clId="{96835D51-DFDE-48CD-B775-3746953B79D2}" dt="2021-01-17T18:39:05.782" v="480" actId="26606"/>
-          <ac:spMkLst>
-            <pc:docMk/>
-            <pc:sldMk cId="594596511" sldId="261"/>
-            <ac:spMk id="8" creationId="{CADF2543-1B6F-4FBC-A7AF-53A0430E05AB}"/>
-          </ac:spMkLst>
-        </pc:spChg>
-        <pc:spChg chg="add">
-          <ac:chgData name="Yorick Laros" userId="360726774b6fdad8" providerId="LiveId" clId="{96835D51-DFDE-48CD-B775-3746953B79D2}" dt="2021-01-17T18:39:05.793" v="481" actId="26606"/>
-          <ac:spMkLst>
-            <pc:docMk/>
-            <pc:sldMk cId="594596511" sldId="261"/>
-            <ac:spMk id="18" creationId="{313BE87B-D7FD-4BF3-A7BC-511F522528C2}"/>
-          </ac:spMkLst>
-        </pc:spChg>
-        <pc:spChg chg="add">
-          <ac:chgData name="Yorick Laros" userId="360726774b6fdad8" providerId="LiveId" clId="{96835D51-DFDE-48CD-B775-3746953B79D2}" dt="2021-01-17T18:39:05.793" v="481" actId="26606"/>
-          <ac:spMkLst>
-            <pc:docMk/>
-            <pc:sldMk cId="594596511" sldId="261"/>
-            <ac:spMk id="20" creationId="{035A481B-C639-4892-B0EF-4D8373A9B06A}"/>
-          </ac:spMkLst>
-        </pc:spChg>
-        <pc:spChg chg="add">
-          <ac:chgData name="Yorick Laros" userId="360726774b6fdad8" providerId="LiveId" clId="{96835D51-DFDE-48CD-B775-3746953B79D2}" dt="2021-01-17T18:39:05.793" v="481" actId="26606"/>
-          <ac:spMkLst>
-            <pc:docMk/>
-            <pc:sldMk cId="594596511" sldId="261"/>
-            <ac:spMk id="22" creationId="{052BD58B-6284-459E-9FF4-A97F3A569074}"/>
-          </ac:spMkLst>
-        </pc:spChg>
-        <pc:grpChg chg="add del">
-          <ac:chgData name="Yorick Laros" userId="360726774b6fdad8" providerId="LiveId" clId="{96835D51-DFDE-48CD-B775-3746953B79D2}" dt="2021-01-17T18:39:05.782" v="480" actId="26606"/>
-          <ac:grpSpMkLst>
-            <pc:docMk/>
-            <pc:sldMk cId="594596511" sldId="261"/>
-            <ac:grpSpMk id="10" creationId="{A80A6E81-6B71-43DF-877B-E964A9A4CB68}"/>
-          </ac:grpSpMkLst>
-        </pc:grpChg>
-        <pc:grpChg chg="add">
-          <ac:chgData name="Yorick Laros" userId="360726774b6fdad8" providerId="LiveId" clId="{96835D51-DFDE-48CD-B775-3746953B79D2}" dt="2021-01-17T18:39:05.793" v="481" actId="26606"/>
-          <ac:grpSpMkLst>
-            <pc:docMk/>
-            <pc:sldMk cId="594596511" sldId="261"/>
-            <ac:grpSpMk id="24" creationId="{AE589C21-CEDE-4D90-AC85-6E43B68D1316}"/>
-          </ac:grpSpMkLst>
-        </pc:grpChg>
-        <pc:cxnChg chg="add">
-          <ac:chgData name="Yorick Laros" userId="360726774b6fdad8" providerId="LiveId" clId="{96835D51-DFDE-48CD-B775-3746953B79D2}" dt="2021-01-17T18:39:05.793" v="481" actId="26606"/>
-          <ac:cxnSpMkLst>
-            <pc:docMk/>
-            <pc:sldMk cId="594596511" sldId="261"/>
-            <ac:cxnSpMk id="12" creationId="{4A4F266A-F2F7-47CD-8BBC-E3777E982FD2}"/>
-          </ac:cxnSpMkLst>
-        </pc:cxnChg>
-        <pc:cxnChg chg="add">
-          <ac:chgData name="Yorick Laros" userId="360726774b6fdad8" providerId="LiveId" clId="{96835D51-DFDE-48CD-B775-3746953B79D2}" dt="2021-01-17T18:39:05.793" v="481" actId="26606"/>
-          <ac:cxnSpMkLst>
-            <pc:docMk/>
-            <pc:sldMk cId="594596511" sldId="261"/>
-            <ac:cxnSpMk id="14" creationId="{20D69C80-8919-4A32-B897-F2A21F940574}"/>
-          </ac:cxnSpMkLst>
-        </pc:cxnChg>
-        <pc:cxnChg chg="add">
-          <ac:chgData name="Yorick Laros" userId="360726774b6fdad8" providerId="LiveId" clId="{96835D51-DFDE-48CD-B775-3746953B79D2}" dt="2021-01-17T18:39:05.793" v="481" actId="26606"/>
-          <ac:cxnSpMkLst>
-            <pc:docMk/>
-            <pc:sldMk cId="594596511" sldId="261"/>
-            <ac:cxnSpMk id="16" creationId="{F427B072-CC5B-481B-9719-8CD4C54444BE}"/>
-          </ac:cxnSpMkLst>
-        </pc:cxnChg>
-        <pc:cxnChg chg="add">
-          <ac:chgData name="Yorick Laros" userId="360726774b6fdad8" providerId="LiveId" clId="{96835D51-DFDE-48CD-B775-3746953B79D2}" dt="2021-01-17T18:39:05.793" v="481" actId="26606"/>
-          <ac:cxnSpMkLst>
-            <pc:docMk/>
-            <pc:sldMk cId="594596511" sldId="261"/>
-            <ac:cxnSpMk id="17" creationId="{FEB90296-CFE0-401D-9CA3-32966EC4F01D}"/>
-          </ac:cxnSpMkLst>
-        </pc:cxnChg>
-        <pc:cxnChg chg="add">
-          <ac:chgData name="Yorick Laros" userId="360726774b6fdad8" providerId="LiveId" clId="{96835D51-DFDE-48CD-B775-3746953B79D2}" dt="2021-01-17T18:39:05.793" v="481" actId="26606"/>
-          <ac:cxnSpMkLst>
-            <pc:docMk/>
-            <pc:sldMk cId="594596511" sldId="261"/>
-            <ac:cxnSpMk id="19" creationId="{08C9B4EE-7611-4ED9-B356-7BDD377C39B0}"/>
-          </ac:cxnSpMkLst>
-        </pc:cxnChg>
-      </pc:sldChg>
-      <pc:sldChg chg="addSp delSp modSp new mod setBg">
-        <pc:chgData name="Yorick Laros" userId="360726774b6fdad8" providerId="LiveId" clId="{96835D51-DFDE-48CD-B775-3746953B79D2}" dt="2021-01-18T19:50:37.465" v="641"/>
-        <pc:sldMkLst>
-          <pc:docMk/>
-          <pc:sldMk cId="1249222413" sldId="262"/>
-        </pc:sldMkLst>
-        <pc:spChg chg="mod">
-          <ac:chgData name="Yorick Laros" userId="360726774b6fdad8" providerId="LiveId" clId="{96835D51-DFDE-48CD-B775-3746953B79D2}" dt="2021-01-17T18:40:11.035" v="497"/>
-          <ac:spMkLst>
-            <pc:docMk/>
-            <pc:sldMk cId="1249222413" sldId="262"/>
-            <ac:spMk id="2" creationId="{5DD36092-C3EB-4CBF-B027-CC1D99ABD92C}"/>
-          </ac:spMkLst>
-        </pc:spChg>
-        <pc:spChg chg="add del mod">
-          <ac:chgData name="Yorick Laros" userId="360726774b6fdad8" providerId="LiveId" clId="{96835D51-DFDE-48CD-B775-3746953B79D2}" dt="2021-01-17T18:40:08.099" v="496" actId="26606"/>
-          <ac:spMkLst>
-            <pc:docMk/>
-            <pc:sldMk cId="1249222413" sldId="262"/>
-            <ac:spMk id="3" creationId="{55C6FC28-2F56-4E8D-A9B3-1549E6FCE920}"/>
-          </ac:spMkLst>
-        </pc:spChg>
-        <pc:spChg chg="add del">
-          <ac:chgData name="Yorick Laros" userId="360726774b6fdad8" providerId="LiveId" clId="{96835D51-DFDE-48CD-B775-3746953B79D2}" dt="2021-01-17T18:40:08.099" v="496" actId="26606"/>
-          <ac:spMkLst>
-            <pc:docMk/>
-            <pc:sldMk cId="1249222413" sldId="262"/>
-            <ac:spMk id="8" creationId="{00D64783-0B21-4845-9BB6-4F690B096484}"/>
-          </ac:spMkLst>
-        </pc:spChg>
-        <pc:spChg chg="add del">
-          <ac:chgData name="Yorick Laros" userId="360726774b6fdad8" providerId="LiveId" clId="{96835D51-DFDE-48CD-B775-3746953B79D2}" dt="2021-01-17T18:40:08.099" v="496" actId="26606"/>
-          <ac:spMkLst>
-            <pc:docMk/>
-            <pc:sldMk cId="1249222413" sldId="262"/>
-            <ac:spMk id="10" creationId="{500E751B-C75E-409D-8E55-2C95DF86A654}"/>
-          </ac:spMkLst>
-        </pc:spChg>
-        <pc:spChg chg="add del">
-          <ac:chgData name="Yorick Laros" userId="360726774b6fdad8" providerId="LiveId" clId="{96835D51-DFDE-48CD-B775-3746953B79D2}" dt="2021-01-17T18:40:08.091" v="495" actId="26606"/>
-          <ac:spMkLst>
-            <pc:docMk/>
-            <pc:sldMk cId="1249222413" sldId="262"/>
-            <ac:spMk id="25" creationId="{4609862E-48F9-45AC-8D44-67A0268A7935}"/>
-          </ac:spMkLst>
-        </pc:spChg>
-        <pc:spChg chg="add">
-          <ac:chgData name="Yorick Laros" userId="360726774b6fdad8" providerId="LiveId" clId="{96835D51-DFDE-48CD-B775-3746953B79D2}" dt="2021-01-17T18:40:08.099" v="496" actId="26606"/>
-          <ac:spMkLst>
-            <pc:docMk/>
-            <pc:sldMk cId="1249222413" sldId="262"/>
-            <ac:spMk id="26" creationId="{08452CCF-4A27-488A-AAF4-424933CFC925}"/>
-          </ac:spMkLst>
-        </pc:spChg>
-        <pc:spChg chg="add del">
-          <ac:chgData name="Yorick Laros" userId="360726774b6fdad8" providerId="LiveId" clId="{96835D51-DFDE-48CD-B775-3746953B79D2}" dt="2021-01-17T18:40:08.091" v="495" actId="26606"/>
-          <ac:spMkLst>
-            <pc:docMk/>
-            <pc:sldMk cId="1249222413" sldId="262"/>
-            <ac:spMk id="27" creationId="{2D5EEA8B-2D86-4D1D-96B3-6B8290303786}"/>
-          </ac:spMkLst>
-        </pc:spChg>
-        <pc:spChg chg="add">
-          <ac:chgData name="Yorick Laros" userId="360726774b6fdad8" providerId="LiveId" clId="{96835D51-DFDE-48CD-B775-3746953B79D2}" dt="2021-01-17T18:40:08.099" v="496" actId="26606"/>
-          <ac:spMkLst>
-            <pc:docMk/>
-            <pc:sldMk cId="1249222413" sldId="262"/>
-            <ac:spMk id="29" creationId="{781BBDC9-2DC6-4959-AC3D-49A5DCB05DA7}"/>
-          </ac:spMkLst>
-        </pc:spChg>
-        <pc:spChg chg="add">
-          <ac:chgData name="Yorick Laros" userId="360726774b6fdad8" providerId="LiveId" clId="{96835D51-DFDE-48CD-B775-3746953B79D2}" dt="2021-01-17T18:40:08.099" v="496" actId="26606"/>
-          <ac:spMkLst>
-            <pc:docMk/>
-            <pc:sldMk cId="1249222413" sldId="262"/>
-            <ac:spMk id="30" creationId="{4B74BB55-8517-4CFE-9389-81D0E6F81F00}"/>
-          </ac:spMkLst>
-        </pc:spChg>
-        <pc:spChg chg="add mod">
-          <ac:chgData name="Yorick Laros" userId="360726774b6fdad8" providerId="LiveId" clId="{96835D51-DFDE-48CD-B775-3746953B79D2}" dt="2021-01-18T19:50:37.465" v="641"/>
-          <ac:spMkLst>
-            <pc:docMk/>
-            <pc:sldMk cId="1249222413" sldId="262"/>
-            <ac:spMk id="34" creationId="{55C6FC28-2F56-4E8D-A9B3-1549E6FCE920}"/>
-          </ac:spMkLst>
-        </pc:spChg>
-        <pc:grpChg chg="add">
-          <ac:chgData name="Yorick Laros" userId="360726774b6fdad8" providerId="LiveId" clId="{96835D51-DFDE-48CD-B775-3746953B79D2}" dt="2021-01-17T18:40:08.099" v="496" actId="26606"/>
-          <ac:grpSpMkLst>
-            <pc:docMk/>
-            <pc:sldMk cId="1249222413" sldId="262"/>
-            <ac:grpSpMk id="31" creationId="{A3F7C935-E41E-4E8D-91DF-D3BAB9521DF0}"/>
-          </ac:grpSpMkLst>
-        </pc:grpChg>
-        <pc:cxnChg chg="add del">
-          <ac:chgData name="Yorick Laros" userId="360726774b6fdad8" providerId="LiveId" clId="{96835D51-DFDE-48CD-B775-3746953B79D2}" dt="2021-01-17T18:40:08.091" v="495" actId="26606"/>
-          <ac:cxnSpMkLst>
-            <pc:docMk/>
-            <pc:sldMk cId="1249222413" sldId="262"/>
-            <ac:cxnSpMk id="15" creationId="{FEB90296-CFE0-401D-9CA3-32966EC4F01D}"/>
-          </ac:cxnSpMkLst>
-        </pc:cxnChg>
-        <pc:cxnChg chg="add del">
-          <ac:chgData name="Yorick Laros" userId="360726774b6fdad8" providerId="LiveId" clId="{96835D51-DFDE-48CD-B775-3746953B79D2}" dt="2021-01-17T18:40:08.091" v="495" actId="26606"/>
-          <ac:cxnSpMkLst>
-            <pc:docMk/>
-            <pc:sldMk cId="1249222413" sldId="262"/>
-            <ac:cxnSpMk id="17" creationId="{08C9B4EE-7611-4ED9-B356-7BDD377C39B0}"/>
-          </ac:cxnSpMkLst>
-        </pc:cxnChg>
-        <pc:cxnChg chg="add del">
-          <ac:chgData name="Yorick Laros" userId="360726774b6fdad8" providerId="LiveId" clId="{96835D51-DFDE-48CD-B775-3746953B79D2}" dt="2021-01-17T18:40:08.091" v="495" actId="26606"/>
-          <ac:cxnSpMkLst>
-            <pc:docMk/>
-            <pc:sldMk cId="1249222413" sldId="262"/>
-            <ac:cxnSpMk id="19" creationId="{4A4F266A-F2F7-47CD-8BBC-E3777E982FD2}"/>
-          </ac:cxnSpMkLst>
-        </pc:cxnChg>
-        <pc:cxnChg chg="add del">
-          <ac:chgData name="Yorick Laros" userId="360726774b6fdad8" providerId="LiveId" clId="{96835D51-DFDE-48CD-B775-3746953B79D2}" dt="2021-01-17T18:40:08.091" v="495" actId="26606"/>
-          <ac:cxnSpMkLst>
-            <pc:docMk/>
-            <pc:sldMk cId="1249222413" sldId="262"/>
-            <ac:cxnSpMk id="21" creationId="{20D69C80-8919-4A32-B897-F2A21F940574}"/>
-          </ac:cxnSpMkLst>
-        </pc:cxnChg>
-        <pc:cxnChg chg="add del">
-          <ac:chgData name="Yorick Laros" userId="360726774b6fdad8" providerId="LiveId" clId="{96835D51-DFDE-48CD-B775-3746953B79D2}" dt="2021-01-17T18:40:08.091" v="495" actId="26606"/>
-          <ac:cxnSpMkLst>
-            <pc:docMk/>
-            <pc:sldMk cId="1249222413" sldId="262"/>
-            <ac:cxnSpMk id="23" creationId="{F427B072-CC5B-481B-9719-8CD4C54444BE}"/>
-          </ac:cxnSpMkLst>
-        </pc:cxnChg>
-      </pc:sldChg>
-    </pc:docChg>
-  </pc:docChgLst>
-</pc:chgInfo>
+<file path=ppt/notesSlides/notesSlide1.xml><?xml version="1.0" encoding="utf-8"?>
+<p:notes xmlns:a="http://schemas.openxmlformats.org/drawingml/2006/main" xmlns:r="http://schemas.openxmlformats.org/officeDocument/2006/relationships" xmlns:p="http://schemas.openxmlformats.org/presentationml/2006/main">
+  <p:cSld>
+    <p:spTree>
+      <p:nvGrpSpPr>
+        <p:cNvPr id="1" name=""/>
+        <p:cNvGrpSpPr/>
+        <p:nvPr/>
+      </p:nvGrpSpPr>
+      <p:grpSpPr>
+        <a:xfrm>
+          <a:off x="0" y="0"/>
+          <a:ext cx="0" cy="0"/>
+          <a:chOff x="0" y="0"/>
+          <a:chExt cx="0" cy="0"/>
+        </a:xfrm>
+      </p:grpSpPr>
+      <p:sp>
+        <p:nvSpPr>
+          <p:cNvPr id="2" name="Tijdelijke aanduiding voor dia-afbeelding 1"/>
+          <p:cNvSpPr>
+            <a:spLocks noGrp="1" noRot="1" noChangeAspect="1"/>
+          </p:cNvSpPr>
+          <p:nvPr>
+            <p:ph type="sldImg"/>
+          </p:nvPr>
+        </p:nvSpPr>
+        <p:spPr/>
+      </p:sp>
+      <p:sp>
+        <p:nvSpPr>
+          <p:cNvPr id="3" name="Tijdelijke aanduiding voor notities 2"/>
+          <p:cNvSpPr>
+            <a:spLocks noGrp="1"/>
+          </p:cNvSpPr>
+          <p:nvPr>
+            <p:ph type="body" idx="1"/>
+          </p:nvPr>
+        </p:nvSpPr>
+        <p:spPr/>
+        <p:txBody>
+          <a:bodyPr/>
+          <a:lstStyle/>
+          <a:p>
+            <a:endParaRPr lang="nl-NL" dirty="0"/>
+          </a:p>
+        </p:txBody>
+      </p:sp>
+      <p:sp>
+        <p:nvSpPr>
+          <p:cNvPr id="4" name="Tijdelijke aanduiding voor dianummer 3"/>
+          <p:cNvSpPr>
+            <a:spLocks noGrp="1"/>
+          </p:cNvSpPr>
+          <p:nvPr>
+            <p:ph type="sldNum" sz="quarter" idx="5"/>
+          </p:nvPr>
+        </p:nvSpPr>
+        <p:spPr/>
+        <p:txBody>
+          <a:bodyPr/>
+          <a:lstStyle/>
+          <a:p>
+            <a:fld id="{E4E64A27-1B3B-4CF8-8F9C-AF67607CCD52}" type="slidenum">
+              <a:rPr lang="nl-NL" smtClean="0"/>
+              <a:t>1</a:t>
+            </a:fld>
+            <a:endParaRPr lang="nl-NL"/>
+          </a:p>
+        </p:txBody>
+      </p:sp>
+    </p:spTree>
+    <p:extLst>
+      <p:ext uri="{BB962C8B-B14F-4D97-AF65-F5344CB8AC3E}">
+        <p14:creationId xmlns:p14="http://schemas.microsoft.com/office/powerpoint/2010/main" val="245796597"/>
+      </p:ext>
+    </p:extLst>
+  </p:cSld>
+  <p:clrMapOvr>
+    <a:masterClrMapping/>
+  </p:clrMapOvr>
+</p:notes>
 </file>
 
 <file path=ppt/slideLayouts/slideLayout1.xml><?xml version="1.0" encoding="utf-8"?>
@@ -932,7 +746,7 @@
           <a:p>
             <a:fld id="{00AA4164-34D5-4452-8196-C085709679C2}" type="datetimeFigureOut">
               <a:rPr lang="nl-NL" smtClean="0"/>
-              <a:t>18-1-2021</a:t>
+              <a:t>21-1-2021</a:t>
             </a:fld>
             <a:endParaRPr lang="nl-NL"/>
           </a:p>
@@ -1368,7 +1182,7 @@
           <a:p>
             <a:fld id="{00AA4164-34D5-4452-8196-C085709679C2}" type="datetimeFigureOut">
               <a:rPr lang="nl-NL" smtClean="0"/>
-              <a:t>18-1-2021</a:t>
+              <a:t>21-1-2021</a:t>
             </a:fld>
             <a:endParaRPr lang="nl-NL"/>
           </a:p>
@@ -1618,7 +1432,7 @@
           <a:p>
             <a:fld id="{00AA4164-34D5-4452-8196-C085709679C2}" type="datetimeFigureOut">
               <a:rPr lang="nl-NL" smtClean="0"/>
-              <a:t>18-1-2021</a:t>
+              <a:t>21-1-2021</a:t>
             </a:fld>
             <a:endParaRPr lang="nl-NL"/>
           </a:p>
@@ -1926,7 +1740,7 @@
           <a:p>
             <a:fld id="{00AA4164-34D5-4452-8196-C085709679C2}" type="datetimeFigureOut">
               <a:rPr lang="nl-NL" smtClean="0"/>
-              <a:t>18-1-2021</a:t>
+              <a:t>21-1-2021</a:t>
             </a:fld>
             <a:endParaRPr lang="nl-NL"/>
           </a:p>
@@ -2244,7 +2058,7 @@
           <a:p>
             <a:fld id="{00AA4164-34D5-4452-8196-C085709679C2}" type="datetimeFigureOut">
               <a:rPr lang="nl-NL" smtClean="0"/>
-              <a:t>18-1-2021</a:t>
+              <a:t>21-1-2021</a:t>
             </a:fld>
             <a:endParaRPr lang="nl-NL"/>
           </a:p>
@@ -2546,7 +2360,7 @@
           <a:p>
             <a:fld id="{00AA4164-34D5-4452-8196-C085709679C2}" type="datetimeFigureOut">
               <a:rPr lang="nl-NL" smtClean="0"/>
-              <a:t>18-1-2021</a:t>
+              <a:t>21-1-2021</a:t>
             </a:fld>
             <a:endParaRPr lang="nl-NL"/>
           </a:p>
@@ -2913,7 +2727,7 @@
           <a:p>
             <a:fld id="{00AA4164-34D5-4452-8196-C085709679C2}" type="datetimeFigureOut">
               <a:rPr lang="nl-NL" smtClean="0"/>
-              <a:t>18-1-2021</a:t>
+              <a:t>21-1-2021</a:t>
             </a:fld>
             <a:endParaRPr lang="nl-NL"/>
           </a:p>
@@ -3087,7 +2901,7 @@
           <a:p>
             <a:fld id="{00AA4164-34D5-4452-8196-C085709679C2}" type="datetimeFigureOut">
               <a:rPr lang="nl-NL" smtClean="0"/>
-              <a:t>18-1-2021</a:t>
+              <a:t>21-1-2021</a:t>
             </a:fld>
             <a:endParaRPr lang="nl-NL"/>
           </a:p>
@@ -3267,7 +3081,7 @@
           <a:p>
             <a:fld id="{00AA4164-34D5-4452-8196-C085709679C2}" type="datetimeFigureOut">
               <a:rPr lang="nl-NL" smtClean="0"/>
-              <a:t>18-1-2021</a:t>
+              <a:t>21-1-2021</a:t>
             </a:fld>
             <a:endParaRPr lang="nl-NL"/>
           </a:p>
@@ -3437,7 +3251,7 @@
           <a:p>
             <a:fld id="{00AA4164-34D5-4452-8196-C085709679C2}" type="datetimeFigureOut">
               <a:rPr lang="nl-NL" smtClean="0"/>
-              <a:t>18-1-2021</a:t>
+              <a:t>21-1-2021</a:t>
             </a:fld>
             <a:endParaRPr lang="nl-NL"/>
           </a:p>
@@ -3687,7 +3501,7 @@
           <a:p>
             <a:fld id="{00AA4164-34D5-4452-8196-C085709679C2}" type="datetimeFigureOut">
               <a:rPr lang="nl-NL" smtClean="0"/>
-              <a:t>18-1-2021</a:t>
+              <a:t>21-1-2021</a:t>
             </a:fld>
             <a:endParaRPr lang="nl-NL"/>
           </a:p>
@@ -3923,7 +3737,7 @@
           <a:p>
             <a:fld id="{00AA4164-34D5-4452-8196-C085709679C2}" type="datetimeFigureOut">
               <a:rPr lang="nl-NL" smtClean="0"/>
-              <a:t>18-1-2021</a:t>
+              <a:t>21-1-2021</a:t>
             </a:fld>
             <a:endParaRPr lang="nl-NL"/>
           </a:p>
@@ -4305,7 +4119,7 @@
           <a:p>
             <a:fld id="{00AA4164-34D5-4452-8196-C085709679C2}" type="datetimeFigureOut">
               <a:rPr lang="nl-NL" smtClean="0"/>
-              <a:t>18-1-2021</a:t>
+              <a:t>21-1-2021</a:t>
             </a:fld>
             <a:endParaRPr lang="nl-NL"/>
           </a:p>
@@ -4423,7 +4237,7 @@
           <a:p>
             <a:fld id="{00AA4164-34D5-4452-8196-C085709679C2}" type="datetimeFigureOut">
               <a:rPr lang="nl-NL" smtClean="0"/>
-              <a:t>18-1-2021</a:t>
+              <a:t>21-1-2021</a:t>
             </a:fld>
             <a:endParaRPr lang="nl-NL"/>
           </a:p>
@@ -4518,7 +4332,7 @@
           <a:p>
             <a:fld id="{00AA4164-34D5-4452-8196-C085709679C2}" type="datetimeFigureOut">
               <a:rPr lang="nl-NL" smtClean="0"/>
-              <a:t>18-1-2021</a:t>
+              <a:t>21-1-2021</a:t>
             </a:fld>
             <a:endParaRPr lang="nl-NL"/>
           </a:p>
@@ -4773,7 +4587,7 @@
           <a:p>
             <a:fld id="{00AA4164-34D5-4452-8196-C085709679C2}" type="datetimeFigureOut">
               <a:rPr lang="nl-NL" smtClean="0"/>
-              <a:t>18-1-2021</a:t>
+              <a:t>21-1-2021</a:t>
             </a:fld>
             <a:endParaRPr lang="nl-NL"/>
           </a:p>
@@ -5056,7 +4870,7 @@
           <a:p>
             <a:fld id="{00AA4164-34D5-4452-8196-C085709679C2}" type="datetimeFigureOut">
               <a:rPr lang="nl-NL" smtClean="0"/>
-              <a:t>18-1-2021</a:t>
+              <a:t>21-1-2021</a:t>
             </a:fld>
             <a:endParaRPr lang="nl-NL"/>
           </a:p>
@@ -5462,7 +5276,7 @@
           <a:p>
             <a:fld id="{00AA4164-34D5-4452-8196-C085709679C2}" type="datetimeFigureOut">
               <a:rPr lang="nl-NL" smtClean="0"/>
-              <a:t>18-1-2021</a:t>
+              <a:t>21-1-2021</a:t>
             </a:fld>
             <a:endParaRPr lang="nl-NL"/>
           </a:p>
@@ -6186,44 +6000,6 @@
           </a:p>
         </p:txBody>
       </p:sp>
-      <p:sp>
-        <p:nvSpPr>
-          <p:cNvPr id="3" name="Ondertitel 2">
-            <a:extLst>
-              <a:ext uri="{FF2B5EF4-FFF2-40B4-BE49-F238E27FC236}">
-                <a16:creationId xmlns:a16="http://schemas.microsoft.com/office/drawing/2014/main" id="{617D1102-23FA-49DE-BD7E-A9A6553610DD}"/>
-              </a:ext>
-            </a:extLst>
-          </p:cNvPr>
-          <p:cNvSpPr>
-            <a:spLocks noGrp="1"/>
-          </p:cNvSpPr>
-          <p:nvPr>
-            <p:ph type="subTitle" idx="1"/>
-          </p:nvPr>
-        </p:nvSpPr>
-        <p:spPr>
-          <a:xfrm>
-            <a:off x="684212" y="4648198"/>
-            <a:ext cx="7005742" cy="1143002"/>
-          </a:xfrm>
-        </p:spPr>
-        <p:txBody>
-          <a:bodyPr>
-            <a:normAutofit/>
-          </a:bodyPr>
-          <a:lstStyle/>
-          <a:p>
-            <a:endParaRPr lang="nl-NL">
-              <a:solidFill>
-                <a:schemeClr val="tx1">
-                  <a:alpha val="80000"/>
-                </a:schemeClr>
-              </a:solidFill>
-            </a:endParaRPr>
-          </a:p>
-        </p:txBody>
-      </p:sp>
     </p:spTree>
     <p:extLst>
       <p:ext uri="{BB962C8B-B14F-4D97-AF65-F5344CB8AC3E}">
@@ -9579,14 +9355,829 @@
               <a:t>Samenwerking</a:t>
             </a:r>
           </a:p>
-          <a:p>
-            <a:r>
-              <a:rPr lang="nl-NL" sz="1800" dirty="0">
+        </p:txBody>
+      </p:sp>
+    </p:spTree>
+    <p:extLst>
+      <p:ext uri="{BB962C8B-B14F-4D97-AF65-F5344CB8AC3E}">
+        <p14:creationId xmlns:p14="http://schemas.microsoft.com/office/powerpoint/2010/main" val="1249222413"/>
+      </p:ext>
+    </p:extLst>
+  </p:cSld>
+  <p:clrMapOvr>
+    <a:masterClrMapping/>
+  </p:clrMapOvr>
+</p:sld>
+</file>
+
+<file path=ppt/slides/slide8.xml><?xml version="1.0" encoding="utf-8"?>
+<p:sld xmlns:a="http://schemas.openxmlformats.org/drawingml/2006/main" xmlns:r="http://schemas.openxmlformats.org/officeDocument/2006/relationships" xmlns:p="http://schemas.openxmlformats.org/presentationml/2006/main">
+  <p:cSld>
+    <p:bg>
+      <p:bgPr>
+        <a:solidFill>
+          <a:schemeClr val="bg2"/>
+        </a:solidFill>
+        <a:effectLst/>
+      </p:bgPr>
+    </p:bg>
+    <p:spTree>
+      <p:nvGrpSpPr>
+        <p:cNvPr id="1" name=""/>
+        <p:cNvGrpSpPr/>
+        <p:nvPr/>
+      </p:nvGrpSpPr>
+      <p:grpSpPr>
+        <a:xfrm>
+          <a:off x="0" y="0"/>
+          <a:ext cx="0" cy="0"/>
+          <a:chOff x="0" y="0"/>
+          <a:chExt cx="0" cy="0"/>
+        </a:xfrm>
+      </p:grpSpPr>
+      <p:cxnSp>
+        <p:nvCxnSpPr>
+          <p:cNvPr id="8" name="Straight Connector 7">
+            <a:extLst>
+              <a:ext uri="{FF2B5EF4-FFF2-40B4-BE49-F238E27FC236}">
+                <a16:creationId xmlns:a16="http://schemas.microsoft.com/office/drawing/2014/main" id="{FEB90296-CFE0-401D-9CA3-32966EC4F01D}"/>
+              </a:ext>
+              <a:ext uri="{C183D7F6-B498-43B3-948B-1728B52AA6E4}">
+                <adec:decorative xmlns:adec="http://schemas.microsoft.com/office/drawing/2017/decorative" val="1"/>
+              </a:ext>
+            </a:extLst>
+          </p:cNvPr>
+          <p:cNvCxnSpPr>
+            <a:cxnSpLocks noGrp="1" noRot="1" noChangeAspect="1" noMove="1" noResize="1" noEditPoints="1" noAdjustHandles="1" noChangeArrowheads="1" noChangeShapeType="1"/>
+          </p:cNvCxnSpPr>
+          <p:nvPr>
+            <p:extLst>
+              <p:ext uri="{386F3935-93C4-4BCD-93E2-E3B085C9AB24}">
+                <p16:designElem xmlns:p16="http://schemas.microsoft.com/office/powerpoint/2015/main" val="1"/>
+              </p:ext>
+            </p:extLst>
+          </p:nvPr>
+        </p:nvCxnSpPr>
+        <p:spPr>
+          <a:xfrm flipH="1">
+            <a:off x="8228012" y="8467"/>
+            <a:ext cx="3810000" cy="3810000"/>
+          </a:xfrm>
+          <a:prstGeom prst="line">
+            <a:avLst/>
+          </a:prstGeom>
+          <a:ln w="12700">
+            <a:solidFill>
+              <a:schemeClr val="tx1"/>
+            </a:solidFill>
+          </a:ln>
+        </p:spPr>
+        <p:style>
+          <a:lnRef idx="2">
+            <a:schemeClr val="accent1"/>
+          </a:lnRef>
+          <a:fillRef idx="0">
+            <a:schemeClr val="accent1"/>
+          </a:fillRef>
+          <a:effectRef idx="1">
+            <a:schemeClr val="accent1"/>
+          </a:effectRef>
+          <a:fontRef idx="minor">
+            <a:schemeClr val="tx1"/>
+          </a:fontRef>
+        </p:style>
+      </p:cxnSp>
+      <p:cxnSp>
+        <p:nvCxnSpPr>
+          <p:cNvPr id="10" name="Straight Connector 9">
+            <a:extLst>
+              <a:ext uri="{FF2B5EF4-FFF2-40B4-BE49-F238E27FC236}">
+                <a16:creationId xmlns:a16="http://schemas.microsoft.com/office/drawing/2014/main" id="{08C9B4EE-7611-4ED9-B356-7BDD377C39B0}"/>
+              </a:ext>
+              <a:ext uri="{C183D7F6-B498-43B3-948B-1728B52AA6E4}">
+                <adec:decorative xmlns:adec="http://schemas.microsoft.com/office/drawing/2017/decorative" val="1"/>
+              </a:ext>
+            </a:extLst>
+          </p:cNvPr>
+          <p:cNvCxnSpPr>
+            <a:cxnSpLocks noGrp="1" noRot="1" noChangeAspect="1" noMove="1" noResize="1" noEditPoints="1" noAdjustHandles="1" noChangeArrowheads="1" noChangeShapeType="1"/>
+          </p:cNvCxnSpPr>
+          <p:nvPr>
+            <p:extLst>
+              <p:ext uri="{386F3935-93C4-4BCD-93E2-E3B085C9AB24}">
+                <p16:designElem xmlns:p16="http://schemas.microsoft.com/office/powerpoint/2015/main" val="1"/>
+              </p:ext>
+            </p:extLst>
+          </p:nvPr>
+        </p:nvCxnSpPr>
+        <p:spPr>
+          <a:xfrm flipH="1">
+            <a:off x="6108170" y="91545"/>
+            <a:ext cx="6080655" cy="6080655"/>
+          </a:xfrm>
+          <a:prstGeom prst="line">
+            <a:avLst/>
+          </a:prstGeom>
+          <a:ln w="12700">
+            <a:solidFill>
+              <a:schemeClr val="tx1"/>
+            </a:solidFill>
+          </a:ln>
+        </p:spPr>
+        <p:style>
+          <a:lnRef idx="2">
+            <a:schemeClr val="accent1"/>
+          </a:lnRef>
+          <a:fillRef idx="0">
+            <a:schemeClr val="accent1"/>
+          </a:fillRef>
+          <a:effectRef idx="1">
+            <a:schemeClr val="accent1"/>
+          </a:effectRef>
+          <a:fontRef idx="minor">
+            <a:schemeClr val="tx1"/>
+          </a:fontRef>
+        </p:style>
+      </p:cxnSp>
+      <p:cxnSp>
+        <p:nvCxnSpPr>
+          <p:cNvPr id="12" name="Straight Connector 11">
+            <a:extLst>
+              <a:ext uri="{FF2B5EF4-FFF2-40B4-BE49-F238E27FC236}">
+                <a16:creationId xmlns:a16="http://schemas.microsoft.com/office/drawing/2014/main" id="{4A4F266A-F2F7-47CD-8BBC-E3777E982FD2}"/>
+              </a:ext>
+              <a:ext uri="{C183D7F6-B498-43B3-948B-1728B52AA6E4}">
+                <adec:decorative xmlns:adec="http://schemas.microsoft.com/office/drawing/2017/decorative" val="1"/>
+              </a:ext>
+            </a:extLst>
+          </p:cNvPr>
+          <p:cNvCxnSpPr>
+            <a:cxnSpLocks noGrp="1" noRot="1" noChangeAspect="1" noMove="1" noResize="1" noEditPoints="1" noAdjustHandles="1" noChangeArrowheads="1" noChangeShapeType="1"/>
+          </p:cNvCxnSpPr>
+          <p:nvPr>
+            <p:extLst>
+              <p:ext uri="{386F3935-93C4-4BCD-93E2-E3B085C9AB24}">
+                <p16:designElem xmlns:p16="http://schemas.microsoft.com/office/powerpoint/2015/main" val="1"/>
+              </p:ext>
+            </p:extLst>
+          </p:nvPr>
+        </p:nvCxnSpPr>
+        <p:spPr>
+          <a:xfrm flipH="1">
+            <a:off x="7235825" y="228600"/>
+            <a:ext cx="4953000" cy="4953000"/>
+          </a:xfrm>
+          <a:prstGeom prst="line">
+            <a:avLst/>
+          </a:prstGeom>
+          <a:ln w="12700">
+            <a:solidFill>
+              <a:schemeClr val="tx1"/>
+            </a:solidFill>
+          </a:ln>
+        </p:spPr>
+        <p:style>
+          <a:lnRef idx="2">
+            <a:schemeClr val="accent1"/>
+          </a:lnRef>
+          <a:fillRef idx="0">
+            <a:schemeClr val="accent1"/>
+          </a:fillRef>
+          <a:effectRef idx="1">
+            <a:schemeClr val="accent1"/>
+          </a:effectRef>
+          <a:fontRef idx="minor">
+            <a:schemeClr val="tx1"/>
+          </a:fontRef>
+        </p:style>
+      </p:cxnSp>
+      <p:cxnSp>
+        <p:nvCxnSpPr>
+          <p:cNvPr id="14" name="Straight Connector 13">
+            <a:extLst>
+              <a:ext uri="{FF2B5EF4-FFF2-40B4-BE49-F238E27FC236}">
+                <a16:creationId xmlns:a16="http://schemas.microsoft.com/office/drawing/2014/main" id="{20D69C80-8919-4A32-B897-F2A21F940574}"/>
+              </a:ext>
+              <a:ext uri="{C183D7F6-B498-43B3-948B-1728B52AA6E4}">
+                <adec:decorative xmlns:adec="http://schemas.microsoft.com/office/drawing/2017/decorative" val="1"/>
+              </a:ext>
+            </a:extLst>
+          </p:cNvPr>
+          <p:cNvCxnSpPr>
+            <a:cxnSpLocks noGrp="1" noRot="1" noChangeAspect="1" noMove="1" noResize="1" noEditPoints="1" noAdjustHandles="1" noChangeArrowheads="1" noChangeShapeType="1"/>
+          </p:cNvCxnSpPr>
+          <p:nvPr>
+            <p:extLst>
+              <p:ext uri="{386F3935-93C4-4BCD-93E2-E3B085C9AB24}">
+                <p16:designElem xmlns:p16="http://schemas.microsoft.com/office/powerpoint/2015/main" val="1"/>
+              </p:ext>
+            </p:extLst>
+          </p:nvPr>
+        </p:nvCxnSpPr>
+        <p:spPr>
+          <a:xfrm flipH="1">
+            <a:off x="7335837" y="32278"/>
+            <a:ext cx="4852989" cy="4852989"/>
+          </a:xfrm>
+          <a:prstGeom prst="line">
+            <a:avLst/>
+          </a:prstGeom>
+          <a:ln w="31750">
+            <a:solidFill>
+              <a:schemeClr val="tx1"/>
+            </a:solidFill>
+          </a:ln>
+        </p:spPr>
+        <p:style>
+          <a:lnRef idx="2">
+            <a:schemeClr val="accent1"/>
+          </a:lnRef>
+          <a:fillRef idx="0">
+            <a:schemeClr val="accent1"/>
+          </a:fillRef>
+          <a:effectRef idx="1">
+            <a:schemeClr val="accent1"/>
+          </a:effectRef>
+          <a:fontRef idx="minor">
+            <a:schemeClr val="tx1"/>
+          </a:fontRef>
+        </p:style>
+      </p:cxnSp>
+      <p:cxnSp>
+        <p:nvCxnSpPr>
+          <p:cNvPr id="16" name="Straight Connector 15">
+            <a:extLst>
+              <a:ext uri="{FF2B5EF4-FFF2-40B4-BE49-F238E27FC236}">
+                <a16:creationId xmlns:a16="http://schemas.microsoft.com/office/drawing/2014/main" id="{F427B072-CC5B-481B-9719-8CD4C54444BE}"/>
+              </a:ext>
+              <a:ext uri="{C183D7F6-B498-43B3-948B-1728B52AA6E4}">
+                <adec:decorative xmlns:adec="http://schemas.microsoft.com/office/drawing/2017/decorative" val="1"/>
+              </a:ext>
+            </a:extLst>
+          </p:cNvPr>
+          <p:cNvCxnSpPr>
+            <a:cxnSpLocks noGrp="1" noRot="1" noChangeAspect="1" noMove="1" noResize="1" noEditPoints="1" noAdjustHandles="1" noChangeArrowheads="1" noChangeShapeType="1"/>
+          </p:cNvCxnSpPr>
+          <p:nvPr>
+            <p:extLst>
+              <p:ext uri="{386F3935-93C4-4BCD-93E2-E3B085C9AB24}">
+                <p16:designElem xmlns:p16="http://schemas.microsoft.com/office/powerpoint/2015/main" val="1"/>
+              </p:ext>
+            </p:extLst>
+          </p:nvPr>
+        </p:nvCxnSpPr>
+        <p:spPr>
+          <a:xfrm flipH="1">
+            <a:off x="7845426" y="609601"/>
+            <a:ext cx="4343399" cy="4343399"/>
+          </a:xfrm>
+          <a:prstGeom prst="line">
+            <a:avLst/>
+          </a:prstGeom>
+          <a:ln w="31750">
+            <a:solidFill>
+              <a:schemeClr val="tx1"/>
+            </a:solidFill>
+          </a:ln>
+        </p:spPr>
+        <p:style>
+          <a:lnRef idx="2">
+            <a:schemeClr val="accent1"/>
+          </a:lnRef>
+          <a:fillRef idx="0">
+            <a:schemeClr val="accent1"/>
+          </a:fillRef>
+          <a:effectRef idx="1">
+            <a:schemeClr val="accent1"/>
+          </a:effectRef>
+          <a:fontRef idx="minor">
+            <a:schemeClr val="tx1"/>
+          </a:fontRef>
+        </p:style>
+      </p:cxnSp>
+      <p:sp useBgFill="1">
+        <p:nvSpPr>
+          <p:cNvPr id="18" name="Rectangle 17">
+            <a:extLst>
+              <a:ext uri="{FF2B5EF4-FFF2-40B4-BE49-F238E27FC236}">
+                <a16:creationId xmlns:a16="http://schemas.microsoft.com/office/drawing/2014/main" id="{313BE87B-D7FD-4BF3-A7BC-511F522528C2}"/>
+              </a:ext>
+              <a:ext uri="{C183D7F6-B498-43B3-948B-1728B52AA6E4}">
+                <adec:decorative xmlns:adec="http://schemas.microsoft.com/office/drawing/2017/decorative" val="1"/>
+              </a:ext>
+            </a:extLst>
+          </p:cNvPr>
+          <p:cNvSpPr>
+            <a:spLocks noGrp="1" noRot="1" noChangeAspect="1" noMove="1" noResize="1" noEditPoints="1" noAdjustHandles="1" noChangeArrowheads="1" noChangeShapeType="1" noTextEdit="1"/>
+          </p:cNvSpPr>
+          <p:nvPr>
+            <p:extLst>
+              <p:ext uri="{386F3935-93C4-4BCD-93E2-E3B085C9AB24}">
+                <p16:designElem xmlns:p16="http://schemas.microsoft.com/office/powerpoint/2015/main" val="1"/>
+              </p:ext>
+            </p:extLst>
+          </p:nvPr>
+        </p:nvSpPr>
+        <p:spPr>
+          <a:xfrm>
+            <a:off x="0" y="0"/>
+            <a:ext cx="12192000" cy="6858000"/>
+          </a:xfrm>
+          <a:prstGeom prst="rect">
+            <a:avLst/>
+          </a:prstGeom>
+          <a:solidFill>
+            <a:schemeClr val="accent1"/>
+          </a:solidFill>
+          <a:ln>
+            <a:noFill/>
+          </a:ln>
+        </p:spPr>
+        <p:style>
+          <a:lnRef idx="2">
+            <a:schemeClr val="accent1">
+              <a:shade val="50000"/>
+            </a:schemeClr>
+          </a:lnRef>
+          <a:fillRef idx="1">
+            <a:schemeClr val="accent1"/>
+          </a:fillRef>
+          <a:effectRef idx="0">
+            <a:schemeClr val="accent1"/>
+          </a:effectRef>
+          <a:fontRef idx="minor">
+            <a:schemeClr val="lt1"/>
+          </a:fontRef>
+        </p:style>
+        <p:txBody>
+          <a:bodyPr rtlCol="0" anchor="ctr"/>
+          <a:lstStyle/>
+          <a:p>
+            <a:pPr algn="ctr"/>
+            <a:endParaRPr lang="en-US"/>
+          </a:p>
+        </p:txBody>
+      </p:sp>
+      <p:sp>
+        <p:nvSpPr>
+          <p:cNvPr id="20" name="Rectangle 19">
+            <a:extLst>
+              <a:ext uri="{FF2B5EF4-FFF2-40B4-BE49-F238E27FC236}">
+                <a16:creationId xmlns:a16="http://schemas.microsoft.com/office/drawing/2014/main" id="{035A481B-C639-4892-B0EF-4D8373A9B06A}"/>
+              </a:ext>
+              <a:ext uri="{C183D7F6-B498-43B3-948B-1728B52AA6E4}">
+                <adec:decorative xmlns:adec="http://schemas.microsoft.com/office/drawing/2017/decorative" val="1"/>
+              </a:ext>
+            </a:extLst>
+          </p:cNvPr>
+          <p:cNvSpPr>
+            <a:spLocks noGrp="1" noRot="1" noChangeAspect="1" noMove="1" noResize="1" noEditPoints="1" noAdjustHandles="1" noChangeArrowheads="1" noChangeShapeType="1" noTextEdit="1"/>
+          </p:cNvSpPr>
+          <p:nvPr>
+            <p:extLst>
+              <p:ext uri="{386F3935-93C4-4BCD-93E2-E3B085C9AB24}">
+                <p16:designElem xmlns:p16="http://schemas.microsoft.com/office/powerpoint/2015/main" val="1"/>
+              </p:ext>
+            </p:extLst>
+          </p:nvPr>
+        </p:nvSpPr>
+        <p:spPr>
+          <a:xfrm>
+            <a:off x="0" y="-1"/>
+            <a:ext cx="4639734" cy="6858000"/>
+          </a:xfrm>
+          <a:prstGeom prst="rect">
+            <a:avLst/>
+          </a:prstGeom>
+          <a:solidFill>
+            <a:schemeClr val="accent1">
+              <a:lumMod val="75000"/>
+            </a:schemeClr>
+          </a:solidFill>
+          <a:ln>
+            <a:noFill/>
+          </a:ln>
+          <a:effectLst/>
+        </p:spPr>
+        <p:style>
+          <a:lnRef idx="2">
+            <a:schemeClr val="accent1">
+              <a:shade val="50000"/>
+            </a:schemeClr>
+          </a:lnRef>
+          <a:fillRef idx="1001">
+            <a:schemeClr val="dk2"/>
+          </a:fillRef>
+          <a:effectRef idx="0">
+            <a:schemeClr val="accent1"/>
+          </a:effectRef>
+          <a:fontRef idx="minor">
+            <a:schemeClr val="lt1"/>
+          </a:fontRef>
+        </p:style>
+        <p:txBody>
+          <a:bodyPr rtlCol="0" anchor="ctr"/>
+          <a:lstStyle/>
+          <a:p>
+            <a:pPr algn="ctr"/>
+            <a:endParaRPr lang="en-US"/>
+          </a:p>
+        </p:txBody>
+      </p:sp>
+      <p:sp>
+        <p:nvSpPr>
+          <p:cNvPr id="22" name="Rectangle 21">
+            <a:extLst>
+              <a:ext uri="{FF2B5EF4-FFF2-40B4-BE49-F238E27FC236}">
+                <a16:creationId xmlns:a16="http://schemas.microsoft.com/office/drawing/2014/main" id="{052BD58B-6284-459E-9FF4-A97F3A569074}"/>
+              </a:ext>
+              <a:ext uri="{C183D7F6-B498-43B3-948B-1728B52AA6E4}">
+                <adec:decorative xmlns:adec="http://schemas.microsoft.com/office/drawing/2017/decorative" val="1"/>
+              </a:ext>
+            </a:extLst>
+          </p:cNvPr>
+          <p:cNvSpPr>
+            <a:spLocks noGrp="1" noRot="1" noChangeAspect="1" noMove="1" noResize="1" noEditPoints="1" noAdjustHandles="1" noChangeArrowheads="1" noChangeShapeType="1" noTextEdit="1"/>
+          </p:cNvSpPr>
+          <p:nvPr>
+            <p:extLst>
+              <p:ext uri="{386F3935-93C4-4BCD-93E2-E3B085C9AB24}">
+                <p16:designElem xmlns:p16="http://schemas.microsoft.com/office/powerpoint/2015/main" val="1"/>
+              </p:ext>
+            </p:extLst>
+          </p:nvPr>
+        </p:nvSpPr>
+        <p:spPr>
+          <a:xfrm>
+            <a:off x="0" y="-2"/>
+            <a:ext cx="1438656" cy="6858000"/>
+          </a:xfrm>
+          <a:prstGeom prst="rect">
+            <a:avLst/>
+          </a:prstGeom>
+          <a:solidFill>
+            <a:schemeClr val="accent1">
+              <a:lumMod val="50000"/>
+            </a:schemeClr>
+          </a:solidFill>
+          <a:ln>
+            <a:noFill/>
+          </a:ln>
+        </p:spPr>
+        <p:style>
+          <a:lnRef idx="2">
+            <a:schemeClr val="accent1">
+              <a:shade val="50000"/>
+            </a:schemeClr>
+          </a:lnRef>
+          <a:fillRef idx="1003">
+            <a:schemeClr val="lt1"/>
+          </a:fillRef>
+          <a:effectRef idx="0">
+            <a:schemeClr val="accent1"/>
+          </a:effectRef>
+          <a:fontRef idx="minor">
+            <a:schemeClr val="lt1"/>
+          </a:fontRef>
+        </p:style>
+        <p:txBody>
+          <a:bodyPr rtlCol="0" anchor="ctr"/>
+          <a:lstStyle/>
+          <a:p>
+            <a:pPr algn="ctr"/>
+            <a:endParaRPr lang="en-US">
+              <a:solidFill>
+                <a:schemeClr val="accent2"/>
+              </a:solidFill>
+            </a:endParaRPr>
+          </a:p>
+        </p:txBody>
+      </p:sp>
+      <p:grpSp>
+        <p:nvGrpSpPr>
+          <p:cNvPr id="24" name="Group 23">
+            <a:extLst>
+              <a:ext uri="{FF2B5EF4-FFF2-40B4-BE49-F238E27FC236}">
+                <a16:creationId xmlns:a16="http://schemas.microsoft.com/office/drawing/2014/main" id="{AE589C21-CEDE-4D90-AC85-6E43B68D1316}"/>
+              </a:ext>
+              <a:ext uri="{C183D7F6-B498-43B3-948B-1728B52AA6E4}">
+                <adec:decorative xmlns:adec="http://schemas.microsoft.com/office/drawing/2017/decorative" val="1"/>
+              </a:ext>
+            </a:extLst>
+          </p:cNvPr>
+          <p:cNvGrpSpPr>
+            <a:grpSpLocks noGrp="1" noUngrp="1" noRot="1" noChangeAspect="1" noMove="1" noResize="1"/>
+          </p:cNvGrpSpPr>
+          <p:nvPr>
+            <p:extLst>
+              <p:ext uri="{386F3935-93C4-4BCD-93E2-E3B085C9AB24}">
+                <p16:designElem xmlns:p16="http://schemas.microsoft.com/office/powerpoint/2015/main" val="1"/>
+              </p:ext>
+            </p:extLst>
+          </p:nvPr>
+        </p:nvGrpSpPr>
+        <p:grpSpPr>
+          <a:xfrm>
+            <a:off x="9206969" y="3449715"/>
+            <a:ext cx="2981858" cy="3208867"/>
+            <a:chOff x="9206969" y="2963333"/>
+            <a:chExt cx="2981858" cy="3208867"/>
+          </a:xfrm>
+        </p:grpSpPr>
+        <p:cxnSp>
+          <p:nvCxnSpPr>
+            <p:cNvPr id="25" name="Straight Connector 24">
+              <a:extLst>
+                <a:ext uri="{FF2B5EF4-FFF2-40B4-BE49-F238E27FC236}">
+                  <a16:creationId xmlns:a16="http://schemas.microsoft.com/office/drawing/2014/main" id="{1F4121EC-0ADD-45C0-85F0-D49F67A3ED8B}"/>
+                </a:ext>
+                <a:ext uri="{C183D7F6-B498-43B3-948B-1728B52AA6E4}">
+                  <adec:decorative xmlns:adec="http://schemas.microsoft.com/office/drawing/2017/decorative" val="1"/>
+                </a:ext>
+              </a:extLst>
+            </p:cNvPr>
+            <p:cNvCxnSpPr/>
+            <p:nvPr>
+              <p:extLst>
+                <p:ext uri="{386F3935-93C4-4BCD-93E2-E3B085C9AB24}">
+                  <p16:designElem xmlns:p16="http://schemas.microsoft.com/office/powerpoint/2015/main" val="1"/>
+                </p:ext>
+              </p:extLst>
+            </p:nvPr>
+          </p:nvCxnSpPr>
+          <p:spPr>
+            <a:xfrm flipH="1">
+              <a:off x="11276012" y="2963333"/>
+              <a:ext cx="912814" cy="912812"/>
+            </a:xfrm>
+            <a:prstGeom prst="line">
+              <a:avLst/>
+            </a:prstGeom>
+            <a:ln w="9525">
+              <a:solidFill>
+                <a:srgbClr val="FFFFFF"/>
+              </a:solidFill>
+            </a:ln>
+          </p:spPr>
+          <p:style>
+            <a:lnRef idx="2">
+              <a:schemeClr val="accent1"/>
+            </a:lnRef>
+            <a:fillRef idx="0">
+              <a:schemeClr val="accent1"/>
+            </a:fillRef>
+            <a:effectRef idx="1">
+              <a:schemeClr val="accent1"/>
+            </a:effectRef>
+            <a:fontRef idx="minor">
+              <a:schemeClr val="tx1"/>
+            </a:fontRef>
+          </p:style>
+        </p:cxnSp>
+        <p:cxnSp>
+          <p:nvCxnSpPr>
+            <p:cNvPr id="26" name="Straight Connector 25">
+              <a:extLst>
+                <a:ext uri="{FF2B5EF4-FFF2-40B4-BE49-F238E27FC236}">
+                  <a16:creationId xmlns:a16="http://schemas.microsoft.com/office/drawing/2014/main" id="{422F012F-0680-4AEC-9884-BA712ED2B9E6}"/>
+                </a:ext>
+                <a:ext uri="{C183D7F6-B498-43B3-948B-1728B52AA6E4}">
+                  <adec:decorative xmlns:adec="http://schemas.microsoft.com/office/drawing/2017/decorative" val="1"/>
+                </a:ext>
+              </a:extLst>
+            </p:cNvPr>
+            <p:cNvCxnSpPr/>
+            <p:nvPr>
+              <p:extLst>
+                <p:ext uri="{386F3935-93C4-4BCD-93E2-E3B085C9AB24}">
+                  <p16:designElem xmlns:p16="http://schemas.microsoft.com/office/powerpoint/2015/main" val="1"/>
+                </p:ext>
+              </p:extLst>
+            </p:nvPr>
+          </p:nvCxnSpPr>
+          <p:spPr>
+            <a:xfrm flipH="1">
+              <a:off x="9206969" y="3190344"/>
+              <a:ext cx="2981857" cy="2981856"/>
+            </a:xfrm>
+            <a:prstGeom prst="line">
+              <a:avLst/>
+            </a:prstGeom>
+            <a:ln w="9525">
+              <a:solidFill>
+                <a:srgbClr val="FFFFFF"/>
+              </a:solidFill>
+            </a:ln>
+          </p:spPr>
+          <p:style>
+            <a:lnRef idx="2">
+              <a:schemeClr val="accent1"/>
+            </a:lnRef>
+            <a:fillRef idx="0">
+              <a:schemeClr val="accent1"/>
+            </a:fillRef>
+            <a:effectRef idx="1">
+              <a:schemeClr val="accent1"/>
+            </a:effectRef>
+            <a:fontRef idx="minor">
+              <a:schemeClr val="tx1"/>
+            </a:fontRef>
+          </p:style>
+        </p:cxnSp>
+        <p:cxnSp>
+          <p:nvCxnSpPr>
+            <p:cNvPr id="27" name="Straight Connector 26">
+              <a:extLst>
+                <a:ext uri="{FF2B5EF4-FFF2-40B4-BE49-F238E27FC236}">
+                  <a16:creationId xmlns:a16="http://schemas.microsoft.com/office/drawing/2014/main" id="{FA5CEDFE-9EC8-436B-AE10-F85A847783A2}"/>
+                </a:ext>
+                <a:ext uri="{C183D7F6-B498-43B3-948B-1728B52AA6E4}">
+                  <adec:decorative xmlns:adec="http://schemas.microsoft.com/office/drawing/2017/decorative" val="1"/>
+                </a:ext>
+              </a:extLst>
+            </p:cNvPr>
+            <p:cNvCxnSpPr/>
+            <p:nvPr>
+              <p:extLst>
+                <p:ext uri="{386F3935-93C4-4BCD-93E2-E3B085C9AB24}">
+                  <p16:designElem xmlns:p16="http://schemas.microsoft.com/office/powerpoint/2015/main" val="1"/>
+                </p:ext>
+              </p:extLst>
+            </p:nvPr>
+          </p:nvCxnSpPr>
+          <p:spPr>
+            <a:xfrm flipH="1">
+              <a:off x="10292292" y="3285067"/>
+              <a:ext cx="1896534" cy="1896533"/>
+            </a:xfrm>
+            <a:prstGeom prst="line">
+              <a:avLst/>
+            </a:prstGeom>
+            <a:ln w="9525">
+              <a:solidFill>
+                <a:srgbClr val="FFFFFF"/>
+              </a:solidFill>
+            </a:ln>
+          </p:spPr>
+          <p:style>
+            <a:lnRef idx="2">
+              <a:schemeClr val="accent1"/>
+            </a:lnRef>
+            <a:fillRef idx="0">
+              <a:schemeClr val="accent1"/>
+            </a:fillRef>
+            <a:effectRef idx="1">
+              <a:schemeClr val="accent1"/>
+            </a:effectRef>
+            <a:fontRef idx="minor">
+              <a:schemeClr val="tx1"/>
+            </a:fontRef>
+          </p:style>
+        </p:cxnSp>
+        <p:cxnSp>
+          <p:nvCxnSpPr>
+            <p:cNvPr id="28" name="Straight Connector 27">
+              <a:extLst>
+                <a:ext uri="{FF2B5EF4-FFF2-40B4-BE49-F238E27FC236}">
+                  <a16:creationId xmlns:a16="http://schemas.microsoft.com/office/drawing/2014/main" id="{29C70031-55D8-483B-8452-A6B809D0AC84}"/>
+                </a:ext>
+                <a:ext uri="{C183D7F6-B498-43B3-948B-1728B52AA6E4}">
+                  <adec:decorative xmlns:adec="http://schemas.microsoft.com/office/drawing/2017/decorative" val="1"/>
+                </a:ext>
+              </a:extLst>
+            </p:cNvPr>
+            <p:cNvCxnSpPr/>
+            <p:nvPr>
+              <p:extLst>
+                <p:ext uri="{386F3935-93C4-4BCD-93E2-E3B085C9AB24}">
+                  <p16:designElem xmlns:p16="http://schemas.microsoft.com/office/powerpoint/2015/main" val="1"/>
+                </p:ext>
+              </p:extLst>
+            </p:nvPr>
+          </p:nvCxnSpPr>
+          <p:spPr>
+            <a:xfrm flipH="1">
+              <a:off x="10443103" y="3131080"/>
+              <a:ext cx="1745722" cy="1745720"/>
+            </a:xfrm>
+            <a:prstGeom prst="line">
+              <a:avLst/>
+            </a:prstGeom>
+            <a:ln w="28575">
+              <a:solidFill>
+                <a:srgbClr val="FFFFFF"/>
+              </a:solidFill>
+            </a:ln>
+          </p:spPr>
+          <p:style>
+            <a:lnRef idx="2">
+              <a:schemeClr val="accent1"/>
+            </a:lnRef>
+            <a:fillRef idx="0">
+              <a:schemeClr val="accent1"/>
+            </a:fillRef>
+            <a:effectRef idx="1">
+              <a:schemeClr val="accent1"/>
+            </a:effectRef>
+            <a:fontRef idx="minor">
+              <a:schemeClr val="tx1"/>
+            </a:fontRef>
+          </p:style>
+        </p:cxnSp>
+        <p:cxnSp>
+          <p:nvCxnSpPr>
+            <p:cNvPr id="29" name="Straight Connector 28">
+              <a:extLst>
+                <a:ext uri="{FF2B5EF4-FFF2-40B4-BE49-F238E27FC236}">
+                  <a16:creationId xmlns:a16="http://schemas.microsoft.com/office/drawing/2014/main" id="{E24F1E16-B0BE-4400-9A10-95BB1D52CCD2}"/>
+                </a:ext>
+                <a:ext uri="{C183D7F6-B498-43B3-948B-1728B52AA6E4}">
+                  <adec:decorative xmlns:adec="http://schemas.microsoft.com/office/drawing/2017/decorative" val="1"/>
+                </a:ext>
+              </a:extLst>
+            </p:cNvPr>
+            <p:cNvCxnSpPr/>
+            <p:nvPr>
+              <p:extLst>
+                <p:ext uri="{386F3935-93C4-4BCD-93E2-E3B085C9AB24}">
+                  <p16:designElem xmlns:p16="http://schemas.microsoft.com/office/powerpoint/2015/main" val="1"/>
+                </p:ext>
+              </p:extLst>
+            </p:nvPr>
+          </p:nvCxnSpPr>
+          <p:spPr>
+            <a:xfrm flipH="1">
+              <a:off x="10918826" y="3683001"/>
+              <a:ext cx="1270001" cy="1269999"/>
+            </a:xfrm>
+            <a:prstGeom prst="line">
+              <a:avLst/>
+            </a:prstGeom>
+            <a:ln w="28575">
+              <a:solidFill>
+                <a:srgbClr val="FFFFFF"/>
+              </a:solidFill>
+            </a:ln>
+          </p:spPr>
+          <p:style>
+            <a:lnRef idx="2">
+              <a:schemeClr val="accent1"/>
+            </a:lnRef>
+            <a:fillRef idx="0">
+              <a:schemeClr val="accent1"/>
+            </a:fillRef>
+            <a:effectRef idx="1">
+              <a:schemeClr val="accent1"/>
+            </a:effectRef>
+            <a:fontRef idx="minor">
+              <a:schemeClr val="tx1"/>
+            </a:fontRef>
+          </p:style>
+        </p:cxnSp>
+      </p:grpSp>
+      <p:sp>
+        <p:nvSpPr>
+          <p:cNvPr id="2" name="Titel 1">
+            <a:extLst>
+              <a:ext uri="{FF2B5EF4-FFF2-40B4-BE49-F238E27FC236}">
+                <a16:creationId xmlns:a16="http://schemas.microsoft.com/office/drawing/2014/main" id="{DED5E16E-BF8E-4D39-A81D-666E8035B763}"/>
+              </a:ext>
+            </a:extLst>
+          </p:cNvPr>
+          <p:cNvSpPr>
+            <a:spLocks noGrp="1"/>
+          </p:cNvSpPr>
+          <p:nvPr>
+            <p:ph type="title"/>
+          </p:nvPr>
+        </p:nvSpPr>
+        <p:spPr>
+          <a:xfrm>
+            <a:off x="5116738" y="685798"/>
+            <a:ext cx="6159273" cy="4495801"/>
+          </a:xfrm>
+        </p:spPr>
+        <p:txBody>
+          <a:bodyPr vert="horz" lIns="91440" tIns="45720" rIns="91440" bIns="45720" rtlCol="0" anchor="ctr">
+            <a:normAutofit/>
+          </a:bodyPr>
+          <a:lstStyle/>
+          <a:p>
+            <a:r>
+              <a:rPr lang="nl-NL" sz="5400" dirty="0">
                 <a:solidFill>
                   <a:srgbClr val="FFFFFF"/>
                 </a:solidFill>
               </a:rPr>
-              <a:t>Tips en Tops</a:t>
+              <a:t>Vragen</a:t>
+            </a:r>
+            <a:r>
+              <a:rPr lang="en-US" sz="5400" dirty="0">
+                <a:solidFill>
+                  <a:srgbClr val="FFFFFF"/>
+                </a:solidFill>
+              </a:rPr>
+              <a:t>?</a:t>
             </a:r>
           </a:p>
         </p:txBody>
@@ -9594,7 +10185,7 @@
     </p:spTree>
     <p:extLst>
       <p:ext uri="{BB962C8B-B14F-4D97-AF65-F5344CB8AC3E}">
-        <p14:creationId xmlns:p14="http://schemas.microsoft.com/office/powerpoint/2010/main" val="1249222413"/>
+        <p14:creationId xmlns:p14="http://schemas.microsoft.com/office/powerpoint/2010/main" val="850920855"/>
       </p:ext>
     </p:extLst>
   </p:cSld>
@@ -9876,4 +10467,299 @@
     </a:ext>
   </a:extLst>
 </a:theme>
+</file>
+
+<file path=ppt/theme/theme2.xml><?xml version="1.0" encoding="utf-8"?>
+<a:theme xmlns:a="http://schemas.openxmlformats.org/drawingml/2006/main" name="Kantoorthema">
+  <a:themeElements>
+    <a:clrScheme name="Office">
+      <a:dk1>
+        <a:sysClr val="windowText" lastClr="000000"/>
+      </a:dk1>
+      <a:lt1>
+        <a:sysClr val="window" lastClr="FFFFFF"/>
+      </a:lt1>
+      <a:dk2>
+        <a:srgbClr val="44546A"/>
+      </a:dk2>
+      <a:lt2>
+        <a:srgbClr val="E7E6E6"/>
+      </a:lt2>
+      <a:accent1>
+        <a:srgbClr val="4472C4"/>
+      </a:accent1>
+      <a:accent2>
+        <a:srgbClr val="ED7D31"/>
+      </a:accent2>
+      <a:accent3>
+        <a:srgbClr val="A5A5A5"/>
+      </a:accent3>
+      <a:accent4>
+        <a:srgbClr val="FFC000"/>
+      </a:accent4>
+      <a:accent5>
+        <a:srgbClr val="5B9BD5"/>
+      </a:accent5>
+      <a:accent6>
+        <a:srgbClr val="70AD47"/>
+      </a:accent6>
+      <a:hlink>
+        <a:srgbClr val="0563C1"/>
+      </a:hlink>
+      <a:folHlink>
+        <a:srgbClr val="954F72"/>
+      </a:folHlink>
+    </a:clrScheme>
+    <a:fontScheme name="Office">
+      <a:majorFont>
+        <a:latin typeface="Calibri Light" panose="020F0302020204030204"/>
+        <a:ea typeface=""/>
+        <a:cs typeface=""/>
+        <a:font script="Jpan" typeface="游ゴシック Light"/>
+        <a:font script="Hang" typeface="맑은 고딕"/>
+        <a:font script="Hans" typeface="等线 Light"/>
+        <a:font script="Hant" typeface="新細明體"/>
+        <a:font script="Arab" typeface="Times New Roman"/>
+        <a:font script="Hebr" typeface="Times New Roman"/>
+        <a:font script="Thai" typeface="Angsana New"/>
+        <a:font script="Ethi" typeface="Nyala"/>
+        <a:font script="Beng" typeface="Vrinda"/>
+        <a:font script="Gujr" typeface="Shruti"/>
+        <a:font script="Khmr" typeface="MoolBoran"/>
+        <a:font script="Knda" typeface="Tunga"/>
+        <a:font script="Guru" typeface="Raavi"/>
+        <a:font script="Cans" typeface="Euphemia"/>
+        <a:font script="Cher" typeface="Plantagenet Cherokee"/>
+        <a:font script="Yiii" typeface="Microsoft Yi Baiti"/>
+        <a:font script="Tibt" typeface="Microsoft Himalaya"/>
+        <a:font script="Thaa" typeface="MV Boli"/>
+        <a:font script="Deva" typeface="Mangal"/>
+        <a:font script="Telu" typeface="Gautami"/>
+        <a:font script="Taml" typeface="Latha"/>
+        <a:font script="Syrc" typeface="Estrangelo Edessa"/>
+        <a:font script="Orya" typeface="Kalinga"/>
+        <a:font script="Mlym" typeface="Kartika"/>
+        <a:font script="Laoo" typeface="DokChampa"/>
+        <a:font script="Sinh" typeface="Iskoola Pota"/>
+        <a:font script="Mong" typeface="Mongolian Baiti"/>
+        <a:font script="Viet" typeface="Times New Roman"/>
+        <a:font script="Uigh" typeface="Microsoft Uighur"/>
+        <a:font script="Geor" typeface="Sylfaen"/>
+        <a:font script="Armn" typeface="Arial"/>
+        <a:font script="Bugi" typeface="Leelawadee UI"/>
+        <a:font script="Bopo" typeface="Microsoft JhengHei"/>
+        <a:font script="Java" typeface="Javanese Text"/>
+        <a:font script="Lisu" typeface="Segoe UI"/>
+        <a:font script="Mymr" typeface="Myanmar Text"/>
+        <a:font script="Nkoo" typeface="Ebrima"/>
+        <a:font script="Olck" typeface="Nirmala UI"/>
+        <a:font script="Osma" typeface="Ebrima"/>
+        <a:font script="Phag" typeface="Phagspa"/>
+        <a:font script="Syrn" typeface="Estrangelo Edessa"/>
+        <a:font script="Syrj" typeface="Estrangelo Edessa"/>
+        <a:font script="Syre" typeface="Estrangelo Edessa"/>
+        <a:font script="Sora" typeface="Nirmala UI"/>
+        <a:font script="Tale" typeface="Microsoft Tai Le"/>
+        <a:font script="Talu" typeface="Microsoft New Tai Lue"/>
+        <a:font script="Tfng" typeface="Ebrima"/>
+      </a:majorFont>
+      <a:minorFont>
+        <a:latin typeface="Calibri" panose="020F0502020204030204"/>
+        <a:ea typeface=""/>
+        <a:cs typeface=""/>
+        <a:font script="Jpan" typeface="游ゴシック"/>
+        <a:font script="Hang" typeface="맑은 고딕"/>
+        <a:font script="Hans" typeface="等线"/>
+        <a:font script="Hant" typeface="新細明體"/>
+        <a:font script="Arab" typeface="Arial"/>
+        <a:font script="Hebr" typeface="Arial"/>
+        <a:font script="Thai" typeface="Cordia New"/>
+        <a:font script="Ethi" typeface="Nyala"/>
+        <a:font script="Beng" typeface="Vrinda"/>
+        <a:font script="Gujr" typeface="Shruti"/>
+        <a:font script="Khmr" typeface="DaunPenh"/>
+        <a:font script="Knda" typeface="Tunga"/>
+        <a:font script="Guru" typeface="Raavi"/>
+        <a:font script="Cans" typeface="Euphemia"/>
+        <a:font script="Cher" typeface="Plantagenet Cherokee"/>
+        <a:font script="Yiii" typeface="Microsoft Yi Baiti"/>
+        <a:font script="Tibt" typeface="Microsoft Himalaya"/>
+        <a:font script="Thaa" typeface="MV Boli"/>
+        <a:font script="Deva" typeface="Mangal"/>
+        <a:font script="Telu" typeface="Gautami"/>
+        <a:font script="Taml" typeface="Latha"/>
+        <a:font script="Syrc" typeface="Estrangelo Edessa"/>
+        <a:font script="Orya" typeface="Kalinga"/>
+        <a:font script="Mlym" typeface="Kartika"/>
+        <a:font script="Laoo" typeface="DokChampa"/>
+        <a:font script="Sinh" typeface="Iskoola Pota"/>
+        <a:font script="Mong" typeface="Mongolian Baiti"/>
+        <a:font script="Viet" typeface="Arial"/>
+        <a:font script="Uigh" typeface="Microsoft Uighur"/>
+        <a:font script="Geor" typeface="Sylfaen"/>
+        <a:font script="Armn" typeface="Arial"/>
+        <a:font script="Bugi" typeface="Leelawadee UI"/>
+        <a:font script="Bopo" typeface="Microsoft JhengHei"/>
+        <a:font script="Java" typeface="Javanese Text"/>
+        <a:font script="Lisu" typeface="Segoe UI"/>
+        <a:font script="Mymr" typeface="Myanmar Text"/>
+        <a:font script="Nkoo" typeface="Ebrima"/>
+        <a:font script="Olck" typeface="Nirmala UI"/>
+        <a:font script="Osma" typeface="Ebrima"/>
+        <a:font script="Phag" typeface="Phagspa"/>
+        <a:font script="Syrn" typeface="Estrangelo Edessa"/>
+        <a:font script="Syrj" typeface="Estrangelo Edessa"/>
+        <a:font script="Syre" typeface="Estrangelo Edessa"/>
+        <a:font script="Sora" typeface="Nirmala UI"/>
+        <a:font script="Tale" typeface="Microsoft Tai Le"/>
+        <a:font script="Talu" typeface="Microsoft New Tai Lue"/>
+        <a:font script="Tfng" typeface="Ebrima"/>
+      </a:minorFont>
+    </a:fontScheme>
+    <a:fmtScheme name="Office">
+      <a:fillStyleLst>
+        <a:solidFill>
+          <a:schemeClr val="phClr"/>
+        </a:solidFill>
+        <a:gradFill rotWithShape="1">
+          <a:gsLst>
+            <a:gs pos="0">
+              <a:schemeClr val="phClr">
+                <a:lumMod val="110000"/>
+                <a:satMod val="105000"/>
+                <a:tint val="67000"/>
+              </a:schemeClr>
+            </a:gs>
+            <a:gs pos="50000">
+              <a:schemeClr val="phClr">
+                <a:lumMod val="105000"/>
+                <a:satMod val="103000"/>
+                <a:tint val="73000"/>
+              </a:schemeClr>
+            </a:gs>
+            <a:gs pos="100000">
+              <a:schemeClr val="phClr">
+                <a:lumMod val="105000"/>
+                <a:satMod val="109000"/>
+                <a:tint val="81000"/>
+              </a:schemeClr>
+            </a:gs>
+          </a:gsLst>
+          <a:lin ang="5400000" scaled="0"/>
+        </a:gradFill>
+        <a:gradFill rotWithShape="1">
+          <a:gsLst>
+            <a:gs pos="0">
+              <a:schemeClr val="phClr">
+                <a:satMod val="103000"/>
+                <a:lumMod val="102000"/>
+                <a:tint val="94000"/>
+              </a:schemeClr>
+            </a:gs>
+            <a:gs pos="50000">
+              <a:schemeClr val="phClr">
+                <a:satMod val="110000"/>
+                <a:lumMod val="100000"/>
+                <a:shade val="100000"/>
+              </a:schemeClr>
+            </a:gs>
+            <a:gs pos="100000">
+              <a:schemeClr val="phClr">
+                <a:lumMod val="99000"/>
+                <a:satMod val="120000"/>
+                <a:shade val="78000"/>
+              </a:schemeClr>
+            </a:gs>
+          </a:gsLst>
+          <a:lin ang="5400000" scaled="0"/>
+        </a:gradFill>
+      </a:fillStyleLst>
+      <a:lnStyleLst>
+        <a:ln w="6350" cap="flat" cmpd="sng" algn="ctr">
+          <a:solidFill>
+            <a:schemeClr val="phClr"/>
+          </a:solidFill>
+          <a:prstDash val="solid"/>
+          <a:miter lim="800000"/>
+        </a:ln>
+        <a:ln w="12700" cap="flat" cmpd="sng" algn="ctr">
+          <a:solidFill>
+            <a:schemeClr val="phClr"/>
+          </a:solidFill>
+          <a:prstDash val="solid"/>
+          <a:miter lim="800000"/>
+        </a:ln>
+        <a:ln w="19050" cap="flat" cmpd="sng" algn="ctr">
+          <a:solidFill>
+            <a:schemeClr val="phClr"/>
+          </a:solidFill>
+          <a:prstDash val="solid"/>
+          <a:miter lim="800000"/>
+        </a:ln>
+      </a:lnStyleLst>
+      <a:effectStyleLst>
+        <a:effectStyle>
+          <a:effectLst/>
+        </a:effectStyle>
+        <a:effectStyle>
+          <a:effectLst/>
+        </a:effectStyle>
+        <a:effectStyle>
+          <a:effectLst>
+            <a:outerShdw blurRad="57150" dist="19050" dir="5400000" algn="ctr" rotWithShape="0">
+              <a:srgbClr val="000000">
+                <a:alpha val="63000"/>
+              </a:srgbClr>
+            </a:outerShdw>
+          </a:effectLst>
+        </a:effectStyle>
+      </a:effectStyleLst>
+      <a:bgFillStyleLst>
+        <a:solidFill>
+          <a:schemeClr val="phClr"/>
+        </a:solidFill>
+        <a:solidFill>
+          <a:schemeClr val="phClr">
+            <a:tint val="95000"/>
+            <a:satMod val="170000"/>
+          </a:schemeClr>
+        </a:solidFill>
+        <a:gradFill rotWithShape="1">
+          <a:gsLst>
+            <a:gs pos="0">
+              <a:schemeClr val="phClr">
+                <a:tint val="93000"/>
+                <a:satMod val="150000"/>
+                <a:shade val="98000"/>
+                <a:lumMod val="102000"/>
+              </a:schemeClr>
+            </a:gs>
+            <a:gs pos="50000">
+              <a:schemeClr val="phClr">
+                <a:tint val="98000"/>
+                <a:satMod val="130000"/>
+                <a:shade val="90000"/>
+                <a:lumMod val="103000"/>
+              </a:schemeClr>
+            </a:gs>
+            <a:gs pos="100000">
+              <a:schemeClr val="phClr">
+                <a:shade val="63000"/>
+                <a:satMod val="120000"/>
+              </a:schemeClr>
+            </a:gs>
+          </a:gsLst>
+          <a:lin ang="5400000" scaled="0"/>
+        </a:gradFill>
+      </a:bgFillStyleLst>
+    </a:fmtScheme>
+  </a:themeElements>
+  <a:objectDefaults/>
+  <a:extraClrSchemeLst/>
+  <a:extLst>
+    <a:ext uri="{05A4C25C-085E-4340-85A3-A5531E510DB2}">
+      <thm15:themeFamily xmlns:thm15="http://schemas.microsoft.com/office/thememl/2012/main" name="Office Theme" id="{62F939B6-93AF-4DB8-9C6B-D6C7DFDC589F}" vid="{4A3C46E8-61CC-4603-A589-7422A47A8E4A}"/>
+    </a:ext>
+  </a:extLst>
+</a:theme>
 </file>
--- a/2nd-Factor.pptx
+++ b/2nd-Factor.pptx
@@ -5,17 +5,18 @@
     <p:sldMasterId id="2147483660" r:id="rId1"/>
   </p:sldMasterIdLst>
   <p:notesMasterIdLst>
-    <p:notesMasterId r:id="rId10"/>
+    <p:notesMasterId r:id="rId11"/>
   </p:notesMasterIdLst>
   <p:sldIdLst>
     <p:sldId id="256" r:id="rId2"/>
     <p:sldId id="257" r:id="rId3"/>
     <p:sldId id="258" r:id="rId4"/>
-    <p:sldId id="259" r:id="rId5"/>
-    <p:sldId id="260" r:id="rId6"/>
-    <p:sldId id="261" r:id="rId7"/>
-    <p:sldId id="262" r:id="rId8"/>
-    <p:sldId id="263" r:id="rId9"/>
+    <p:sldId id="264" r:id="rId5"/>
+    <p:sldId id="259" r:id="rId6"/>
+    <p:sldId id="260" r:id="rId7"/>
+    <p:sldId id="261" r:id="rId8"/>
+    <p:sldId id="262" r:id="rId9"/>
+    <p:sldId id="263" r:id="rId10"/>
   </p:sldIdLst>
   <p:sldSz cx="12192000" cy="6858000"/>
   <p:notesSz cx="6858000" cy="9144000"/>
@@ -362,7 +363,7 @@
           <a:p>
             <a:fld id="{E4E64A27-1B3B-4CF8-8F9C-AF67607CCD52}" type="slidenum">
               <a:rPr lang="nl-NL" smtClean="0"/>
-              <a:t>‹nr.›</a:t>
+              <a:t>‹#›</a:t>
             </a:fld>
             <a:endParaRPr lang="nl-NL"/>
           </a:p>
@@ -788,7 +789,7 @@
           <a:p>
             <a:fld id="{ED99817C-485A-4F31-99A2-8B379398FC65}" type="slidenum">
               <a:rPr lang="nl-NL" smtClean="0"/>
-              <a:t>‹nr.›</a:t>
+              <a:t>‹#›</a:t>
             </a:fld>
             <a:endParaRPr lang="nl-NL"/>
           </a:p>
@@ -1224,7 +1225,7 @@
           <a:p>
             <a:fld id="{ED99817C-485A-4F31-99A2-8B379398FC65}" type="slidenum">
               <a:rPr lang="nl-NL" smtClean="0"/>
-              <a:t>‹nr.›</a:t>
+              <a:t>‹#›</a:t>
             </a:fld>
             <a:endParaRPr lang="nl-NL"/>
           </a:p>
@@ -1474,7 +1475,7 @@
           <a:p>
             <a:fld id="{ED99817C-485A-4F31-99A2-8B379398FC65}" type="slidenum">
               <a:rPr lang="nl-NL" smtClean="0"/>
-              <a:t>‹nr.›</a:t>
+              <a:t>‹#›</a:t>
             </a:fld>
             <a:endParaRPr lang="nl-NL"/>
           </a:p>
@@ -1782,7 +1783,7 @@
           <a:p>
             <a:fld id="{ED99817C-485A-4F31-99A2-8B379398FC65}" type="slidenum">
               <a:rPr lang="nl-NL" smtClean="0"/>
-              <a:t>‹nr.›</a:t>
+              <a:t>‹#›</a:t>
             </a:fld>
             <a:endParaRPr lang="nl-NL"/>
           </a:p>
@@ -2100,7 +2101,7 @@
           <a:p>
             <a:fld id="{ED99817C-485A-4F31-99A2-8B379398FC65}" type="slidenum">
               <a:rPr lang="nl-NL" smtClean="0"/>
-              <a:t>‹nr.›</a:t>
+              <a:t>‹#›</a:t>
             </a:fld>
             <a:endParaRPr lang="nl-NL"/>
           </a:p>
@@ -2402,7 +2403,7 @@
           <a:p>
             <a:fld id="{ED99817C-485A-4F31-99A2-8B379398FC65}" type="slidenum">
               <a:rPr lang="nl-NL" smtClean="0"/>
-              <a:t>‹nr.›</a:t>
+              <a:t>‹#›</a:t>
             </a:fld>
             <a:endParaRPr lang="nl-NL"/>
           </a:p>
@@ -2769,7 +2770,7 @@
           <a:p>
             <a:fld id="{ED99817C-485A-4F31-99A2-8B379398FC65}" type="slidenum">
               <a:rPr lang="nl-NL" smtClean="0"/>
-              <a:t>‹nr.›</a:t>
+              <a:t>‹#›</a:t>
             </a:fld>
             <a:endParaRPr lang="nl-NL"/>
           </a:p>
@@ -2943,7 +2944,7 @@
           <a:p>
             <a:fld id="{ED99817C-485A-4F31-99A2-8B379398FC65}" type="slidenum">
               <a:rPr lang="nl-NL" smtClean="0"/>
-              <a:t>‹nr.›</a:t>
+              <a:t>‹#›</a:t>
             </a:fld>
             <a:endParaRPr lang="nl-NL"/>
           </a:p>
@@ -3123,7 +3124,7 @@
           <a:p>
             <a:fld id="{ED99817C-485A-4F31-99A2-8B379398FC65}" type="slidenum">
               <a:rPr lang="nl-NL" smtClean="0"/>
-              <a:t>‹nr.›</a:t>
+              <a:t>‹#›</a:t>
             </a:fld>
             <a:endParaRPr lang="nl-NL"/>
           </a:p>
@@ -3293,7 +3294,7 @@
           <a:p>
             <a:fld id="{ED99817C-485A-4F31-99A2-8B379398FC65}" type="slidenum">
               <a:rPr lang="nl-NL" smtClean="0"/>
-              <a:t>‹nr.›</a:t>
+              <a:t>‹#›</a:t>
             </a:fld>
             <a:endParaRPr lang="nl-NL"/>
           </a:p>
@@ -3543,7 +3544,7 @@
           <a:p>
             <a:fld id="{ED99817C-485A-4F31-99A2-8B379398FC65}" type="slidenum">
               <a:rPr lang="nl-NL" smtClean="0"/>
-              <a:t>‹nr.›</a:t>
+              <a:t>‹#›</a:t>
             </a:fld>
             <a:endParaRPr lang="nl-NL"/>
           </a:p>
@@ -3779,7 +3780,7 @@
           <a:p>
             <a:fld id="{ED99817C-485A-4F31-99A2-8B379398FC65}" type="slidenum">
               <a:rPr lang="nl-NL" smtClean="0"/>
-              <a:t>‹nr.›</a:t>
+              <a:t>‹#›</a:t>
             </a:fld>
             <a:endParaRPr lang="nl-NL"/>
           </a:p>
@@ -4161,7 +4162,7 @@
           <a:p>
             <a:fld id="{ED99817C-485A-4F31-99A2-8B379398FC65}" type="slidenum">
               <a:rPr lang="nl-NL" smtClean="0"/>
-              <a:t>‹nr.›</a:t>
+              <a:t>‹#›</a:t>
             </a:fld>
             <a:endParaRPr lang="nl-NL"/>
           </a:p>
@@ -4279,7 +4280,7 @@
           <a:p>
             <a:fld id="{ED99817C-485A-4F31-99A2-8B379398FC65}" type="slidenum">
               <a:rPr lang="nl-NL" smtClean="0"/>
-              <a:t>‹nr.›</a:t>
+              <a:t>‹#›</a:t>
             </a:fld>
             <a:endParaRPr lang="nl-NL"/>
           </a:p>
@@ -4374,7 +4375,7 @@
           <a:p>
             <a:fld id="{ED99817C-485A-4F31-99A2-8B379398FC65}" type="slidenum">
               <a:rPr lang="nl-NL" smtClean="0"/>
-              <a:t>‹nr.›</a:t>
+              <a:t>‹#›</a:t>
             </a:fld>
             <a:endParaRPr lang="nl-NL"/>
           </a:p>
@@ -4629,7 +4630,7 @@
           <a:p>
             <a:fld id="{ED99817C-485A-4F31-99A2-8B379398FC65}" type="slidenum">
               <a:rPr lang="nl-NL" smtClean="0"/>
-              <a:t>‹nr.›</a:t>
+              <a:t>‹#›</a:t>
             </a:fld>
             <a:endParaRPr lang="nl-NL"/>
           </a:p>
@@ -4912,7 +4913,7 @@
           <a:p>
             <a:fld id="{ED99817C-485A-4F31-99A2-8B379398FC65}" type="slidenum">
               <a:rPr lang="nl-NL" smtClean="0"/>
-              <a:t>‹nr.›</a:t>
+              <a:t>‹#›</a:t>
             </a:fld>
             <a:endParaRPr lang="nl-NL"/>
           </a:p>
@@ -5358,7 +5359,7 @@
           <a:p>
             <a:fld id="{ED99817C-485A-4F31-99A2-8B379398FC65}" type="slidenum">
               <a:rPr lang="nl-NL" smtClean="0"/>
-              <a:t>‹nr.›</a:t>
+              <a:t>‹#›</a:t>
             </a:fld>
             <a:endParaRPr lang="nl-NL"/>
           </a:p>
@@ -6971,6 +6972,74 @@
 <file path=ppt/slides/slide4.xml><?xml version="1.0" encoding="utf-8"?>
 <p:sld xmlns:a="http://schemas.openxmlformats.org/drawingml/2006/main" xmlns:r="http://schemas.openxmlformats.org/officeDocument/2006/relationships" xmlns:p="http://schemas.openxmlformats.org/presentationml/2006/main">
   <p:cSld>
+    <p:spTree>
+      <p:nvGrpSpPr>
+        <p:cNvPr id="1" name=""/>
+        <p:cNvGrpSpPr/>
+        <p:nvPr/>
+      </p:nvGrpSpPr>
+      <p:grpSpPr>
+        <a:xfrm>
+          <a:off x="0" y="0"/>
+          <a:ext cx="0" cy="0"/>
+          <a:chOff x="0" y="0"/>
+          <a:chExt cx="0" cy="0"/>
+        </a:xfrm>
+      </p:grpSpPr>
+      <p:pic>
+        <p:nvPicPr>
+          <p:cNvPr id="5" name="Content Placeholder 4">
+            <a:extLst>
+              <a:ext uri="{FF2B5EF4-FFF2-40B4-BE49-F238E27FC236}">
+                <a16:creationId xmlns:a16="http://schemas.microsoft.com/office/drawing/2014/main" id="{0251F030-0AC3-4602-8FB3-132FEDEA8813}"/>
+              </a:ext>
+            </a:extLst>
+          </p:cNvPr>
+          <p:cNvPicPr>
+            <a:picLocks noGrp="1" noChangeAspect="1"/>
+          </p:cNvPicPr>
+          <p:nvPr>
+            <p:ph idx="1"/>
+          </p:nvPr>
+        </p:nvPicPr>
+        <p:blipFill>
+          <a:blip r:embed="rId2">
+            <a:extLst>
+              <a:ext uri="{28A0092B-C50C-407E-A947-70E740481C1C}">
+                <a14:useLocalDpi xmlns:a14="http://schemas.microsoft.com/office/drawing/2010/main" val="0"/>
+              </a:ext>
+              <a:ext uri="{96DAC541-7B7A-43D3-8B79-37D633B846F1}">
+                <asvg:svgBlip xmlns:asvg="http://schemas.microsoft.com/office/drawing/2016/SVG/main" r:embed="rId3"/>
+              </a:ext>
+            </a:extLst>
+          </a:blip>
+          <a:stretch>
+            <a:fillRect/>
+          </a:stretch>
+        </p:blipFill>
+        <p:spPr>
+          <a:xfrm>
+            <a:off x="3444180" y="144624"/>
+            <a:ext cx="4832072" cy="6259268"/>
+          </a:xfrm>
+        </p:spPr>
+      </p:pic>
+    </p:spTree>
+    <p:extLst>
+      <p:ext uri="{BB962C8B-B14F-4D97-AF65-F5344CB8AC3E}">
+        <p14:creationId xmlns:p14="http://schemas.microsoft.com/office/powerpoint/2010/main" val="3979184115"/>
+      </p:ext>
+    </p:extLst>
+  </p:cSld>
+  <p:clrMapOvr>
+    <a:masterClrMapping/>
+  </p:clrMapOvr>
+</p:sld>
+</file>
+
+<file path=ppt/slides/slide5.xml><?xml version="1.0" encoding="utf-8"?>
+<p:sld xmlns:a="http://schemas.openxmlformats.org/drawingml/2006/main" xmlns:r="http://schemas.openxmlformats.org/officeDocument/2006/relationships" xmlns:p="http://schemas.openxmlformats.org/presentationml/2006/main">
+  <p:cSld>
     <p:bg>
       <p:bgPr>
         <a:gradFill rotWithShape="1">
@@ -7260,7 +7329,7 @@
 </p:sld>
 </file>
 
-<file path=ppt/slides/slide5.xml><?xml version="1.0" encoding="utf-8"?>
+<file path=ppt/slides/slide6.xml><?xml version="1.0" encoding="utf-8"?>
 <p:sld xmlns:a="http://schemas.openxmlformats.org/drawingml/2006/main" xmlns:r="http://schemas.openxmlformats.org/officeDocument/2006/relationships" xmlns:p="http://schemas.openxmlformats.org/presentationml/2006/main">
   <p:cSld>
     <p:bg>
@@ -7917,7 +7986,7 @@
 </p:sld>
 </file>
 
-<file path=ppt/slides/slide6.xml><?xml version="1.0" encoding="utf-8"?>
+<file path=ppt/slides/slide7.xml><?xml version="1.0" encoding="utf-8"?>
 <p:sld xmlns:a="http://schemas.openxmlformats.org/drawingml/2006/main" xmlns:r="http://schemas.openxmlformats.org/officeDocument/2006/relationships" xmlns:p="http://schemas.openxmlformats.org/presentationml/2006/main">
   <p:cSld>
     <p:bg>
@@ -8734,7 +8803,7 @@
 </p:sld>
 </file>
 
-<file path=ppt/slides/slide7.xml><?xml version="1.0" encoding="utf-8"?>
+<file path=ppt/slides/slide8.xml><?xml version="1.0" encoding="utf-8"?>
 <p:sld xmlns:a="http://schemas.openxmlformats.org/drawingml/2006/main" xmlns:r="http://schemas.openxmlformats.org/officeDocument/2006/relationships" xmlns:p="http://schemas.openxmlformats.org/presentationml/2006/main">
   <p:cSld>
     <p:bg>
@@ -9370,7 +9439,7 @@
 </p:sld>
 </file>
 
-<file path=ppt/slides/slide8.xml><?xml version="1.0" encoding="utf-8"?>
+<file path=ppt/slides/slide9.xml><?xml version="1.0" encoding="utf-8"?>
 <p:sld xmlns:a="http://schemas.openxmlformats.org/drawingml/2006/main" xmlns:r="http://schemas.openxmlformats.org/officeDocument/2006/relationships" xmlns:p="http://schemas.openxmlformats.org/presentationml/2006/main">
   <p:cSld>
     <p:bg>
